--- a/lesson2/Session2.pptx
+++ b/lesson2/Session2.pptx
@@ -2,7 +2,7 @@
 <file path=ppt/presentation.xml><?xml version="1.0" encoding="utf-8"?>
 <p:presentation xmlns:a="http://schemas.openxmlformats.org/drawingml/2006/main" xmlns:r="http://schemas.openxmlformats.org/officeDocument/2006/relationships" xmlns:mc="http://schemas.openxmlformats.org/markup-compatibility/2006" xmlns:mv="urn:schemas-microsoft-com:mac:vml" xmlns:p="http://schemas.openxmlformats.org/presentationml/2006/main" xmlns:c="http://schemas.openxmlformats.org/drawingml/2006/chart" xmlns:dgm="http://schemas.openxmlformats.org/drawingml/2006/diagram" xmlns:o="urn:schemas-microsoft-com:office:office" xmlns:v="urn:schemas-microsoft-com:vml" xmlns:pvml="urn:schemas-microsoft-com:office:powerpoint" xmlns:com="http://schemas.openxmlformats.org/drawingml/2006/compatibility" xmlns:p14="http://schemas.microsoft.com/office/powerpoint/2010/main" xmlns:p15="http://schemas.microsoft.com/office/powerpoint/2012/main" xmlns:ahyp="http://schemas.microsoft.com/office/drawing/2018/hyperlinkcolor" autoCompressPictures="0" embedTrueTypeFonts="1" strictFirstAndLastChars="0" saveSubsetFonts="1">
   <p:sldMasterIdLst>
-    <p:sldMasterId id="2147483659" r:id="rId5"/>
+    <p:sldMasterId id="2147483648" r:id="rId5"/>
   </p:sldMasterIdLst>
   <p:notesMasterIdLst>
     <p:notesMasterId r:id="rId6"/>
@@ -23,30 +23,25 @@
     <p:sldId id="268" r:id="rId19"/>
     <p:sldId id="269" r:id="rId20"/>
     <p:sldId id="270" r:id="rId21"/>
+    <p:sldId id="271" r:id="rId22"/>
+    <p:sldId id="272" r:id="rId23"/>
   </p:sldIdLst>
   <p:sldSz cy="5143500" cx="9144000"/>
   <p:notesSz cx="6858000" cy="9144000"/>
   <p:embeddedFontLst>
     <p:embeddedFont>
-      <p:font typeface="Roboto"/>
-      <p:regular r:id="rId22"/>
-      <p:bold r:id="rId23"/>
-      <p:italic r:id="rId24"/>
-      <p:boldItalic r:id="rId25"/>
-    </p:embeddedFont>
-    <p:embeddedFont>
       <p:font typeface="Nunito"/>
-      <p:regular r:id="rId26"/>
-      <p:bold r:id="rId27"/>
-      <p:italic r:id="rId28"/>
-      <p:boldItalic r:id="rId29"/>
+      <p:regular r:id="rId24"/>
+      <p:bold r:id="rId25"/>
+      <p:italic r:id="rId26"/>
+      <p:boldItalic r:id="rId27"/>
     </p:embeddedFont>
     <p:embeddedFont>
       <p:font typeface="Roboto Mono"/>
-      <p:regular r:id="rId30"/>
-      <p:bold r:id="rId31"/>
-      <p:italic r:id="rId32"/>
-      <p:boldItalic r:id="rId33"/>
+      <p:regular r:id="rId28"/>
+      <p:bold r:id="rId29"/>
+      <p:italic r:id="rId30"/>
+      <p:boldItalic r:id="rId31"/>
     </p:embeddedFont>
   </p:embeddedFontLst>
   <p:defaultTextStyle>
@@ -293,6 +288,9 @@
         </p15:guide>
       </p15:sldGuideLst>
     </p:ext>
+    <p:ext uri="GoogleSlidesCustomDataVersion2">
+      <go:slidesCustomData xmlns:go="http://customooxmlschemas.google.com/" r:id="rId32" roundtripDataSignature="AMtx7mh2ArKc76CoZtAS7XUlwfxycnTCRw=="/>
+    </p:ext>
   </p:extLst>
 </p:presentation>
 </file>
@@ -385,104 +383,239 @@
             <a:noAutofit/>
           </a:bodyPr>
           <a:lstStyle>
-            <a:lvl1pPr indent="-298450" lvl="0" marL="457200">
-              <a:spcBef>
-                <a:spcPts val="0"/>
-              </a:spcBef>
-              <a:spcAft>
-                <a:spcPts val="0"/>
-              </a:spcAft>
+            <a:lvl1pPr indent="-298450" lvl="0" marL="457200" marR="0" rtl="0" algn="l">
+              <a:lnSpc>
+                <a:spcPct val="100000"/>
+              </a:lnSpc>
+              <a:spcBef>
+                <a:spcPts val="0"/>
+              </a:spcBef>
+              <a:spcAft>
+                <a:spcPts val="0"/>
+              </a:spcAft>
+              <a:buClr>
+                <a:srgbClr val="000000"/>
+              </a:buClr>
               <a:buSzPts val="1100"/>
+              <a:buFont typeface="Arial"/>
               <a:buChar char="●"/>
-              <a:defRPr sz="1100"/>
+              <a:defRPr b="0" i="0" sz="1100" u="none" cap="none" strike="noStrike">
+                <a:solidFill>
+                  <a:srgbClr val="000000"/>
+                </a:solidFill>
+                <a:latin typeface="Arial"/>
+                <a:ea typeface="Arial"/>
+                <a:cs typeface="Arial"/>
+                <a:sym typeface="Arial"/>
+              </a:defRPr>
             </a:lvl1pPr>
-            <a:lvl2pPr indent="-298450" lvl="1" marL="914400">
-              <a:spcBef>
-                <a:spcPts val="0"/>
-              </a:spcBef>
-              <a:spcAft>
-                <a:spcPts val="0"/>
-              </a:spcAft>
+            <a:lvl2pPr indent="-298450" lvl="1" marL="914400" marR="0" rtl="0" algn="l">
+              <a:lnSpc>
+                <a:spcPct val="100000"/>
+              </a:lnSpc>
+              <a:spcBef>
+                <a:spcPts val="0"/>
+              </a:spcBef>
+              <a:spcAft>
+                <a:spcPts val="0"/>
+              </a:spcAft>
+              <a:buClr>
+                <a:srgbClr val="000000"/>
+              </a:buClr>
               <a:buSzPts val="1100"/>
+              <a:buFont typeface="Arial"/>
               <a:buChar char="○"/>
-              <a:defRPr sz="1100"/>
+              <a:defRPr b="0" i="0" sz="1100" u="none" cap="none" strike="noStrike">
+                <a:solidFill>
+                  <a:srgbClr val="000000"/>
+                </a:solidFill>
+                <a:latin typeface="Arial"/>
+                <a:ea typeface="Arial"/>
+                <a:cs typeface="Arial"/>
+                <a:sym typeface="Arial"/>
+              </a:defRPr>
             </a:lvl2pPr>
-            <a:lvl3pPr indent="-298450" lvl="2" marL="1371600">
-              <a:spcBef>
-                <a:spcPts val="0"/>
-              </a:spcBef>
-              <a:spcAft>
-                <a:spcPts val="0"/>
-              </a:spcAft>
+            <a:lvl3pPr indent="-298450" lvl="2" marL="1371600" marR="0" rtl="0" algn="l">
+              <a:lnSpc>
+                <a:spcPct val="100000"/>
+              </a:lnSpc>
+              <a:spcBef>
+                <a:spcPts val="0"/>
+              </a:spcBef>
+              <a:spcAft>
+                <a:spcPts val="0"/>
+              </a:spcAft>
+              <a:buClr>
+                <a:srgbClr val="000000"/>
+              </a:buClr>
               <a:buSzPts val="1100"/>
+              <a:buFont typeface="Arial"/>
               <a:buChar char="■"/>
-              <a:defRPr sz="1100"/>
+              <a:defRPr b="0" i="0" sz="1100" u="none" cap="none" strike="noStrike">
+                <a:solidFill>
+                  <a:srgbClr val="000000"/>
+                </a:solidFill>
+                <a:latin typeface="Arial"/>
+                <a:ea typeface="Arial"/>
+                <a:cs typeface="Arial"/>
+                <a:sym typeface="Arial"/>
+              </a:defRPr>
             </a:lvl3pPr>
-            <a:lvl4pPr indent="-298450" lvl="3" marL="1828800">
-              <a:spcBef>
-                <a:spcPts val="0"/>
-              </a:spcBef>
-              <a:spcAft>
-                <a:spcPts val="0"/>
-              </a:spcAft>
+            <a:lvl4pPr indent="-298450" lvl="3" marL="1828800" marR="0" rtl="0" algn="l">
+              <a:lnSpc>
+                <a:spcPct val="100000"/>
+              </a:lnSpc>
+              <a:spcBef>
+                <a:spcPts val="0"/>
+              </a:spcBef>
+              <a:spcAft>
+                <a:spcPts val="0"/>
+              </a:spcAft>
+              <a:buClr>
+                <a:srgbClr val="000000"/>
+              </a:buClr>
               <a:buSzPts val="1100"/>
+              <a:buFont typeface="Arial"/>
               <a:buChar char="●"/>
-              <a:defRPr sz="1100"/>
+              <a:defRPr b="0" i="0" sz="1100" u="none" cap="none" strike="noStrike">
+                <a:solidFill>
+                  <a:srgbClr val="000000"/>
+                </a:solidFill>
+                <a:latin typeface="Arial"/>
+                <a:ea typeface="Arial"/>
+                <a:cs typeface="Arial"/>
+                <a:sym typeface="Arial"/>
+              </a:defRPr>
             </a:lvl4pPr>
-            <a:lvl5pPr indent="-298450" lvl="4" marL="2286000">
-              <a:spcBef>
-                <a:spcPts val="0"/>
-              </a:spcBef>
-              <a:spcAft>
-                <a:spcPts val="0"/>
-              </a:spcAft>
+            <a:lvl5pPr indent="-298450" lvl="4" marL="2286000" marR="0" rtl="0" algn="l">
+              <a:lnSpc>
+                <a:spcPct val="100000"/>
+              </a:lnSpc>
+              <a:spcBef>
+                <a:spcPts val="0"/>
+              </a:spcBef>
+              <a:spcAft>
+                <a:spcPts val="0"/>
+              </a:spcAft>
+              <a:buClr>
+                <a:srgbClr val="000000"/>
+              </a:buClr>
               <a:buSzPts val="1100"/>
+              <a:buFont typeface="Arial"/>
               <a:buChar char="○"/>
-              <a:defRPr sz="1100"/>
+              <a:defRPr b="0" i="0" sz="1100" u="none" cap="none" strike="noStrike">
+                <a:solidFill>
+                  <a:srgbClr val="000000"/>
+                </a:solidFill>
+                <a:latin typeface="Arial"/>
+                <a:ea typeface="Arial"/>
+                <a:cs typeface="Arial"/>
+                <a:sym typeface="Arial"/>
+              </a:defRPr>
             </a:lvl5pPr>
-            <a:lvl6pPr indent="-298450" lvl="5" marL="2743200">
-              <a:spcBef>
-                <a:spcPts val="0"/>
-              </a:spcBef>
-              <a:spcAft>
-                <a:spcPts val="0"/>
-              </a:spcAft>
+            <a:lvl6pPr indent="-298450" lvl="5" marL="2743200" marR="0" rtl="0" algn="l">
+              <a:lnSpc>
+                <a:spcPct val="100000"/>
+              </a:lnSpc>
+              <a:spcBef>
+                <a:spcPts val="0"/>
+              </a:spcBef>
+              <a:spcAft>
+                <a:spcPts val="0"/>
+              </a:spcAft>
+              <a:buClr>
+                <a:srgbClr val="000000"/>
+              </a:buClr>
               <a:buSzPts val="1100"/>
+              <a:buFont typeface="Arial"/>
               <a:buChar char="■"/>
-              <a:defRPr sz="1100"/>
+              <a:defRPr b="0" i="0" sz="1100" u="none" cap="none" strike="noStrike">
+                <a:solidFill>
+                  <a:srgbClr val="000000"/>
+                </a:solidFill>
+                <a:latin typeface="Arial"/>
+                <a:ea typeface="Arial"/>
+                <a:cs typeface="Arial"/>
+                <a:sym typeface="Arial"/>
+              </a:defRPr>
             </a:lvl6pPr>
-            <a:lvl7pPr indent="-298450" lvl="6" marL="3200400">
-              <a:spcBef>
-                <a:spcPts val="0"/>
-              </a:spcBef>
-              <a:spcAft>
-                <a:spcPts val="0"/>
-              </a:spcAft>
+            <a:lvl7pPr indent="-298450" lvl="6" marL="3200400" marR="0" rtl="0" algn="l">
+              <a:lnSpc>
+                <a:spcPct val="100000"/>
+              </a:lnSpc>
+              <a:spcBef>
+                <a:spcPts val="0"/>
+              </a:spcBef>
+              <a:spcAft>
+                <a:spcPts val="0"/>
+              </a:spcAft>
+              <a:buClr>
+                <a:srgbClr val="000000"/>
+              </a:buClr>
               <a:buSzPts val="1100"/>
+              <a:buFont typeface="Arial"/>
               <a:buChar char="●"/>
-              <a:defRPr sz="1100"/>
+              <a:defRPr b="0" i="0" sz="1100" u="none" cap="none" strike="noStrike">
+                <a:solidFill>
+                  <a:srgbClr val="000000"/>
+                </a:solidFill>
+                <a:latin typeface="Arial"/>
+                <a:ea typeface="Arial"/>
+                <a:cs typeface="Arial"/>
+                <a:sym typeface="Arial"/>
+              </a:defRPr>
             </a:lvl7pPr>
-            <a:lvl8pPr indent="-298450" lvl="7" marL="3657600">
-              <a:spcBef>
-                <a:spcPts val="0"/>
-              </a:spcBef>
-              <a:spcAft>
-                <a:spcPts val="0"/>
-              </a:spcAft>
+            <a:lvl8pPr indent="-298450" lvl="7" marL="3657600" marR="0" rtl="0" algn="l">
+              <a:lnSpc>
+                <a:spcPct val="100000"/>
+              </a:lnSpc>
+              <a:spcBef>
+                <a:spcPts val="0"/>
+              </a:spcBef>
+              <a:spcAft>
+                <a:spcPts val="0"/>
+              </a:spcAft>
+              <a:buClr>
+                <a:srgbClr val="000000"/>
+              </a:buClr>
               <a:buSzPts val="1100"/>
+              <a:buFont typeface="Arial"/>
               <a:buChar char="○"/>
-              <a:defRPr sz="1100"/>
+              <a:defRPr b="0" i="0" sz="1100" u="none" cap="none" strike="noStrike">
+                <a:solidFill>
+                  <a:srgbClr val="000000"/>
+                </a:solidFill>
+                <a:latin typeface="Arial"/>
+                <a:ea typeface="Arial"/>
+                <a:cs typeface="Arial"/>
+                <a:sym typeface="Arial"/>
+              </a:defRPr>
             </a:lvl8pPr>
-            <a:lvl9pPr indent="-298450" lvl="8" marL="4114800">
-              <a:spcBef>
-                <a:spcPts val="0"/>
-              </a:spcBef>
-              <a:spcAft>
-                <a:spcPts val="0"/>
-              </a:spcAft>
+            <a:lvl9pPr indent="-298450" lvl="8" marL="4114800" marR="0" rtl="0" algn="l">
+              <a:lnSpc>
+                <a:spcPct val="100000"/>
+              </a:lnSpc>
+              <a:spcBef>
+                <a:spcPts val="0"/>
+              </a:spcBef>
+              <a:spcAft>
+                <a:spcPts val="0"/>
+              </a:spcAft>
+              <a:buClr>
+                <a:srgbClr val="000000"/>
+              </a:buClr>
               <a:buSzPts val="1100"/>
+              <a:buFont typeface="Arial"/>
               <a:buChar char="■"/>
-              <a:defRPr sz="1100"/>
+              <a:defRPr b="0" i="0" sz="1100" u="none" cap="none" strike="noStrike">
+                <a:solidFill>
+                  <a:srgbClr val="000000"/>
+                </a:solidFill>
+                <a:latin typeface="Arial"/>
+                <a:ea typeface="Arial"/>
+                <a:cs typeface="Arial"/>
+                <a:sym typeface="Arial"/>
+              </a:defRPr>
             </a:lvl9pPr>
           </a:lstStyle>
           <a:p/>
@@ -742,7 +875,7 @@
       </p:grpSpPr>
       <p:sp>
         <p:nvSpPr>
-          <p:cNvPr id="51" name="Google Shape;51;g3bc561d1388_1_6:notes"/>
+          <p:cNvPr id="51" name="Google Shape;51;p1:notes"/>
           <p:cNvSpPr/>
           <p:nvPr>
             <p:ph idx="2" type="sldImg"/>
@@ -773,11 +906,21 @@
               </a:path>
             </a:pathLst>
           </a:custGeom>
+          <a:noFill/>
+          <a:ln cap="flat" cmpd="sng" w="9525">
+            <a:solidFill>
+              <a:srgbClr val="000000"/>
+            </a:solidFill>
+            <a:prstDash val="solid"/>
+            <a:round/>
+            <a:headEnd len="sm" w="sm" type="none"/>
+            <a:tailEnd len="sm" w="sm" type="none"/>
+          </a:ln>
         </p:spPr>
       </p:sp>
       <p:sp>
         <p:nvSpPr>
-          <p:cNvPr id="52" name="Google Shape;52;g3bc561d1388_1_6:notes"/>
+          <p:cNvPr id="52" name="Google Shape;52;p1:notes"/>
           <p:cNvSpPr txBox="1"/>
           <p:nvPr>
             <p:ph idx="1" type="body"/>
@@ -791,6 +934,10 @@
           <a:prstGeom prst="rect">
             <a:avLst/>
           </a:prstGeom>
+          <a:noFill/>
+          <a:ln>
+            <a:noFill/>
+          </a:ln>
         </p:spPr>
         <p:txBody>
           <a:bodyPr anchorCtr="0" anchor="t" bIns="91425" lIns="91425" spcFirstLastPara="1" rIns="91425" wrap="square" tIns="91425">
@@ -799,12 +946,16 @@
           <a:lstStyle/>
           <a:p>
             <a:pPr indent="0" lvl="0" marL="0" rtl="0" algn="l">
-              <a:spcBef>
-                <a:spcPts val="0"/>
-              </a:spcBef>
-              <a:spcAft>
-                <a:spcPts val="0"/>
-              </a:spcAft>
+              <a:lnSpc>
+                <a:spcPct val="100000"/>
+              </a:lnSpc>
+              <a:spcBef>
+                <a:spcPts val="0"/>
+              </a:spcBef>
+              <a:spcAft>
+                <a:spcPts val="0"/>
+              </a:spcAft>
+              <a:buSzPts val="1100"/>
               <a:buNone/>
             </a:pPr>
             <a:r>
@@ -827,7 +978,7 @@
   <p:cSld>
     <p:spTree>
       <p:nvGrpSpPr>
-        <p:cNvPr id="105" name="Shape 105"/>
+        <p:cNvPr id="103" name="Shape 103"/>
         <p:cNvGrpSpPr/>
         <p:nvPr/>
       </p:nvGrpSpPr>
@@ -841,7 +992,7 @@
       </p:grpSpPr>
       <p:sp>
         <p:nvSpPr>
-          <p:cNvPr id="106" name="Google Shape;106;g3b8ae9ccc97_0_44:notes"/>
+          <p:cNvPr id="104" name="Google Shape;104;p9:notes"/>
           <p:cNvSpPr/>
           <p:nvPr>
             <p:ph idx="2" type="sldImg"/>
@@ -872,11 +1023,21 @@
               </a:path>
             </a:pathLst>
           </a:custGeom>
+          <a:noFill/>
+          <a:ln cap="flat" cmpd="sng" w="9525">
+            <a:solidFill>
+              <a:srgbClr val="000000"/>
+            </a:solidFill>
+            <a:prstDash val="solid"/>
+            <a:round/>
+            <a:headEnd len="sm" w="sm" type="none"/>
+            <a:tailEnd len="sm" w="sm" type="none"/>
+          </a:ln>
         </p:spPr>
       </p:sp>
       <p:sp>
         <p:nvSpPr>
-          <p:cNvPr id="107" name="Google Shape;107;g3b8ae9ccc97_0_44:notes"/>
+          <p:cNvPr id="105" name="Google Shape;105;p9:notes"/>
           <p:cNvSpPr txBox="1"/>
           <p:nvPr>
             <p:ph idx="1" type="body"/>
@@ -890,6 +1051,10 @@
           <a:prstGeom prst="rect">
             <a:avLst/>
           </a:prstGeom>
+          <a:noFill/>
+          <a:ln>
+            <a:noFill/>
+          </a:ln>
         </p:spPr>
         <p:txBody>
           <a:bodyPr anchorCtr="0" anchor="t" bIns="91425" lIns="91425" spcFirstLastPara="1" rIns="91425" wrap="square" tIns="91425">
@@ -898,12 +1063,16 @@
           <a:lstStyle/>
           <a:p>
             <a:pPr indent="0" lvl="0" marL="0" rtl="0" algn="l">
-              <a:spcBef>
-                <a:spcPts val="0"/>
-              </a:spcBef>
-              <a:spcAft>
-                <a:spcPts val="0"/>
-              </a:spcAft>
+              <a:lnSpc>
+                <a:spcPct val="100000"/>
+              </a:lnSpc>
+              <a:spcBef>
+                <a:spcPts val="0"/>
+              </a:spcBef>
+              <a:spcAft>
+                <a:spcPts val="0"/>
+              </a:spcAft>
+              <a:buSzPts val="1100"/>
               <a:buNone/>
             </a:pPr>
             <a:r>
@@ -926,7 +1095,7 @@
   <p:cSld>
     <p:spTree>
       <p:nvGrpSpPr>
-        <p:cNvPr id="112" name="Shape 112"/>
+        <p:cNvPr id="110" name="Shape 110"/>
         <p:cNvGrpSpPr/>
         <p:nvPr/>
       </p:nvGrpSpPr>
@@ -940,7 +1109,7 @@
       </p:grpSpPr>
       <p:sp>
         <p:nvSpPr>
-          <p:cNvPr id="113" name="Google Shape;113;g3b9def6faeb_0_0:notes"/>
+          <p:cNvPr id="111" name="Google Shape;111;p10:notes"/>
           <p:cNvSpPr/>
           <p:nvPr>
             <p:ph idx="2" type="sldImg"/>
@@ -971,11 +1140,21 @@
               </a:path>
             </a:pathLst>
           </a:custGeom>
+          <a:noFill/>
+          <a:ln cap="flat" cmpd="sng" w="9525">
+            <a:solidFill>
+              <a:srgbClr val="000000"/>
+            </a:solidFill>
+            <a:prstDash val="solid"/>
+            <a:round/>
+            <a:headEnd len="sm" w="sm" type="none"/>
+            <a:tailEnd len="sm" w="sm" type="none"/>
+          </a:ln>
         </p:spPr>
       </p:sp>
       <p:sp>
         <p:nvSpPr>
-          <p:cNvPr id="114" name="Google Shape;114;g3b9def6faeb_0_0:notes"/>
+          <p:cNvPr id="112" name="Google Shape;112;p10:notes"/>
           <p:cNvSpPr txBox="1"/>
           <p:nvPr>
             <p:ph idx="1" type="body"/>
@@ -989,6 +1168,10 @@
           <a:prstGeom prst="rect">
             <a:avLst/>
           </a:prstGeom>
+          <a:noFill/>
+          <a:ln>
+            <a:noFill/>
+          </a:ln>
         </p:spPr>
         <p:txBody>
           <a:bodyPr anchorCtr="0" anchor="t" bIns="91425" lIns="91425" spcFirstLastPara="1" rIns="91425" wrap="square" tIns="91425">
@@ -997,12 +1180,16 @@
           <a:lstStyle/>
           <a:p>
             <a:pPr indent="0" lvl="0" marL="0" rtl="0" algn="l">
-              <a:spcBef>
-                <a:spcPts val="0"/>
-              </a:spcBef>
-              <a:spcAft>
-                <a:spcPts val="0"/>
-              </a:spcAft>
+              <a:lnSpc>
+                <a:spcPct val="100000"/>
+              </a:lnSpc>
+              <a:spcBef>
+                <a:spcPts val="0"/>
+              </a:spcBef>
+              <a:spcAft>
+                <a:spcPts val="0"/>
+              </a:spcAft>
+              <a:buSzPts val="1100"/>
               <a:buNone/>
             </a:pPr>
             <a:r>
@@ -1025,7 +1212,7 @@
   <p:cSld>
     <p:spTree>
       <p:nvGrpSpPr>
-        <p:cNvPr id="118" name="Shape 118"/>
+        <p:cNvPr id="117" name="Shape 117"/>
         <p:cNvGrpSpPr/>
         <p:nvPr/>
       </p:nvGrpSpPr>
@@ -1039,7 +1226,7 @@
       </p:grpSpPr>
       <p:sp>
         <p:nvSpPr>
-          <p:cNvPr id="119" name="Google Shape;119;g3b8ae9ccc97_0_18:notes"/>
+          <p:cNvPr id="118" name="Google Shape;118;p11:notes"/>
           <p:cNvSpPr/>
           <p:nvPr>
             <p:ph idx="2" type="sldImg"/>
@@ -1070,11 +1257,21 @@
               </a:path>
             </a:pathLst>
           </a:custGeom>
+          <a:noFill/>
+          <a:ln cap="flat" cmpd="sng" w="9525">
+            <a:solidFill>
+              <a:srgbClr val="000000"/>
+            </a:solidFill>
+            <a:prstDash val="solid"/>
+            <a:round/>
+            <a:headEnd len="sm" w="sm" type="none"/>
+            <a:tailEnd len="sm" w="sm" type="none"/>
+          </a:ln>
         </p:spPr>
       </p:sp>
       <p:sp>
         <p:nvSpPr>
-          <p:cNvPr id="120" name="Google Shape;120;g3b8ae9ccc97_0_18:notes"/>
+          <p:cNvPr id="119" name="Google Shape;119;p11:notes"/>
           <p:cNvSpPr txBox="1"/>
           <p:nvPr>
             <p:ph idx="1" type="body"/>
@@ -1088,6 +1285,10 @@
           <a:prstGeom prst="rect">
             <a:avLst/>
           </a:prstGeom>
+          <a:noFill/>
+          <a:ln>
+            <a:noFill/>
+          </a:ln>
         </p:spPr>
         <p:txBody>
           <a:bodyPr anchorCtr="0" anchor="t" bIns="91425" lIns="91425" spcFirstLastPara="1" rIns="91425" wrap="square" tIns="91425">
@@ -1096,12 +1297,16 @@
           <a:lstStyle/>
           <a:p>
             <a:pPr indent="0" lvl="0" marL="0" rtl="0" algn="l">
-              <a:spcBef>
-                <a:spcPts val="0"/>
-              </a:spcBef>
-              <a:spcAft>
-                <a:spcPts val="0"/>
-              </a:spcAft>
+              <a:lnSpc>
+                <a:spcPct val="100000"/>
+              </a:lnSpc>
+              <a:spcBef>
+                <a:spcPts val="0"/>
+              </a:spcBef>
+              <a:spcAft>
+                <a:spcPts val="0"/>
+              </a:spcAft>
+              <a:buSzPts val="1100"/>
               <a:buNone/>
             </a:pPr>
             <a:r>
@@ -1124,7 +1329,7 @@
   <p:cSld>
     <p:spTree>
       <p:nvGrpSpPr>
-        <p:cNvPr id="124" name="Shape 124"/>
+        <p:cNvPr id="123" name="Shape 123"/>
         <p:cNvGrpSpPr/>
         <p:nvPr/>
       </p:nvGrpSpPr>
@@ -1138,7 +1343,7 @@
       </p:grpSpPr>
       <p:sp>
         <p:nvSpPr>
-          <p:cNvPr id="125" name="Google Shape;125;g3b85965834c_0_0:notes"/>
+          <p:cNvPr id="124" name="Google Shape;124;p12:notes"/>
           <p:cNvSpPr/>
           <p:nvPr>
             <p:ph idx="2" type="sldImg"/>
@@ -1169,11 +1374,21 @@
               </a:path>
             </a:pathLst>
           </a:custGeom>
+          <a:noFill/>
+          <a:ln cap="flat" cmpd="sng" w="9525">
+            <a:solidFill>
+              <a:srgbClr val="000000"/>
+            </a:solidFill>
+            <a:prstDash val="solid"/>
+            <a:round/>
+            <a:headEnd len="sm" w="sm" type="none"/>
+            <a:tailEnd len="sm" w="sm" type="none"/>
+          </a:ln>
         </p:spPr>
       </p:sp>
       <p:sp>
         <p:nvSpPr>
-          <p:cNvPr id="126" name="Google Shape;126;g3b85965834c_0_0:notes"/>
+          <p:cNvPr id="125" name="Google Shape;125;p12:notes"/>
           <p:cNvSpPr txBox="1"/>
           <p:nvPr>
             <p:ph idx="1" type="body"/>
@@ -1187,6 +1402,10 @@
           <a:prstGeom prst="rect">
             <a:avLst/>
           </a:prstGeom>
+          <a:noFill/>
+          <a:ln>
+            <a:noFill/>
+          </a:ln>
         </p:spPr>
         <p:txBody>
           <a:bodyPr anchorCtr="0" anchor="t" bIns="91425" lIns="91425" spcFirstLastPara="1" rIns="91425" wrap="square" tIns="91425">
@@ -1195,12 +1414,16 @@
           <a:lstStyle/>
           <a:p>
             <a:pPr indent="0" lvl="0" marL="0" rtl="0" algn="l">
-              <a:spcBef>
-                <a:spcPts val="0"/>
-              </a:spcBef>
-              <a:spcAft>
-                <a:spcPts val="0"/>
-              </a:spcAft>
+              <a:lnSpc>
+                <a:spcPct val="100000"/>
+              </a:lnSpc>
+              <a:spcBef>
+                <a:spcPts val="0"/>
+              </a:spcBef>
+              <a:spcAft>
+                <a:spcPts val="0"/>
+              </a:spcAft>
+              <a:buSzPts val="1100"/>
               <a:buNone/>
             </a:pPr>
             <a:r>
@@ -1223,7 +1446,7 @@
   <p:cSld>
     <p:spTree>
       <p:nvGrpSpPr>
-        <p:cNvPr id="130" name="Shape 130"/>
+        <p:cNvPr id="129" name="Shape 129"/>
         <p:cNvGrpSpPr/>
         <p:nvPr/>
       </p:nvGrpSpPr>
@@ -1237,7 +1460,7 @@
       </p:grpSpPr>
       <p:sp>
         <p:nvSpPr>
-          <p:cNvPr id="131" name="Google Shape;131;g3b8ae9ccc97_0_0:notes"/>
+          <p:cNvPr id="130" name="Google Shape;130;p13:notes"/>
           <p:cNvSpPr/>
           <p:nvPr>
             <p:ph idx="2" type="sldImg"/>
@@ -1268,11 +1491,21 @@
               </a:path>
             </a:pathLst>
           </a:custGeom>
+          <a:noFill/>
+          <a:ln cap="flat" cmpd="sng" w="9525">
+            <a:solidFill>
+              <a:srgbClr val="000000"/>
+            </a:solidFill>
+            <a:prstDash val="solid"/>
+            <a:round/>
+            <a:headEnd len="sm" w="sm" type="none"/>
+            <a:tailEnd len="sm" w="sm" type="none"/>
+          </a:ln>
         </p:spPr>
       </p:sp>
       <p:sp>
         <p:nvSpPr>
-          <p:cNvPr id="132" name="Google Shape;132;g3b8ae9ccc97_0_0:notes"/>
+          <p:cNvPr id="131" name="Google Shape;131;p13:notes"/>
           <p:cNvSpPr txBox="1"/>
           <p:nvPr>
             <p:ph idx="1" type="body"/>
@@ -1286,6 +1519,10 @@
           <a:prstGeom prst="rect">
             <a:avLst/>
           </a:prstGeom>
+          <a:noFill/>
+          <a:ln>
+            <a:noFill/>
+          </a:ln>
         </p:spPr>
         <p:txBody>
           <a:bodyPr anchorCtr="0" anchor="t" bIns="91425" lIns="91425" spcFirstLastPara="1" rIns="91425" wrap="square" tIns="91425">
@@ -1294,12 +1531,16 @@
           <a:lstStyle/>
           <a:p>
             <a:pPr indent="0" lvl="0" marL="0" rtl="0" algn="l">
-              <a:spcBef>
-                <a:spcPts val="0"/>
-              </a:spcBef>
-              <a:spcAft>
-                <a:spcPts val="0"/>
-              </a:spcAft>
+              <a:lnSpc>
+                <a:spcPct val="100000"/>
+              </a:lnSpc>
+              <a:spcBef>
+                <a:spcPts val="0"/>
+              </a:spcBef>
+              <a:spcAft>
+                <a:spcPts val="0"/>
+              </a:spcAft>
+              <a:buSzPts val="1100"/>
               <a:buNone/>
             </a:pPr>
             <a:r>
@@ -1322,7 +1563,7 @@
   <p:cSld>
     <p:spTree>
       <p:nvGrpSpPr>
-        <p:cNvPr id="136" name="Shape 136"/>
+        <p:cNvPr id="135" name="Shape 135"/>
         <p:cNvGrpSpPr/>
         <p:nvPr/>
       </p:nvGrpSpPr>
@@ -1336,7 +1577,7 @@
       </p:grpSpPr>
       <p:sp>
         <p:nvSpPr>
-          <p:cNvPr id="137" name="Google Shape;137;g3b8ae9ccc97_0_8:notes"/>
+          <p:cNvPr id="136" name="Google Shape;136;p14:notes"/>
           <p:cNvSpPr/>
           <p:nvPr>
             <p:ph idx="2" type="sldImg"/>
@@ -1367,11 +1608,21 @@
               </a:path>
             </a:pathLst>
           </a:custGeom>
+          <a:noFill/>
+          <a:ln cap="flat" cmpd="sng" w="9525">
+            <a:solidFill>
+              <a:srgbClr val="000000"/>
+            </a:solidFill>
+            <a:prstDash val="solid"/>
+            <a:round/>
+            <a:headEnd len="sm" w="sm" type="none"/>
+            <a:tailEnd len="sm" w="sm" type="none"/>
+          </a:ln>
         </p:spPr>
       </p:sp>
       <p:sp>
         <p:nvSpPr>
-          <p:cNvPr id="138" name="Google Shape;138;g3b8ae9ccc97_0_8:notes"/>
+          <p:cNvPr id="137" name="Google Shape;137;p14:notes"/>
           <p:cNvSpPr txBox="1"/>
           <p:nvPr>
             <p:ph idx="1" type="body"/>
@@ -1385,6 +1636,10 @@
           <a:prstGeom prst="rect">
             <a:avLst/>
           </a:prstGeom>
+          <a:noFill/>
+          <a:ln>
+            <a:noFill/>
+          </a:ln>
         </p:spPr>
         <p:txBody>
           <a:bodyPr anchorCtr="0" anchor="t" bIns="91425" lIns="91425" spcFirstLastPara="1" rIns="91425" wrap="square" tIns="91425">
@@ -1393,12 +1648,250 @@
           <a:lstStyle/>
           <a:p>
             <a:pPr indent="0" lvl="0" marL="0" rtl="0" algn="l">
-              <a:spcBef>
-                <a:spcPts val="0"/>
-              </a:spcBef>
-              <a:spcAft>
-                <a:spcPts val="0"/>
-              </a:spcAft>
+              <a:lnSpc>
+                <a:spcPct val="100000"/>
+              </a:lnSpc>
+              <a:spcBef>
+                <a:spcPts val="0"/>
+              </a:spcBef>
+              <a:spcAft>
+                <a:spcPts val="0"/>
+              </a:spcAft>
+              <a:buSzPts val="1100"/>
+              <a:buNone/>
+            </a:pPr>
+            <a:r>
+              <a:t/>
+            </a:r>
+            <a:endParaRPr/>
+          </a:p>
+        </p:txBody>
+      </p:sp>
+    </p:spTree>
+  </p:cSld>
+  <p:clrMapOvr>
+    <a:masterClrMapping/>
+  </p:clrMapOvr>
+</p:notes>
+</file>
+
+<file path=ppt/notesSlides/notesSlide16.xml><?xml version="1.0" encoding="utf-8"?>
+<p:notes xmlns:a="http://schemas.openxmlformats.org/drawingml/2006/main" xmlns:r="http://schemas.openxmlformats.org/officeDocument/2006/relationships" xmlns:mc="http://schemas.openxmlformats.org/markup-compatibility/2006" xmlns:mv="urn:schemas-microsoft-com:mac:vml" xmlns:p="http://schemas.openxmlformats.org/presentationml/2006/main" xmlns:c="http://schemas.openxmlformats.org/drawingml/2006/chart" xmlns:dgm="http://schemas.openxmlformats.org/drawingml/2006/diagram" xmlns:o="urn:schemas-microsoft-com:office:office" xmlns:v="urn:schemas-microsoft-com:vml" xmlns:pvml="urn:schemas-microsoft-com:office:powerpoint" xmlns:com="http://schemas.openxmlformats.org/drawingml/2006/compatibility" xmlns:p14="http://schemas.microsoft.com/office/powerpoint/2010/main" xmlns:p15="http://schemas.microsoft.com/office/powerpoint/2012/main" xmlns:ahyp="http://schemas.microsoft.com/office/drawing/2018/hyperlinkcolor" showMasterPhAnim="0" showMasterSp="0">
+  <p:cSld>
+    <p:spTree>
+      <p:nvGrpSpPr>
+        <p:cNvPr id="141" name="Shape 141"/>
+        <p:cNvGrpSpPr/>
+        <p:nvPr/>
+      </p:nvGrpSpPr>
+      <p:grpSpPr>
+        <a:xfrm>
+          <a:off x="0" y="0"/>
+          <a:ext cx="0" cy="0"/>
+          <a:chOff x="0" y="0"/>
+          <a:chExt cx="0" cy="0"/>
+        </a:xfrm>
+      </p:grpSpPr>
+      <p:sp>
+        <p:nvSpPr>
+          <p:cNvPr id="142" name="Google Shape;142;g3bc573f6356_0_53:notes"/>
+          <p:cNvSpPr/>
+          <p:nvPr>
+            <p:ph idx="2" type="sldImg"/>
+          </p:nvPr>
+        </p:nvSpPr>
+        <p:spPr>
+          <a:xfrm>
+            <a:off x="381300" y="685800"/>
+            <a:ext cx="6096000" cy="3429000"/>
+          </a:xfrm>
+          <a:custGeom>
+            <a:rect b="b" l="l" r="r" t="t"/>
+            <a:pathLst>
+              <a:path extrusionOk="0" h="120000" w="120000">
+                <a:moveTo>
+                  <a:pt x="0" y="0"/>
+                </a:moveTo>
+                <a:lnTo>
+                  <a:pt x="120000" y="0"/>
+                </a:lnTo>
+                <a:lnTo>
+                  <a:pt x="120000" y="120000"/>
+                </a:lnTo>
+                <a:lnTo>
+                  <a:pt x="0" y="120000"/>
+                </a:lnTo>
+                <a:close/>
+              </a:path>
+            </a:pathLst>
+          </a:custGeom>
+          <a:noFill/>
+          <a:ln cap="flat" cmpd="sng" w="9525">
+            <a:solidFill>
+              <a:srgbClr val="000000"/>
+            </a:solidFill>
+            <a:prstDash val="solid"/>
+            <a:round/>
+            <a:headEnd len="sm" w="sm" type="none"/>
+            <a:tailEnd len="sm" w="sm" type="none"/>
+          </a:ln>
+        </p:spPr>
+      </p:sp>
+      <p:sp>
+        <p:nvSpPr>
+          <p:cNvPr id="143" name="Google Shape;143;g3bc573f6356_0_53:notes"/>
+          <p:cNvSpPr txBox="1"/>
+          <p:nvPr>
+            <p:ph idx="1" type="body"/>
+          </p:nvPr>
+        </p:nvSpPr>
+        <p:spPr>
+          <a:xfrm>
+            <a:off x="685800" y="4343400"/>
+            <a:ext cx="5486400" cy="4114800"/>
+          </a:xfrm>
+          <a:prstGeom prst="rect">
+            <a:avLst/>
+          </a:prstGeom>
+          <a:noFill/>
+          <a:ln>
+            <a:noFill/>
+          </a:ln>
+        </p:spPr>
+        <p:txBody>
+          <a:bodyPr anchorCtr="0" anchor="t" bIns="91425" lIns="91425" spcFirstLastPara="1" rIns="91425" wrap="square" tIns="91425">
+            <a:noAutofit/>
+          </a:bodyPr>
+          <a:lstStyle/>
+          <a:p>
+            <a:pPr indent="0" lvl="0" marL="0" rtl="0" algn="l">
+              <a:lnSpc>
+                <a:spcPct val="100000"/>
+              </a:lnSpc>
+              <a:spcBef>
+                <a:spcPts val="0"/>
+              </a:spcBef>
+              <a:spcAft>
+                <a:spcPts val="0"/>
+              </a:spcAft>
+              <a:buSzPts val="1100"/>
+              <a:buNone/>
+            </a:pPr>
+            <a:r>
+              <a:t/>
+            </a:r>
+            <a:endParaRPr/>
+          </a:p>
+        </p:txBody>
+      </p:sp>
+    </p:spTree>
+  </p:cSld>
+  <p:clrMapOvr>
+    <a:masterClrMapping/>
+  </p:clrMapOvr>
+</p:notes>
+</file>
+
+<file path=ppt/notesSlides/notesSlide17.xml><?xml version="1.0" encoding="utf-8"?>
+<p:notes xmlns:a="http://schemas.openxmlformats.org/drawingml/2006/main" xmlns:r="http://schemas.openxmlformats.org/officeDocument/2006/relationships" xmlns:mc="http://schemas.openxmlformats.org/markup-compatibility/2006" xmlns:mv="urn:schemas-microsoft-com:mac:vml" xmlns:p="http://schemas.openxmlformats.org/presentationml/2006/main" xmlns:c="http://schemas.openxmlformats.org/drawingml/2006/chart" xmlns:dgm="http://schemas.openxmlformats.org/drawingml/2006/diagram" xmlns:o="urn:schemas-microsoft-com:office:office" xmlns:v="urn:schemas-microsoft-com:vml" xmlns:pvml="urn:schemas-microsoft-com:office:powerpoint" xmlns:com="http://schemas.openxmlformats.org/drawingml/2006/compatibility" xmlns:p14="http://schemas.microsoft.com/office/powerpoint/2010/main" xmlns:p15="http://schemas.microsoft.com/office/powerpoint/2012/main" xmlns:ahyp="http://schemas.microsoft.com/office/drawing/2018/hyperlinkcolor" showMasterPhAnim="0" showMasterSp="0">
+  <p:cSld>
+    <p:spTree>
+      <p:nvGrpSpPr>
+        <p:cNvPr id="145" name="Shape 145"/>
+        <p:cNvGrpSpPr/>
+        <p:nvPr/>
+      </p:nvGrpSpPr>
+      <p:grpSpPr>
+        <a:xfrm>
+          <a:off x="0" y="0"/>
+          <a:ext cx="0" cy="0"/>
+          <a:chOff x="0" y="0"/>
+          <a:chExt cx="0" cy="0"/>
+        </a:xfrm>
+      </p:grpSpPr>
+      <p:sp>
+        <p:nvSpPr>
+          <p:cNvPr id="146" name="Google Shape;146;p15:notes"/>
+          <p:cNvSpPr/>
+          <p:nvPr>
+            <p:ph idx="2" type="sldImg"/>
+          </p:nvPr>
+        </p:nvSpPr>
+        <p:spPr>
+          <a:xfrm>
+            <a:off x="381300" y="685800"/>
+            <a:ext cx="6096000" cy="3429000"/>
+          </a:xfrm>
+          <a:custGeom>
+            <a:rect b="b" l="l" r="r" t="t"/>
+            <a:pathLst>
+              <a:path extrusionOk="0" h="120000" w="120000">
+                <a:moveTo>
+                  <a:pt x="0" y="0"/>
+                </a:moveTo>
+                <a:lnTo>
+                  <a:pt x="120000" y="0"/>
+                </a:lnTo>
+                <a:lnTo>
+                  <a:pt x="120000" y="120000"/>
+                </a:lnTo>
+                <a:lnTo>
+                  <a:pt x="0" y="120000"/>
+                </a:lnTo>
+                <a:close/>
+              </a:path>
+            </a:pathLst>
+          </a:custGeom>
+          <a:noFill/>
+          <a:ln cap="flat" cmpd="sng" w="9525">
+            <a:solidFill>
+              <a:srgbClr val="000000"/>
+            </a:solidFill>
+            <a:prstDash val="solid"/>
+            <a:round/>
+            <a:headEnd len="sm" w="sm" type="none"/>
+            <a:tailEnd len="sm" w="sm" type="none"/>
+          </a:ln>
+        </p:spPr>
+      </p:sp>
+      <p:sp>
+        <p:nvSpPr>
+          <p:cNvPr id="147" name="Google Shape;147;p15:notes"/>
+          <p:cNvSpPr txBox="1"/>
+          <p:nvPr>
+            <p:ph idx="1" type="body"/>
+          </p:nvPr>
+        </p:nvSpPr>
+        <p:spPr>
+          <a:xfrm>
+            <a:off x="685800" y="4343400"/>
+            <a:ext cx="5486400" cy="4114800"/>
+          </a:xfrm>
+          <a:prstGeom prst="rect">
+            <a:avLst/>
+          </a:prstGeom>
+          <a:noFill/>
+          <a:ln>
+            <a:noFill/>
+          </a:ln>
+        </p:spPr>
+        <p:txBody>
+          <a:bodyPr anchorCtr="0" anchor="t" bIns="91425" lIns="91425" spcFirstLastPara="1" rIns="91425" wrap="square" tIns="91425">
+            <a:noAutofit/>
+          </a:bodyPr>
+          <a:lstStyle/>
+          <a:p>
+            <a:pPr indent="0" lvl="0" marL="0" rtl="0" algn="l">
+              <a:lnSpc>
+                <a:spcPct val="100000"/>
+              </a:lnSpc>
+              <a:spcBef>
+                <a:spcPts val="0"/>
+              </a:spcBef>
+              <a:spcAft>
+                <a:spcPts val="0"/>
+              </a:spcAft>
+              <a:buSzPts val="1100"/>
               <a:buNone/>
             </a:pPr>
             <a:r>
@@ -1435,7 +1928,7 @@
       </p:grpSpPr>
       <p:sp>
         <p:nvSpPr>
-          <p:cNvPr id="57" name="Google Shape;57;g3bc561d1388_1_0:notes"/>
+          <p:cNvPr id="57" name="Google Shape;57;p2:notes"/>
           <p:cNvSpPr/>
           <p:nvPr>
             <p:ph idx="2" type="sldImg"/>
@@ -1466,11 +1959,21 @@
               </a:path>
             </a:pathLst>
           </a:custGeom>
+          <a:noFill/>
+          <a:ln cap="flat" cmpd="sng" w="9525">
+            <a:solidFill>
+              <a:srgbClr val="000000"/>
+            </a:solidFill>
+            <a:prstDash val="solid"/>
+            <a:round/>
+            <a:headEnd len="sm" w="sm" type="none"/>
+            <a:tailEnd len="sm" w="sm" type="none"/>
+          </a:ln>
         </p:spPr>
       </p:sp>
       <p:sp>
         <p:nvSpPr>
-          <p:cNvPr id="58" name="Google Shape;58;g3bc561d1388_1_0:notes"/>
+          <p:cNvPr id="58" name="Google Shape;58;p2:notes"/>
           <p:cNvSpPr txBox="1"/>
           <p:nvPr>
             <p:ph idx="1" type="body"/>
@@ -1484,6 +1987,10 @@
           <a:prstGeom prst="rect">
             <a:avLst/>
           </a:prstGeom>
+          <a:noFill/>
+          <a:ln>
+            <a:noFill/>
+          </a:ln>
         </p:spPr>
         <p:txBody>
           <a:bodyPr anchorCtr="0" anchor="t" bIns="91425" lIns="91425" spcFirstLastPara="1" rIns="91425" wrap="square" tIns="91425">
@@ -1492,12 +1999,16 @@
           <a:lstStyle/>
           <a:p>
             <a:pPr indent="0" lvl="0" marL="0" rtl="0" algn="l">
-              <a:spcBef>
-                <a:spcPts val="0"/>
-              </a:spcBef>
-              <a:spcAft>
-                <a:spcPts val="0"/>
-              </a:spcAft>
+              <a:lnSpc>
+                <a:spcPct val="100000"/>
+              </a:lnSpc>
+              <a:spcBef>
+                <a:spcPts val="0"/>
+              </a:spcBef>
+              <a:spcAft>
+                <a:spcPts val="0"/>
+              </a:spcAft>
+              <a:buSzPts val="1100"/>
               <a:buNone/>
             </a:pPr>
             <a:r>
@@ -1534,7 +2045,7 @@
       </p:grpSpPr>
       <p:sp>
         <p:nvSpPr>
-          <p:cNvPr id="63" name="Google Shape;63;g3bc561d1388_1_11:notes"/>
+          <p:cNvPr id="63" name="Google Shape;63;g3bc573f6356_0_45:notes"/>
           <p:cNvSpPr/>
           <p:nvPr>
             <p:ph idx="2" type="sldImg"/>
@@ -1565,11 +2076,21 @@
               </a:path>
             </a:pathLst>
           </a:custGeom>
+          <a:noFill/>
+          <a:ln cap="flat" cmpd="sng" w="9525">
+            <a:solidFill>
+              <a:srgbClr val="000000"/>
+            </a:solidFill>
+            <a:prstDash val="solid"/>
+            <a:round/>
+            <a:headEnd len="sm" w="sm" type="none"/>
+            <a:tailEnd len="sm" w="sm" type="none"/>
+          </a:ln>
         </p:spPr>
       </p:sp>
       <p:sp>
         <p:nvSpPr>
-          <p:cNvPr id="64" name="Google Shape;64;g3bc561d1388_1_11:notes"/>
+          <p:cNvPr id="64" name="Google Shape;64;g3bc573f6356_0_45:notes"/>
           <p:cNvSpPr txBox="1"/>
           <p:nvPr>
             <p:ph idx="1" type="body"/>
@@ -1583,6 +2104,10 @@
           <a:prstGeom prst="rect">
             <a:avLst/>
           </a:prstGeom>
+          <a:noFill/>
+          <a:ln>
+            <a:noFill/>
+          </a:ln>
         </p:spPr>
         <p:txBody>
           <a:bodyPr anchorCtr="0" anchor="t" bIns="91425" lIns="91425" spcFirstLastPara="1" rIns="91425" wrap="square" tIns="91425">
@@ -1591,12 +2116,16 @@
           <a:lstStyle/>
           <a:p>
             <a:pPr indent="0" lvl="0" marL="0" rtl="0" algn="l">
-              <a:spcBef>
-                <a:spcPts val="0"/>
-              </a:spcBef>
-              <a:spcAft>
-                <a:spcPts val="0"/>
-              </a:spcAft>
+              <a:lnSpc>
+                <a:spcPct val="100000"/>
+              </a:lnSpc>
+              <a:spcBef>
+                <a:spcPts val="0"/>
+              </a:spcBef>
+              <a:spcAft>
+                <a:spcPts val="0"/>
+              </a:spcAft>
+              <a:buSzPts val="1100"/>
               <a:buNone/>
             </a:pPr>
             <a:r>
@@ -1633,7 +2162,7 @@
       </p:grpSpPr>
       <p:sp>
         <p:nvSpPr>
-          <p:cNvPr id="69" name="Google Shape;69;p:notes"/>
+          <p:cNvPr id="69" name="Google Shape;69;p3:notes"/>
           <p:cNvSpPr/>
           <p:nvPr>
             <p:ph idx="2" type="sldImg"/>
@@ -1642,7 +2171,7 @@
         <p:spPr>
           <a:xfrm>
             <a:off x="381300" y="685800"/>
-            <a:ext cx="6096075" cy="3429000"/>
+            <a:ext cx="6096000" cy="3429000"/>
           </a:xfrm>
           <a:custGeom>
             <a:rect b="b" l="l" r="r" t="t"/>
@@ -1664,11 +2193,21 @@
               </a:path>
             </a:pathLst>
           </a:custGeom>
+          <a:noFill/>
+          <a:ln cap="flat" cmpd="sng" w="9525">
+            <a:solidFill>
+              <a:srgbClr val="000000"/>
+            </a:solidFill>
+            <a:prstDash val="solid"/>
+            <a:round/>
+            <a:headEnd len="sm" w="sm" type="none"/>
+            <a:tailEnd len="sm" w="sm" type="none"/>
+          </a:ln>
         </p:spPr>
       </p:sp>
       <p:sp>
         <p:nvSpPr>
-          <p:cNvPr id="70" name="Google Shape;70;p:notes"/>
+          <p:cNvPr id="70" name="Google Shape;70;p3:notes"/>
           <p:cNvSpPr txBox="1"/>
           <p:nvPr>
             <p:ph idx="1" type="body"/>
@@ -1682,6 +2221,10 @@
           <a:prstGeom prst="rect">
             <a:avLst/>
           </a:prstGeom>
+          <a:noFill/>
+          <a:ln>
+            <a:noFill/>
+          </a:ln>
         </p:spPr>
         <p:txBody>
           <a:bodyPr anchorCtr="0" anchor="t" bIns="91425" lIns="91425" spcFirstLastPara="1" rIns="91425" wrap="square" tIns="91425">
@@ -1690,12 +2233,16 @@
           <a:lstStyle/>
           <a:p>
             <a:pPr indent="0" lvl="0" marL="0" rtl="0" algn="l">
-              <a:spcBef>
-                <a:spcPts val="0"/>
-              </a:spcBef>
-              <a:spcAft>
-                <a:spcPts val="0"/>
-              </a:spcAft>
+              <a:lnSpc>
+                <a:spcPct val="100000"/>
+              </a:lnSpc>
+              <a:spcBef>
+                <a:spcPts val="0"/>
+              </a:spcBef>
+              <a:spcAft>
+                <a:spcPts val="0"/>
+              </a:spcAft>
+              <a:buSzPts val="1100"/>
               <a:buNone/>
             </a:pPr>
             <a:r>
@@ -1732,7 +2279,124 @@
       </p:grpSpPr>
       <p:sp>
         <p:nvSpPr>
-          <p:cNvPr id="75" name="Google Shape;75;g3b91bbe028e_0_8:notes"/>
+          <p:cNvPr id="75" name="Google Shape;75;p4:notes"/>
+          <p:cNvSpPr/>
+          <p:nvPr>
+            <p:ph idx="2" type="sldImg"/>
+          </p:nvPr>
+        </p:nvSpPr>
+        <p:spPr>
+          <a:xfrm>
+            <a:off x="381300" y="685800"/>
+            <a:ext cx="6096075" cy="3429000"/>
+          </a:xfrm>
+          <a:custGeom>
+            <a:rect b="b" l="l" r="r" t="t"/>
+            <a:pathLst>
+              <a:path extrusionOk="0" h="120000" w="120000">
+                <a:moveTo>
+                  <a:pt x="0" y="0"/>
+                </a:moveTo>
+                <a:lnTo>
+                  <a:pt x="120000" y="0"/>
+                </a:lnTo>
+                <a:lnTo>
+                  <a:pt x="120000" y="120000"/>
+                </a:lnTo>
+                <a:lnTo>
+                  <a:pt x="0" y="120000"/>
+                </a:lnTo>
+                <a:close/>
+              </a:path>
+            </a:pathLst>
+          </a:custGeom>
+          <a:noFill/>
+          <a:ln cap="flat" cmpd="sng" w="9525">
+            <a:solidFill>
+              <a:srgbClr val="000000"/>
+            </a:solidFill>
+            <a:prstDash val="solid"/>
+            <a:round/>
+            <a:headEnd len="sm" w="sm" type="none"/>
+            <a:tailEnd len="sm" w="sm" type="none"/>
+          </a:ln>
+        </p:spPr>
+      </p:sp>
+      <p:sp>
+        <p:nvSpPr>
+          <p:cNvPr id="76" name="Google Shape;76;p4:notes"/>
+          <p:cNvSpPr txBox="1"/>
+          <p:nvPr>
+            <p:ph idx="1" type="body"/>
+          </p:nvPr>
+        </p:nvSpPr>
+        <p:spPr>
+          <a:xfrm>
+            <a:off x="685800" y="4343400"/>
+            <a:ext cx="5486400" cy="4114800"/>
+          </a:xfrm>
+          <a:prstGeom prst="rect">
+            <a:avLst/>
+          </a:prstGeom>
+          <a:noFill/>
+          <a:ln>
+            <a:noFill/>
+          </a:ln>
+        </p:spPr>
+        <p:txBody>
+          <a:bodyPr anchorCtr="0" anchor="t" bIns="91425" lIns="91425" spcFirstLastPara="1" rIns="91425" wrap="square" tIns="91425">
+            <a:noAutofit/>
+          </a:bodyPr>
+          <a:lstStyle/>
+          <a:p>
+            <a:pPr indent="0" lvl="0" marL="0" rtl="0" algn="l">
+              <a:lnSpc>
+                <a:spcPct val="100000"/>
+              </a:lnSpc>
+              <a:spcBef>
+                <a:spcPts val="0"/>
+              </a:spcBef>
+              <a:spcAft>
+                <a:spcPts val="0"/>
+              </a:spcAft>
+              <a:buSzPts val="1100"/>
+              <a:buNone/>
+            </a:pPr>
+            <a:r>
+              <a:t/>
+            </a:r>
+            <a:endParaRPr/>
+          </a:p>
+        </p:txBody>
+      </p:sp>
+    </p:spTree>
+  </p:cSld>
+  <p:clrMapOvr>
+    <a:masterClrMapping/>
+  </p:clrMapOvr>
+</p:notes>
+</file>
+
+<file path=ppt/notesSlides/notesSlide6.xml><?xml version="1.0" encoding="utf-8"?>
+<p:notes xmlns:a="http://schemas.openxmlformats.org/drawingml/2006/main" xmlns:r="http://schemas.openxmlformats.org/officeDocument/2006/relationships" xmlns:mc="http://schemas.openxmlformats.org/markup-compatibility/2006" xmlns:mv="urn:schemas-microsoft-com:mac:vml" xmlns:p="http://schemas.openxmlformats.org/presentationml/2006/main" xmlns:c="http://schemas.openxmlformats.org/drawingml/2006/chart" xmlns:dgm="http://schemas.openxmlformats.org/drawingml/2006/diagram" xmlns:o="urn:schemas-microsoft-com:office:office" xmlns:v="urn:schemas-microsoft-com:vml" xmlns:pvml="urn:schemas-microsoft-com:office:powerpoint" xmlns:com="http://schemas.openxmlformats.org/drawingml/2006/compatibility" xmlns:p14="http://schemas.microsoft.com/office/powerpoint/2010/main" xmlns:p15="http://schemas.microsoft.com/office/powerpoint/2012/main" xmlns:ahyp="http://schemas.microsoft.com/office/drawing/2018/hyperlinkcolor" showMasterPhAnim="0" showMasterSp="0">
+  <p:cSld>
+    <p:spTree>
+      <p:nvGrpSpPr>
+        <p:cNvPr id="79" name="Shape 79"/>
+        <p:cNvGrpSpPr/>
+        <p:nvPr/>
+      </p:nvGrpSpPr>
+      <p:grpSpPr>
+        <a:xfrm>
+          <a:off x="0" y="0"/>
+          <a:ext cx="0" cy="0"/>
+          <a:chOff x="0" y="0"/>
+          <a:chExt cx="0" cy="0"/>
+        </a:xfrm>
+      </p:grpSpPr>
+      <p:sp>
+        <p:nvSpPr>
+          <p:cNvPr id="80" name="Google Shape;80;p5:notes"/>
           <p:cNvSpPr/>
           <p:nvPr>
             <p:ph idx="2" type="sldImg"/>
@@ -1763,11 +2427,21 @@
               </a:path>
             </a:pathLst>
           </a:custGeom>
+          <a:noFill/>
+          <a:ln cap="flat" cmpd="sng" w="9525">
+            <a:solidFill>
+              <a:srgbClr val="000000"/>
+            </a:solidFill>
+            <a:prstDash val="solid"/>
+            <a:round/>
+            <a:headEnd len="sm" w="sm" type="none"/>
+            <a:tailEnd len="sm" w="sm" type="none"/>
+          </a:ln>
         </p:spPr>
       </p:sp>
       <p:sp>
         <p:nvSpPr>
-          <p:cNvPr id="76" name="Google Shape;76;g3b91bbe028e_0_8:notes"/>
+          <p:cNvPr id="81" name="Google Shape;81;p5:notes"/>
           <p:cNvSpPr txBox="1"/>
           <p:nvPr>
             <p:ph idx="1" type="body"/>
@@ -1781,6 +2455,10 @@
           <a:prstGeom prst="rect">
             <a:avLst/>
           </a:prstGeom>
+          <a:noFill/>
+          <a:ln>
+            <a:noFill/>
+          </a:ln>
         </p:spPr>
         <p:txBody>
           <a:bodyPr anchorCtr="0" anchor="t" bIns="91425" lIns="91425" spcFirstLastPara="1" rIns="91425" wrap="square" tIns="91425">
@@ -1789,12 +2467,16 @@
           <a:lstStyle/>
           <a:p>
             <a:pPr indent="0" lvl="0" marL="0" rtl="0" algn="l">
-              <a:spcBef>
-                <a:spcPts val="0"/>
-              </a:spcBef>
-              <a:spcAft>
-                <a:spcPts val="0"/>
-              </a:spcAft>
+              <a:lnSpc>
+                <a:spcPct val="100000"/>
+              </a:lnSpc>
+              <a:spcBef>
+                <a:spcPts val="0"/>
+              </a:spcBef>
+              <a:spcAft>
+                <a:spcPts val="0"/>
+              </a:spcAft>
+              <a:buSzPts val="1100"/>
               <a:buNone/>
             </a:pPr>
             <a:r>
@@ -1812,12 +2494,12 @@
 </p:notes>
 </file>
 
-<file path=ppt/notesSlides/notesSlide6.xml><?xml version="1.0" encoding="utf-8"?>
+<file path=ppt/notesSlides/notesSlide7.xml><?xml version="1.0" encoding="utf-8"?>
 <p:notes xmlns:a="http://schemas.openxmlformats.org/drawingml/2006/main" xmlns:r="http://schemas.openxmlformats.org/officeDocument/2006/relationships" xmlns:mc="http://schemas.openxmlformats.org/markup-compatibility/2006" xmlns:mv="urn:schemas-microsoft-com:mac:vml" xmlns:p="http://schemas.openxmlformats.org/presentationml/2006/main" xmlns:c="http://schemas.openxmlformats.org/drawingml/2006/chart" xmlns:dgm="http://schemas.openxmlformats.org/drawingml/2006/diagram" xmlns:o="urn:schemas-microsoft-com:office:office" xmlns:v="urn:schemas-microsoft-com:vml" xmlns:pvml="urn:schemas-microsoft-com:office:powerpoint" xmlns:com="http://schemas.openxmlformats.org/drawingml/2006/compatibility" xmlns:p14="http://schemas.microsoft.com/office/powerpoint/2010/main" xmlns:p15="http://schemas.microsoft.com/office/powerpoint/2012/main" xmlns:ahyp="http://schemas.microsoft.com/office/drawing/2018/hyperlinkcolor" showMasterPhAnim="0" showMasterSp="0">
   <p:cSld>
     <p:spTree>
       <p:nvGrpSpPr>
-        <p:cNvPr id="80" name="Shape 80"/>
+        <p:cNvPr id="85" name="Shape 85"/>
         <p:cNvGrpSpPr/>
         <p:nvPr/>
       </p:nvGrpSpPr>
@@ -1831,7 +2513,7 @@
       </p:grpSpPr>
       <p:sp>
         <p:nvSpPr>
-          <p:cNvPr id="81" name="Google Shape;81;g3b9def6faeb_0_7:notes"/>
+          <p:cNvPr id="86" name="Google Shape;86;p6:notes"/>
           <p:cNvSpPr/>
           <p:nvPr>
             <p:ph idx="2" type="sldImg"/>
@@ -1862,11 +2544,21 @@
               </a:path>
             </a:pathLst>
           </a:custGeom>
+          <a:noFill/>
+          <a:ln cap="flat" cmpd="sng" w="9525">
+            <a:solidFill>
+              <a:srgbClr val="000000"/>
+            </a:solidFill>
+            <a:prstDash val="solid"/>
+            <a:round/>
+            <a:headEnd len="sm" w="sm" type="none"/>
+            <a:tailEnd len="sm" w="sm" type="none"/>
+          </a:ln>
         </p:spPr>
       </p:sp>
       <p:sp>
         <p:nvSpPr>
-          <p:cNvPr id="82" name="Google Shape;82;g3b9def6faeb_0_7:notes"/>
+          <p:cNvPr id="87" name="Google Shape;87;p6:notes"/>
           <p:cNvSpPr txBox="1"/>
           <p:nvPr>
             <p:ph idx="1" type="body"/>
@@ -1880,6 +2572,10 @@
           <a:prstGeom prst="rect">
             <a:avLst/>
           </a:prstGeom>
+          <a:noFill/>
+          <a:ln>
+            <a:noFill/>
+          </a:ln>
         </p:spPr>
         <p:txBody>
           <a:bodyPr anchorCtr="0" anchor="t" bIns="91425" lIns="91425" spcFirstLastPara="1" rIns="91425" wrap="square" tIns="91425">
@@ -1888,12 +2584,16 @@
           <a:lstStyle/>
           <a:p>
             <a:pPr indent="0" lvl="0" marL="0" rtl="0" algn="l">
-              <a:spcBef>
-                <a:spcPts val="0"/>
-              </a:spcBef>
-              <a:spcAft>
-                <a:spcPts val="0"/>
-              </a:spcAft>
+              <a:lnSpc>
+                <a:spcPct val="100000"/>
+              </a:lnSpc>
+              <a:spcBef>
+                <a:spcPts val="0"/>
+              </a:spcBef>
+              <a:spcAft>
+                <a:spcPts val="0"/>
+              </a:spcAft>
+              <a:buSzPts val="1100"/>
               <a:buNone/>
             </a:pPr>
             <a:r>
@@ -1911,12 +2611,12 @@
 </p:notes>
 </file>
 
-<file path=ppt/notesSlides/notesSlide7.xml><?xml version="1.0" encoding="utf-8"?>
+<file path=ppt/notesSlides/notesSlide8.xml><?xml version="1.0" encoding="utf-8"?>
 <p:notes xmlns:a="http://schemas.openxmlformats.org/drawingml/2006/main" xmlns:r="http://schemas.openxmlformats.org/officeDocument/2006/relationships" xmlns:mc="http://schemas.openxmlformats.org/markup-compatibility/2006" xmlns:mv="urn:schemas-microsoft-com:mac:vml" xmlns:p="http://schemas.openxmlformats.org/presentationml/2006/main" xmlns:c="http://schemas.openxmlformats.org/drawingml/2006/chart" xmlns:dgm="http://schemas.openxmlformats.org/drawingml/2006/diagram" xmlns:o="urn:schemas-microsoft-com:office:office" xmlns:v="urn:schemas-microsoft-com:vml" xmlns:pvml="urn:schemas-microsoft-com:office:powerpoint" xmlns:com="http://schemas.openxmlformats.org/drawingml/2006/compatibility" xmlns:p14="http://schemas.microsoft.com/office/powerpoint/2010/main" xmlns:p15="http://schemas.microsoft.com/office/powerpoint/2012/main" xmlns:ahyp="http://schemas.microsoft.com/office/drawing/2018/hyperlinkcolor" showMasterPhAnim="0" showMasterSp="0">
   <p:cSld>
     <p:spTree>
       <p:nvGrpSpPr>
-        <p:cNvPr id="86" name="Shape 86"/>
+        <p:cNvPr id="91" name="Shape 91"/>
         <p:cNvGrpSpPr/>
         <p:nvPr/>
       </p:nvGrpSpPr>
@@ -1930,7 +2630,7 @@
       </p:grpSpPr>
       <p:sp>
         <p:nvSpPr>
-          <p:cNvPr id="87" name="Google Shape;87;g3bc561d1388_1_17:notes"/>
+          <p:cNvPr id="92" name="Google Shape;92;p7:notes"/>
           <p:cNvSpPr/>
           <p:nvPr>
             <p:ph idx="2" type="sldImg"/>
@@ -1961,11 +2661,21 @@
               </a:path>
             </a:pathLst>
           </a:custGeom>
+          <a:noFill/>
+          <a:ln cap="flat" cmpd="sng" w="9525">
+            <a:solidFill>
+              <a:srgbClr val="000000"/>
+            </a:solidFill>
+            <a:prstDash val="solid"/>
+            <a:round/>
+            <a:headEnd len="sm" w="sm" type="none"/>
+            <a:tailEnd len="sm" w="sm" type="none"/>
+          </a:ln>
         </p:spPr>
       </p:sp>
       <p:sp>
         <p:nvSpPr>
-          <p:cNvPr id="88" name="Google Shape;88;g3bc561d1388_1_17:notes"/>
+          <p:cNvPr id="93" name="Google Shape;93;p7:notes"/>
           <p:cNvSpPr txBox="1"/>
           <p:nvPr>
             <p:ph idx="1" type="body"/>
@@ -1979,6 +2689,10 @@
           <a:prstGeom prst="rect">
             <a:avLst/>
           </a:prstGeom>
+          <a:noFill/>
+          <a:ln>
+            <a:noFill/>
+          </a:ln>
         </p:spPr>
         <p:txBody>
           <a:bodyPr anchorCtr="0" anchor="t" bIns="91425" lIns="91425" spcFirstLastPara="1" rIns="91425" wrap="square" tIns="91425">
@@ -1987,12 +2701,16 @@
           <a:lstStyle/>
           <a:p>
             <a:pPr indent="0" lvl="0" marL="0" rtl="0" algn="l">
-              <a:spcBef>
-                <a:spcPts val="0"/>
-              </a:spcBef>
-              <a:spcAft>
-                <a:spcPts val="0"/>
-              </a:spcAft>
+              <a:lnSpc>
+                <a:spcPct val="100000"/>
+              </a:lnSpc>
+              <a:spcBef>
+                <a:spcPts val="0"/>
+              </a:spcBef>
+              <a:spcAft>
+                <a:spcPts val="0"/>
+              </a:spcAft>
+              <a:buSzPts val="1100"/>
               <a:buNone/>
             </a:pPr>
             <a:r>
@@ -2010,12 +2728,12 @@
 </p:notes>
 </file>
 
-<file path=ppt/notesSlides/notesSlide8.xml><?xml version="1.0" encoding="utf-8"?>
+<file path=ppt/notesSlides/notesSlide9.xml><?xml version="1.0" encoding="utf-8"?>
 <p:notes xmlns:a="http://schemas.openxmlformats.org/drawingml/2006/main" xmlns:r="http://schemas.openxmlformats.org/officeDocument/2006/relationships" xmlns:mc="http://schemas.openxmlformats.org/markup-compatibility/2006" xmlns:mv="urn:schemas-microsoft-com:mac:vml" xmlns:p="http://schemas.openxmlformats.org/presentationml/2006/main" xmlns:c="http://schemas.openxmlformats.org/drawingml/2006/chart" xmlns:dgm="http://schemas.openxmlformats.org/drawingml/2006/diagram" xmlns:o="urn:schemas-microsoft-com:office:office" xmlns:v="urn:schemas-microsoft-com:vml" xmlns:pvml="urn:schemas-microsoft-com:office:powerpoint" xmlns:com="http://schemas.openxmlformats.org/drawingml/2006/compatibility" xmlns:p14="http://schemas.microsoft.com/office/powerpoint/2010/main" xmlns:p15="http://schemas.microsoft.com/office/powerpoint/2012/main" xmlns:ahyp="http://schemas.microsoft.com/office/drawing/2018/hyperlinkcolor" showMasterPhAnim="0" showMasterSp="0">
   <p:cSld>
     <p:spTree>
       <p:nvGrpSpPr>
-        <p:cNvPr id="92" name="Shape 92"/>
+        <p:cNvPr id="97" name="Shape 97"/>
         <p:cNvGrpSpPr/>
         <p:nvPr/>
       </p:nvGrpSpPr>
@@ -2029,7 +2747,7 @@
       </p:grpSpPr>
       <p:sp>
         <p:nvSpPr>
-          <p:cNvPr id="93" name="Google Shape;93;g3b8ae9ccc97_0_29:notes"/>
+          <p:cNvPr id="98" name="Google Shape;98;p8:notes"/>
           <p:cNvSpPr/>
           <p:nvPr>
             <p:ph idx="2" type="sldImg"/>
@@ -2060,11 +2778,21 @@
               </a:path>
             </a:pathLst>
           </a:custGeom>
+          <a:noFill/>
+          <a:ln cap="flat" cmpd="sng" w="9525">
+            <a:solidFill>
+              <a:srgbClr val="000000"/>
+            </a:solidFill>
+            <a:prstDash val="solid"/>
+            <a:round/>
+            <a:headEnd len="sm" w="sm" type="none"/>
+            <a:tailEnd len="sm" w="sm" type="none"/>
+          </a:ln>
         </p:spPr>
       </p:sp>
       <p:sp>
         <p:nvSpPr>
-          <p:cNvPr id="94" name="Google Shape;94;g3b8ae9ccc97_0_29:notes"/>
+          <p:cNvPr id="99" name="Google Shape;99;p8:notes"/>
           <p:cNvSpPr txBox="1"/>
           <p:nvPr>
             <p:ph idx="1" type="body"/>
@@ -2078,6 +2806,10 @@
           <a:prstGeom prst="rect">
             <a:avLst/>
           </a:prstGeom>
+          <a:noFill/>
+          <a:ln>
+            <a:noFill/>
+          </a:ln>
         </p:spPr>
         <p:txBody>
           <a:bodyPr anchorCtr="0" anchor="t" bIns="91425" lIns="91425" spcFirstLastPara="1" rIns="91425" wrap="square" tIns="91425">
@@ -2086,111 +2818,16 @@
           <a:lstStyle/>
           <a:p>
             <a:pPr indent="0" lvl="0" marL="0" rtl="0" algn="l">
-              <a:spcBef>
-                <a:spcPts val="0"/>
-              </a:spcBef>
-              <a:spcAft>
-                <a:spcPts val="0"/>
-              </a:spcAft>
-              <a:buNone/>
-            </a:pPr>
-            <a:r>
-              <a:t/>
-            </a:r>
-            <a:endParaRPr/>
-          </a:p>
-        </p:txBody>
-      </p:sp>
-    </p:spTree>
-  </p:cSld>
-  <p:clrMapOvr>
-    <a:masterClrMapping/>
-  </p:clrMapOvr>
-</p:notes>
-</file>
-
-<file path=ppt/notesSlides/notesSlide9.xml><?xml version="1.0" encoding="utf-8"?>
-<p:notes xmlns:a="http://schemas.openxmlformats.org/drawingml/2006/main" xmlns:r="http://schemas.openxmlformats.org/officeDocument/2006/relationships" xmlns:mc="http://schemas.openxmlformats.org/markup-compatibility/2006" xmlns:mv="urn:schemas-microsoft-com:mac:vml" xmlns:p="http://schemas.openxmlformats.org/presentationml/2006/main" xmlns:c="http://schemas.openxmlformats.org/drawingml/2006/chart" xmlns:dgm="http://schemas.openxmlformats.org/drawingml/2006/diagram" xmlns:o="urn:schemas-microsoft-com:office:office" xmlns:v="urn:schemas-microsoft-com:vml" xmlns:pvml="urn:schemas-microsoft-com:office:powerpoint" xmlns:com="http://schemas.openxmlformats.org/drawingml/2006/compatibility" xmlns:p14="http://schemas.microsoft.com/office/powerpoint/2010/main" xmlns:p15="http://schemas.microsoft.com/office/powerpoint/2012/main" xmlns:ahyp="http://schemas.microsoft.com/office/drawing/2018/hyperlinkcolor" showMasterPhAnim="0" showMasterSp="0">
-  <p:cSld>
-    <p:spTree>
-      <p:nvGrpSpPr>
-        <p:cNvPr id="98" name="Shape 98"/>
-        <p:cNvGrpSpPr/>
-        <p:nvPr/>
-      </p:nvGrpSpPr>
-      <p:grpSpPr>
-        <a:xfrm>
-          <a:off x="0" y="0"/>
-          <a:ext cx="0" cy="0"/>
-          <a:chOff x="0" y="0"/>
-          <a:chExt cx="0" cy="0"/>
-        </a:xfrm>
-      </p:grpSpPr>
-      <p:sp>
-        <p:nvSpPr>
-          <p:cNvPr id="99" name="Google Shape;99;g3b8ae9ccc97_0_38:notes"/>
-          <p:cNvSpPr/>
-          <p:nvPr>
-            <p:ph idx="2" type="sldImg"/>
-          </p:nvPr>
-        </p:nvSpPr>
-        <p:spPr>
-          <a:xfrm>
-            <a:off x="381300" y="685800"/>
-            <a:ext cx="6096000" cy="3429000"/>
-          </a:xfrm>
-          <a:custGeom>
-            <a:rect b="b" l="l" r="r" t="t"/>
-            <a:pathLst>
-              <a:path extrusionOk="0" h="120000" w="120000">
-                <a:moveTo>
-                  <a:pt x="0" y="0"/>
-                </a:moveTo>
-                <a:lnTo>
-                  <a:pt x="120000" y="0"/>
-                </a:lnTo>
-                <a:lnTo>
-                  <a:pt x="120000" y="120000"/>
-                </a:lnTo>
-                <a:lnTo>
-                  <a:pt x="0" y="120000"/>
-                </a:lnTo>
-                <a:close/>
-              </a:path>
-            </a:pathLst>
-          </a:custGeom>
-        </p:spPr>
-      </p:sp>
-      <p:sp>
-        <p:nvSpPr>
-          <p:cNvPr id="100" name="Google Shape;100;g3b8ae9ccc97_0_38:notes"/>
-          <p:cNvSpPr txBox="1"/>
-          <p:nvPr>
-            <p:ph idx="1" type="body"/>
-          </p:nvPr>
-        </p:nvSpPr>
-        <p:spPr>
-          <a:xfrm>
-            <a:off x="685800" y="4343400"/>
-            <a:ext cx="5486400" cy="4114800"/>
-          </a:xfrm>
-          <a:prstGeom prst="rect">
-            <a:avLst/>
-          </a:prstGeom>
-        </p:spPr>
-        <p:txBody>
-          <a:bodyPr anchorCtr="0" anchor="t" bIns="91425" lIns="91425" spcFirstLastPara="1" rIns="91425" wrap="square" tIns="91425">
-            <a:noAutofit/>
-          </a:bodyPr>
-          <a:lstStyle/>
-          <a:p>
-            <a:pPr indent="0" lvl="0" marL="0" rtl="0" algn="l">
-              <a:spcBef>
-                <a:spcPts val="0"/>
-              </a:spcBef>
-              <a:spcAft>
-                <a:spcPts val="0"/>
-              </a:spcAft>
+              <a:lnSpc>
+                <a:spcPct val="100000"/>
+              </a:lnSpc>
+              <a:spcBef>
+                <a:spcPts val="0"/>
+              </a:spcBef>
+              <a:spcAft>
+                <a:spcPts val="0"/>
+              </a:spcAft>
+              <a:buSzPts val="1100"/>
               <a:buNone/>
             </a:pPr>
             <a:r>
@@ -2227,7 +2864,7 @@
       </p:grpSpPr>
       <p:sp>
         <p:nvSpPr>
-          <p:cNvPr id="10" name="Google Shape;10;p2"/>
+          <p:cNvPr id="10" name="Google Shape;10;g3bca862da2a_0_49"/>
           <p:cNvSpPr txBox="1"/>
           <p:nvPr>
             <p:ph type="ctrTitle"/>
@@ -2352,7 +2989,7 @@
       </p:sp>
       <p:sp>
         <p:nvSpPr>
-          <p:cNvPr id="11" name="Google Shape;11;p2"/>
+          <p:cNvPr id="11" name="Google Shape;11;g3bca862da2a_0_49"/>
           <p:cNvSpPr txBox="1"/>
           <p:nvPr>
             <p:ph idx="1" type="subTitle"/>
@@ -2504,7 +3141,7 @@
       </p:sp>
       <p:sp>
         <p:nvSpPr>
-          <p:cNvPr id="12" name="Google Shape;12;p2"/>
+          <p:cNvPr id="12" name="Google Shape;12;g3bca862da2a_0_49"/>
           <p:cNvSpPr txBox="1"/>
           <p:nvPr>
             <p:ph idx="12" type="sldNum"/>
@@ -2606,7 +3243,7 @@
       </p:grpSpPr>
       <p:sp>
         <p:nvSpPr>
-          <p:cNvPr id="45" name="Google Shape;45;p11"/>
+          <p:cNvPr id="45" name="Google Shape;45;g3bca862da2a_0_84"/>
           <p:cNvSpPr txBox="1"/>
           <p:nvPr>
             <p:ph hasCustomPrompt="1" type="title"/>
@@ -2735,7 +3372,7 @@
       </p:sp>
       <p:sp>
         <p:nvSpPr>
-          <p:cNvPr id="46" name="Google Shape;46;p11"/>
+          <p:cNvPr id="46" name="Google Shape;46;g3bca862da2a_0_84"/>
           <p:cNvSpPr txBox="1"/>
           <p:nvPr>
             <p:ph idx="1" type="body"/>
@@ -2860,7 +3497,7 @@
       </p:sp>
       <p:sp>
         <p:nvSpPr>
-          <p:cNvPr id="47" name="Google Shape;47;p11"/>
+          <p:cNvPr id="47" name="Google Shape;47;g3bca862da2a_0_84"/>
           <p:cNvSpPr txBox="1"/>
           <p:nvPr>
             <p:ph idx="12" type="sldNum"/>
@@ -2962,7 +3599,7 @@
       </p:grpSpPr>
       <p:sp>
         <p:nvSpPr>
-          <p:cNvPr id="49" name="Google Shape;49;p12"/>
+          <p:cNvPr id="49" name="Google Shape;49;g3bca862da2a_0_88"/>
           <p:cNvSpPr txBox="1"/>
           <p:nvPr>
             <p:ph idx="12" type="sldNum"/>
@@ -3064,7 +3701,7 @@
       </p:grpSpPr>
       <p:sp>
         <p:nvSpPr>
-          <p:cNvPr id="14" name="Google Shape;14;p3"/>
+          <p:cNvPr id="14" name="Google Shape;14;g3bca862da2a_0_53"/>
           <p:cNvSpPr txBox="1"/>
           <p:nvPr>
             <p:ph type="title"/>
@@ -3189,7 +3826,7 @@
       </p:sp>
       <p:sp>
         <p:nvSpPr>
-          <p:cNvPr id="15" name="Google Shape;15;p3"/>
+          <p:cNvPr id="15" name="Google Shape;15;g3bca862da2a_0_53"/>
           <p:cNvSpPr txBox="1"/>
           <p:nvPr>
             <p:ph idx="12" type="sldNum"/>
@@ -3291,7 +3928,7 @@
       </p:grpSpPr>
       <p:sp>
         <p:nvSpPr>
-          <p:cNvPr id="17" name="Google Shape;17;p4"/>
+          <p:cNvPr id="17" name="Google Shape;17;g3bca862da2a_0_56"/>
           <p:cNvSpPr txBox="1"/>
           <p:nvPr>
             <p:ph type="title"/>
@@ -3416,7 +4053,7 @@
       </p:sp>
       <p:sp>
         <p:nvSpPr>
-          <p:cNvPr id="18" name="Google Shape;18;p4"/>
+          <p:cNvPr id="18" name="Google Shape;18;g3bca862da2a_0_56"/>
           <p:cNvSpPr txBox="1"/>
           <p:nvPr>
             <p:ph idx="1" type="body"/>
@@ -3541,7 +4178,7 @@
       </p:sp>
       <p:sp>
         <p:nvSpPr>
-          <p:cNvPr id="19" name="Google Shape;19;p4"/>
+          <p:cNvPr id="19" name="Google Shape;19;g3bca862da2a_0_56"/>
           <p:cNvSpPr txBox="1"/>
           <p:nvPr>
             <p:ph idx="12" type="sldNum"/>
@@ -3643,7 +4280,7 @@
       </p:grpSpPr>
       <p:sp>
         <p:nvSpPr>
-          <p:cNvPr id="21" name="Google Shape;21;p5"/>
+          <p:cNvPr id="21" name="Google Shape;21;g3bca862da2a_0_60"/>
           <p:cNvSpPr txBox="1"/>
           <p:nvPr>
             <p:ph type="title"/>
@@ -3768,7 +4405,7 @@
       </p:sp>
       <p:sp>
         <p:nvSpPr>
-          <p:cNvPr id="22" name="Google Shape;22;p5"/>
+          <p:cNvPr id="22" name="Google Shape;22;g3bca862da2a_0_60"/>
           <p:cNvSpPr txBox="1"/>
           <p:nvPr>
             <p:ph idx="1" type="body"/>
@@ -3893,7 +4530,7 @@
       </p:sp>
       <p:sp>
         <p:nvSpPr>
-          <p:cNvPr id="23" name="Google Shape;23;p5"/>
+          <p:cNvPr id="23" name="Google Shape;23;g3bca862da2a_0_60"/>
           <p:cNvSpPr txBox="1"/>
           <p:nvPr>
             <p:ph idx="2" type="body"/>
@@ -4018,7 +4655,7 @@
       </p:sp>
       <p:sp>
         <p:nvSpPr>
-          <p:cNvPr id="24" name="Google Shape;24;p5"/>
+          <p:cNvPr id="24" name="Google Shape;24;g3bca862da2a_0_60"/>
           <p:cNvSpPr txBox="1"/>
           <p:nvPr>
             <p:ph idx="12" type="sldNum"/>
@@ -4120,7 +4757,7 @@
       </p:grpSpPr>
       <p:sp>
         <p:nvSpPr>
-          <p:cNvPr id="26" name="Google Shape;26;p6"/>
+          <p:cNvPr id="26" name="Google Shape;26;g3bca862da2a_0_65"/>
           <p:cNvSpPr txBox="1"/>
           <p:nvPr>
             <p:ph type="title"/>
@@ -4245,7 +4882,7 @@
       </p:sp>
       <p:sp>
         <p:nvSpPr>
-          <p:cNvPr id="27" name="Google Shape;27;p6"/>
+          <p:cNvPr id="27" name="Google Shape;27;g3bca862da2a_0_65"/>
           <p:cNvSpPr txBox="1"/>
           <p:nvPr>
             <p:ph idx="12" type="sldNum"/>
@@ -4347,7 +4984,7 @@
       </p:grpSpPr>
       <p:sp>
         <p:nvSpPr>
-          <p:cNvPr id="29" name="Google Shape;29;p7"/>
+          <p:cNvPr id="29" name="Google Shape;29;g3bca862da2a_0_68"/>
           <p:cNvSpPr txBox="1"/>
           <p:nvPr>
             <p:ph type="title"/>
@@ -4472,7 +5109,7 @@
       </p:sp>
       <p:sp>
         <p:nvSpPr>
-          <p:cNvPr id="30" name="Google Shape;30;p7"/>
+          <p:cNvPr id="30" name="Google Shape;30;g3bca862da2a_0_68"/>
           <p:cNvSpPr txBox="1"/>
           <p:nvPr>
             <p:ph idx="1" type="body"/>
@@ -4597,7 +5234,7 @@
       </p:sp>
       <p:sp>
         <p:nvSpPr>
-          <p:cNvPr id="31" name="Google Shape;31;p7"/>
+          <p:cNvPr id="31" name="Google Shape;31;g3bca862da2a_0_68"/>
           <p:cNvSpPr txBox="1"/>
           <p:nvPr>
             <p:ph idx="12" type="sldNum"/>
@@ -4699,7 +5336,7 @@
       </p:grpSpPr>
       <p:sp>
         <p:nvSpPr>
-          <p:cNvPr id="33" name="Google Shape;33;p8"/>
+          <p:cNvPr id="33" name="Google Shape;33;g3bca862da2a_0_72"/>
           <p:cNvSpPr txBox="1"/>
           <p:nvPr>
             <p:ph type="title"/>
@@ -4824,7 +5461,7 @@
       </p:sp>
       <p:sp>
         <p:nvSpPr>
-          <p:cNvPr id="34" name="Google Shape;34;p8"/>
+          <p:cNvPr id="34" name="Google Shape;34;g3bca862da2a_0_72"/>
           <p:cNvSpPr txBox="1"/>
           <p:nvPr>
             <p:ph idx="12" type="sldNum"/>
@@ -4926,7 +5563,7 @@
       </p:grpSpPr>
       <p:sp>
         <p:nvSpPr>
-          <p:cNvPr id="36" name="Google Shape;36;p9"/>
+          <p:cNvPr id="36" name="Google Shape;36;g3bca862da2a_0_75"/>
           <p:cNvSpPr/>
           <p:nvPr/>
         </p:nvSpPr>
@@ -4969,7 +5606,7 @@
       </p:sp>
       <p:sp>
         <p:nvSpPr>
-          <p:cNvPr id="37" name="Google Shape;37;p9"/>
+          <p:cNvPr id="37" name="Google Shape;37;g3bca862da2a_0_75"/>
           <p:cNvSpPr txBox="1"/>
           <p:nvPr>
             <p:ph type="title"/>
@@ -5094,7 +5731,7 @@
       </p:sp>
       <p:sp>
         <p:nvSpPr>
-          <p:cNvPr id="38" name="Google Shape;38;p9"/>
+          <p:cNvPr id="38" name="Google Shape;38;g3bca862da2a_0_75"/>
           <p:cNvSpPr txBox="1"/>
           <p:nvPr>
             <p:ph idx="1" type="subTitle"/>
@@ -5246,7 +5883,7 @@
       </p:sp>
       <p:sp>
         <p:nvSpPr>
-          <p:cNvPr id="39" name="Google Shape;39;p9"/>
+          <p:cNvPr id="39" name="Google Shape;39;g3bca862da2a_0_75"/>
           <p:cNvSpPr txBox="1"/>
           <p:nvPr>
             <p:ph idx="2" type="body"/>
@@ -5371,7 +6008,7 @@
       </p:sp>
       <p:sp>
         <p:nvSpPr>
-          <p:cNvPr id="40" name="Google Shape;40;p9"/>
+          <p:cNvPr id="40" name="Google Shape;40;g3bca862da2a_0_75"/>
           <p:cNvSpPr txBox="1"/>
           <p:nvPr>
             <p:ph idx="12" type="sldNum"/>
@@ -5473,7 +6110,7 @@
       </p:grpSpPr>
       <p:sp>
         <p:nvSpPr>
-          <p:cNvPr id="42" name="Google Shape;42;p10"/>
+          <p:cNvPr id="42" name="Google Shape;42;g3bca862da2a_0_81"/>
           <p:cNvSpPr txBox="1"/>
           <p:nvPr>
             <p:ph idx="1" type="body"/>
@@ -5513,7 +6150,7 @@
       </p:sp>
       <p:sp>
         <p:nvSpPr>
-          <p:cNvPr id="43" name="Google Shape;43;p10"/>
+          <p:cNvPr id="43" name="Google Shape;43;g3bca862da2a_0_81"/>
           <p:cNvSpPr txBox="1"/>
           <p:nvPr>
             <p:ph idx="12" type="sldNum"/>
@@ -5622,7 +6259,7 @@
       </p:grpSpPr>
       <p:sp>
         <p:nvSpPr>
-          <p:cNvPr id="6" name="Google Shape;6;p1"/>
+          <p:cNvPr id="6" name="Google Shape;6;g3bca862da2a_0_45"/>
           <p:cNvSpPr txBox="1"/>
           <p:nvPr>
             <p:ph type="title"/>
@@ -5814,7 +6451,7 @@
       </p:sp>
       <p:sp>
         <p:nvSpPr>
-          <p:cNvPr id="7" name="Google Shape;7;p1"/>
+          <p:cNvPr id="7" name="Google Shape;7;g3bca862da2a_0_45"/>
           <p:cNvSpPr txBox="1"/>
           <p:nvPr>
             <p:ph idx="1" type="body"/>
@@ -6033,7 +6670,7 @@
       </p:sp>
       <p:sp>
         <p:nvSpPr>
-          <p:cNvPr id="8" name="Google Shape;8;p1"/>
+          <p:cNvPr id="8" name="Google Shape;8;g3bca862da2a_0_45"/>
           <p:cNvSpPr txBox="1"/>
           <p:nvPr>
             <p:ph idx="12" type="sldNum"/>
@@ -6152,17 +6789,17 @@
   </p:cSld>
   <p:clrMap accent1="accent1" accent2="accent2" accent3="accent3" accent4="accent4" accent5="accent5" accent6="accent6" bg1="lt1" bg2="dk2" tx1="dk1" tx2="lt2" folHlink="folHlink" hlink="hlink"/>
   <p:sldLayoutIdLst>
-    <p:sldLayoutId id="2147483648" r:id="rId1"/>
-    <p:sldLayoutId id="2147483649" r:id="rId2"/>
-    <p:sldLayoutId id="2147483650" r:id="rId3"/>
-    <p:sldLayoutId id="2147483651" r:id="rId4"/>
-    <p:sldLayoutId id="2147483652" r:id="rId5"/>
-    <p:sldLayoutId id="2147483653" r:id="rId6"/>
-    <p:sldLayoutId id="2147483654" r:id="rId7"/>
-    <p:sldLayoutId id="2147483655" r:id="rId8"/>
-    <p:sldLayoutId id="2147483656" r:id="rId9"/>
-    <p:sldLayoutId id="2147483657" r:id="rId10"/>
-    <p:sldLayoutId id="2147483658" r:id="rId11"/>
+    <p:sldLayoutId id="2147483649" r:id="rId1"/>
+    <p:sldLayoutId id="2147483650" r:id="rId2"/>
+    <p:sldLayoutId id="2147483651" r:id="rId3"/>
+    <p:sldLayoutId id="2147483652" r:id="rId4"/>
+    <p:sldLayoutId id="2147483653" r:id="rId5"/>
+    <p:sldLayoutId id="2147483654" r:id="rId6"/>
+    <p:sldLayoutId id="2147483655" r:id="rId7"/>
+    <p:sldLayoutId id="2147483656" r:id="rId8"/>
+    <p:sldLayoutId id="2147483657" r:id="rId9"/>
+    <p:sldLayoutId id="2147483658" r:id="rId10"/>
+    <p:sldLayoutId id="2147483659" r:id="rId11"/>
   </p:sldLayoutIdLst>
   <p:hf dt="0" ftr="0" hdr="0" sldNum="0"/>
   <p:txStyles>
@@ -6876,59 +7513,24 @@
       </p:grpSpPr>
       <p:sp>
         <p:nvSpPr>
-          <p:cNvPr id="54" name="Google Shape;54;p13"/>
+          <p:cNvPr id="54" name="Google Shape;54;p1"/>
           <p:cNvSpPr txBox="1"/>
           <p:nvPr>
-            <p:ph type="title"/>
+            <p:ph type="ctrTitle"/>
           </p:nvPr>
         </p:nvSpPr>
         <p:spPr>
           <a:xfrm>
-            <a:off x="311700" y="445025"/>
-            <a:ext cx="8520600" cy="572700"/>
+            <a:off x="311708" y="744575"/>
+            <a:ext cx="8520600" cy="2052600"/>
           </a:xfrm>
           <a:prstGeom prst="rect">
             <a:avLst/>
           </a:prstGeom>
-        </p:spPr>
-        <p:txBody>
-          <a:bodyPr anchorCtr="0" anchor="t" bIns="91425" lIns="91425" spcFirstLastPara="1" rIns="91425" wrap="square" tIns="91425">
-            <a:normAutofit fontScale="90000"/>
-          </a:bodyPr>
-          <a:lstStyle/>
-          <a:p>
-            <a:pPr indent="0" lvl="0" marL="0" rtl="0" algn="l">
-              <a:spcBef>
-                <a:spcPts val="0"/>
-              </a:spcBef>
-              <a:spcAft>
-                <a:spcPts val="0"/>
-              </a:spcAft>
-              <a:buNone/>
-            </a:pPr>
-            <a:r>
-              <a:t/>
-            </a:r>
-            <a:endParaRPr/>
-          </a:p>
-        </p:txBody>
-      </p:sp>
-      <p:sp>
-        <p:nvSpPr>
-          <p:cNvPr id="55" name="Google Shape;55;p13"/>
-          <p:cNvSpPr txBox="1"/>
-          <p:nvPr>
-            <p:ph idx="1" type="body"/>
-          </p:nvPr>
-        </p:nvSpPr>
-        <p:spPr>
-          <a:xfrm>
-            <a:off x="311700" y="1152475"/>
-            <a:ext cx="8520600" cy="3416400"/>
-          </a:xfrm>
-          <a:prstGeom prst="rect">
-            <a:avLst/>
-          </a:prstGeom>
+          <a:noFill/>
+          <a:ln>
+            <a:noFill/>
+          </a:ln>
         </p:spPr>
         <p:txBody>
           <a:bodyPr anchorCtr="0" anchor="t" bIns="91425" lIns="91425" spcFirstLastPara="1" rIns="91425" wrap="square" tIns="91425">
@@ -6937,16 +7539,69 @@
           <a:lstStyle/>
           <a:p>
             <a:pPr indent="0" lvl="0" marL="0" rtl="0" algn="l">
-              <a:spcBef>
-                <a:spcPts val="0"/>
-              </a:spcBef>
-              <a:spcAft>
-                <a:spcPts val="1200"/>
-              </a:spcAft>
+              <a:lnSpc>
+                <a:spcPct val="100000"/>
+              </a:lnSpc>
+              <a:spcBef>
+                <a:spcPts val="0"/>
+              </a:spcBef>
+              <a:spcAft>
+                <a:spcPts val="0"/>
+              </a:spcAft>
+              <a:buSzPts val="3111"/>
               <a:buNone/>
             </a:pPr>
             <a:r>
-              <a:t/>
+              <a:rPr lang="en"/>
+              <a:t>Session 2</a:t>
+            </a:r>
+            <a:endParaRPr/>
+          </a:p>
+        </p:txBody>
+      </p:sp>
+      <p:sp>
+        <p:nvSpPr>
+          <p:cNvPr id="55" name="Google Shape;55;p1"/>
+          <p:cNvSpPr txBox="1"/>
+          <p:nvPr>
+            <p:ph idx="1" type="subTitle"/>
+          </p:nvPr>
+        </p:nvSpPr>
+        <p:spPr>
+          <a:xfrm>
+            <a:off x="311700" y="2834125"/>
+            <a:ext cx="8520600" cy="792600"/>
+          </a:xfrm>
+          <a:prstGeom prst="rect">
+            <a:avLst/>
+          </a:prstGeom>
+          <a:noFill/>
+          <a:ln>
+            <a:noFill/>
+          </a:ln>
+        </p:spPr>
+        <p:txBody>
+          <a:bodyPr anchorCtr="0" anchor="t" bIns="91425" lIns="91425" spcFirstLastPara="1" rIns="91425" wrap="square" tIns="91425">
+            <a:normAutofit fontScale="92500"/>
+          </a:bodyPr>
+          <a:lstStyle/>
+          <a:p>
+            <a:pPr indent="0" lvl="0" marL="0" rtl="0" algn="l">
+              <a:lnSpc>
+                <a:spcPct val="115000"/>
+              </a:lnSpc>
+              <a:spcBef>
+                <a:spcPts val="0"/>
+              </a:spcBef>
+              <a:spcAft>
+                <a:spcPts val="1200"/>
+              </a:spcAft>
+              <a:buSzPct val="64285"/>
+              <a:buNone/>
+            </a:pPr>
+            <a:r>
+              <a:rPr lang="en"/>
+              <a:t>LLM Inference with Ollama, OpenAI &amp; Langchain basics</a:t>
             </a:r>
             <a:endParaRPr/>
           </a:p>
@@ -6965,7 +7620,7 @@
   <p:cSld>
     <p:spTree>
       <p:nvGrpSpPr>
-        <p:cNvPr id="108" name="Shape 108"/>
+        <p:cNvPr id="106" name="Shape 106"/>
         <p:cNvGrpSpPr/>
         <p:nvPr/>
       </p:nvGrpSpPr>
@@ -6979,7 +7634,7 @@
       </p:grpSpPr>
       <p:sp>
         <p:nvSpPr>
-          <p:cNvPr id="109" name="Google Shape;109;p22"/>
+          <p:cNvPr id="107" name="Google Shape;107;p9"/>
           <p:cNvSpPr txBox="1"/>
           <p:nvPr>
             <p:ph type="title"/>
@@ -6993,43 +7648,219 @@
           <a:prstGeom prst="rect">
             <a:avLst/>
           </a:prstGeom>
+          <a:noFill/>
+          <a:ln>
+            <a:noFill/>
+          </a:ln>
         </p:spPr>
         <p:txBody>
           <a:bodyPr anchorCtr="0" anchor="t" bIns="91425" lIns="91425" spcFirstLastPara="1" rIns="91425" wrap="square" tIns="91425">
-            <a:normAutofit fontScale="90000"/>
+            <a:noAutofit/>
           </a:bodyPr>
           <a:lstStyle/>
           <a:p>
             <a:pPr indent="0" lvl="0" marL="0" rtl="0" algn="l">
-              <a:spcBef>
-                <a:spcPts val="0"/>
-              </a:spcBef>
-              <a:spcAft>
-                <a:spcPts val="0"/>
-              </a:spcAft>
+              <a:lnSpc>
+                <a:spcPct val="100000"/>
+              </a:lnSpc>
+              <a:spcBef>
+                <a:spcPts val="0"/>
+              </a:spcBef>
+              <a:spcAft>
+                <a:spcPts val="0"/>
+              </a:spcAft>
+              <a:buSzPts val="3111"/>
               <a:buNone/>
             </a:pPr>
             <a:r>
-              <a:rPr lang="en"/>
-              <a:t>Sequential Chain</a:t>
+              <a:rPr lang="en" sz="2800"/>
+              <a:t>Simple Chain</a:t>
             </a:r>
-            <a:endParaRPr/>
+            <a:endParaRPr sz="2800"/>
           </a:p>
         </p:txBody>
       </p:sp>
       <p:pic>
         <p:nvPicPr>
-          <p:cNvPr id="110" name="Google Shape;110;p22"/>
+          <p:cNvPr id="108" name="Google Shape;108;p9"/>
           <p:cNvPicPr preferRelativeResize="0"/>
           <p:nvPr/>
         </p:nvPicPr>
-        <p:blipFill>
+        <p:blipFill rotWithShape="1">
           <a:blip r:embed="rId3">
             <a:alphaModFix/>
           </a:blip>
-          <a:stretch>
-            <a:fillRect/>
-          </a:stretch>
+          <a:srcRect b="0" l="0" r="0" t="0"/>
+          <a:stretch/>
+        </p:blipFill>
+        <p:spPr>
+          <a:xfrm>
+            <a:off x="1122900" y="1618025"/>
+            <a:ext cx="6898200" cy="3449100"/>
+          </a:xfrm>
+          <a:prstGeom prst="rect">
+            <a:avLst/>
+          </a:prstGeom>
+          <a:noFill/>
+          <a:ln>
+            <a:noFill/>
+          </a:ln>
+        </p:spPr>
+      </p:pic>
+      <p:sp>
+        <p:nvSpPr>
+          <p:cNvPr id="109" name="Google Shape;109;p9"/>
+          <p:cNvSpPr txBox="1"/>
+          <p:nvPr/>
+        </p:nvSpPr>
+        <p:spPr>
+          <a:xfrm>
+            <a:off x="280800" y="1017725"/>
+            <a:ext cx="8244000" cy="600300"/>
+          </a:xfrm>
+          <a:prstGeom prst="rect">
+            <a:avLst/>
+          </a:prstGeom>
+          <a:noFill/>
+          <a:ln>
+            <a:noFill/>
+          </a:ln>
+        </p:spPr>
+        <p:txBody>
+          <a:bodyPr anchorCtr="0" anchor="t" bIns="91425" lIns="91425" spcFirstLastPara="1" rIns="91425" wrap="square" tIns="91425">
+            <a:spAutoFit/>
+          </a:bodyPr>
+          <a:lstStyle/>
+          <a:p>
+            <a:pPr indent="0" lvl="0" marL="0" marR="0" rtl="0" algn="l">
+              <a:lnSpc>
+                <a:spcPct val="100000"/>
+              </a:lnSpc>
+              <a:spcBef>
+                <a:spcPts val="0"/>
+              </a:spcBef>
+              <a:spcAft>
+                <a:spcPts val="0"/>
+              </a:spcAft>
+              <a:buClr>
+                <a:srgbClr val="000000"/>
+              </a:buClr>
+              <a:buSzPts val="1350"/>
+              <a:buFont typeface="Arial"/>
+              <a:buNone/>
+            </a:pPr>
+            <a:r>
+              <a:rPr b="0" i="0" lang="en" sz="1350" u="none" cap="none" strike="noStrike">
+                <a:solidFill>
+                  <a:srgbClr val="273239"/>
+                </a:solidFill>
+                <a:highlight>
+                  <a:srgbClr val="FFFFFF"/>
+                </a:highlight>
+                <a:latin typeface="Nunito"/>
+                <a:ea typeface="Nunito"/>
+                <a:cs typeface="Nunito"/>
+                <a:sym typeface="Nunito"/>
+              </a:rPr>
+              <a:t>Each chain in the sequence accepts one input and returns one output. The output of each chain is automatically fed as input to the next chain in the sequence</a:t>
+            </a:r>
+            <a:endParaRPr b="0" i="0" sz="1400" u="none" cap="none" strike="noStrike">
+              <a:solidFill>
+                <a:srgbClr val="000000"/>
+              </a:solidFill>
+              <a:latin typeface="Arial"/>
+              <a:ea typeface="Arial"/>
+              <a:cs typeface="Arial"/>
+              <a:sym typeface="Arial"/>
+            </a:endParaRPr>
+          </a:p>
+        </p:txBody>
+      </p:sp>
+    </p:spTree>
+  </p:cSld>
+  <p:clrMapOvr>
+    <a:masterClrMapping/>
+  </p:clrMapOvr>
+</p:sld>
+</file>
+
+<file path=ppt/slides/slide11.xml><?xml version="1.0" encoding="utf-8"?>
+<p:sld xmlns:a="http://schemas.openxmlformats.org/drawingml/2006/main" xmlns:r="http://schemas.openxmlformats.org/officeDocument/2006/relationships" xmlns:mc="http://schemas.openxmlformats.org/markup-compatibility/2006" xmlns:mv="urn:schemas-microsoft-com:mac:vml" xmlns:p="http://schemas.openxmlformats.org/presentationml/2006/main" xmlns:c="http://schemas.openxmlformats.org/drawingml/2006/chart" xmlns:dgm="http://schemas.openxmlformats.org/drawingml/2006/diagram" xmlns:o="urn:schemas-microsoft-com:office:office" xmlns:v="urn:schemas-microsoft-com:vml" xmlns:pvml="urn:schemas-microsoft-com:office:powerpoint" xmlns:com="http://schemas.openxmlformats.org/drawingml/2006/compatibility" xmlns:p14="http://schemas.microsoft.com/office/powerpoint/2010/main" xmlns:p15="http://schemas.microsoft.com/office/powerpoint/2012/main" xmlns:ahyp="http://schemas.microsoft.com/office/drawing/2018/hyperlinkcolor">
+  <p:cSld>
+    <p:spTree>
+      <p:nvGrpSpPr>
+        <p:cNvPr id="113" name="Shape 113"/>
+        <p:cNvGrpSpPr/>
+        <p:nvPr/>
+      </p:nvGrpSpPr>
+      <p:grpSpPr>
+        <a:xfrm>
+          <a:off x="0" y="0"/>
+          <a:ext cx="0" cy="0"/>
+          <a:chOff x="0" y="0"/>
+          <a:chExt cx="0" cy="0"/>
+        </a:xfrm>
+      </p:grpSpPr>
+      <p:sp>
+        <p:nvSpPr>
+          <p:cNvPr id="114" name="Google Shape;114;p10"/>
+          <p:cNvSpPr txBox="1"/>
+          <p:nvPr>
+            <p:ph type="title"/>
+          </p:nvPr>
+        </p:nvSpPr>
+        <p:spPr>
+          <a:xfrm>
+            <a:off x="311700" y="445025"/>
+            <a:ext cx="8520600" cy="572700"/>
+          </a:xfrm>
+          <a:prstGeom prst="rect">
+            <a:avLst/>
+          </a:prstGeom>
+          <a:noFill/>
+          <a:ln>
+            <a:noFill/>
+          </a:ln>
+        </p:spPr>
+        <p:txBody>
+          <a:bodyPr anchorCtr="0" anchor="t" bIns="91425" lIns="91425" spcFirstLastPara="1" rIns="91425" wrap="square" tIns="91425">
+            <a:noAutofit/>
+          </a:bodyPr>
+          <a:lstStyle/>
+          <a:p>
+            <a:pPr indent="0" lvl="0" marL="0" rtl="0" algn="l">
+              <a:lnSpc>
+                <a:spcPct val="100000"/>
+              </a:lnSpc>
+              <a:spcBef>
+                <a:spcPts val="0"/>
+              </a:spcBef>
+              <a:spcAft>
+                <a:spcPts val="0"/>
+              </a:spcAft>
+              <a:buSzPts val="3111"/>
+              <a:buNone/>
+            </a:pPr>
+            <a:r>
+              <a:rPr lang="en" sz="2800"/>
+              <a:t>Sequential Chains</a:t>
+            </a:r>
+            <a:endParaRPr sz="2800"/>
+          </a:p>
+        </p:txBody>
+      </p:sp>
+      <p:pic>
+        <p:nvPicPr>
+          <p:cNvPr id="115" name="Google Shape;115;p10"/>
+          <p:cNvPicPr preferRelativeResize="0"/>
+          <p:nvPr/>
+        </p:nvPicPr>
+        <p:blipFill rotWithShape="1">
+          <a:blip r:embed="rId3">
+            <a:alphaModFix/>
+          </a:blip>
+          <a:srcRect b="0" l="0" r="0" t="0"/>
+          <a:stretch/>
         </p:blipFill>
         <p:spPr>
           <a:xfrm>
@@ -7047,7 +7878,7 @@
       </p:pic>
       <p:sp>
         <p:nvSpPr>
-          <p:cNvPr id="111" name="Google Shape;111;p22"/>
+          <p:cNvPr id="116" name="Google Shape;116;p10"/>
           <p:cNvSpPr txBox="1"/>
           <p:nvPr/>
         </p:nvSpPr>
@@ -7070,17 +7901,25 @@
           </a:bodyPr>
           <a:lstStyle/>
           <a:p>
-            <a:pPr indent="0" lvl="0" marL="0" rtl="0" algn="l">
-              <a:spcBef>
-                <a:spcPts val="0"/>
-              </a:spcBef>
-              <a:spcAft>
-                <a:spcPts val="0"/>
-              </a:spcAft>
+            <a:pPr indent="0" lvl="0" marL="0" marR="0" rtl="0" algn="l">
+              <a:lnSpc>
+                <a:spcPct val="100000"/>
+              </a:lnSpc>
+              <a:spcBef>
+                <a:spcPts val="0"/>
+              </a:spcBef>
+              <a:spcAft>
+                <a:spcPts val="0"/>
+              </a:spcAft>
+              <a:buClr>
+                <a:srgbClr val="000000"/>
+              </a:buClr>
+              <a:buSzPts val="1350"/>
+              <a:buFont typeface="Arial"/>
               <a:buNone/>
             </a:pPr>
             <a:r>
-              <a:rPr lang="en" sz="1350">
+              <a:rPr b="0" i="0" lang="en" sz="1350" u="none" cap="none" strike="noStrike">
                 <a:solidFill>
                   <a:srgbClr val="273239"/>
                 </a:solidFill>
@@ -7094,7 +7933,15 @@
               </a:rPr>
               <a:t>complex workflows where chains might depend on several pieces of information.</a:t>
             </a:r>
-            <a:endParaRPr/>
+            <a:endParaRPr b="0" i="0" sz="1400" u="none" cap="none" strike="noStrike">
+              <a:solidFill>
+                <a:srgbClr val="000000"/>
+              </a:solidFill>
+              <a:latin typeface="Arial"/>
+              <a:ea typeface="Arial"/>
+              <a:cs typeface="Arial"/>
+              <a:sym typeface="Arial"/>
+            </a:endParaRPr>
           </a:p>
         </p:txBody>
       </p:sp>
@@ -7106,12 +7953,12 @@
 </p:sld>
 </file>
 
-<file path=ppt/slides/slide11.xml><?xml version="1.0" encoding="utf-8"?>
+<file path=ppt/slides/slide12.xml><?xml version="1.0" encoding="utf-8"?>
 <p:sld xmlns:a="http://schemas.openxmlformats.org/drawingml/2006/main" xmlns:r="http://schemas.openxmlformats.org/officeDocument/2006/relationships" xmlns:mc="http://schemas.openxmlformats.org/markup-compatibility/2006" xmlns:mv="urn:schemas-microsoft-com:mac:vml" xmlns:p="http://schemas.openxmlformats.org/presentationml/2006/main" xmlns:c="http://schemas.openxmlformats.org/drawingml/2006/chart" xmlns:dgm="http://schemas.openxmlformats.org/drawingml/2006/diagram" xmlns:o="urn:schemas-microsoft-com:office:office" xmlns:v="urn:schemas-microsoft-com:vml" xmlns:pvml="urn:schemas-microsoft-com:office:powerpoint" xmlns:com="http://schemas.openxmlformats.org/drawingml/2006/compatibility" xmlns:p14="http://schemas.microsoft.com/office/powerpoint/2010/main" xmlns:p15="http://schemas.microsoft.com/office/powerpoint/2012/main" xmlns:ahyp="http://schemas.microsoft.com/office/drawing/2018/hyperlinkcolor">
   <p:cSld>
     <p:spTree>
       <p:nvGrpSpPr>
-        <p:cNvPr id="115" name="Shape 115"/>
+        <p:cNvPr id="120" name="Shape 120"/>
         <p:cNvGrpSpPr/>
         <p:nvPr/>
       </p:nvGrpSpPr>
@@ -7125,7 +7972,7 @@
       </p:grpSpPr>
       <p:sp>
         <p:nvSpPr>
-          <p:cNvPr id="116" name="Google Shape;116;p23"/>
+          <p:cNvPr id="121" name="Google Shape;121;p11"/>
           <p:cNvSpPr txBox="1"/>
           <p:nvPr>
             <p:ph type="title"/>
@@ -7139,33 +7986,41 @@
           <a:prstGeom prst="rect">
             <a:avLst/>
           </a:prstGeom>
+          <a:noFill/>
+          <a:ln>
+            <a:noFill/>
+          </a:ln>
         </p:spPr>
         <p:txBody>
           <a:bodyPr anchorCtr="0" anchor="t" bIns="91425" lIns="91425" spcFirstLastPara="1" rIns="91425" wrap="square" tIns="91425">
-            <a:normAutofit fontScale="90000"/>
+            <a:noAutofit/>
           </a:bodyPr>
           <a:lstStyle/>
           <a:p>
             <a:pPr indent="0" lvl="0" marL="0" rtl="0" algn="l">
-              <a:spcBef>
-                <a:spcPts val="0"/>
-              </a:spcBef>
-              <a:spcAft>
-                <a:spcPts val="0"/>
-              </a:spcAft>
+              <a:lnSpc>
+                <a:spcPct val="100000"/>
+              </a:lnSpc>
+              <a:spcBef>
+                <a:spcPts val="0"/>
+              </a:spcBef>
+              <a:spcAft>
+                <a:spcPts val="0"/>
+              </a:spcAft>
+              <a:buSzPts val="3111"/>
               <a:buNone/>
             </a:pPr>
             <a:r>
-              <a:rPr lang="en"/>
+              <a:rPr lang="en" sz="2800"/>
               <a:t>LangChain framework Core Components</a:t>
             </a:r>
-            <a:endParaRPr/>
+            <a:endParaRPr sz="2800"/>
           </a:p>
         </p:txBody>
       </p:sp>
       <p:sp>
         <p:nvSpPr>
-          <p:cNvPr id="117" name="Google Shape;117;p23"/>
+          <p:cNvPr id="122" name="Google Shape;122;p11"/>
           <p:cNvSpPr txBox="1"/>
           <p:nvPr>
             <p:ph idx="1" type="body"/>
@@ -7179,6 +8034,10 @@
           <a:prstGeom prst="rect">
             <a:avLst/>
           </a:prstGeom>
+          <a:noFill/>
+          <a:ln>
+            <a:noFill/>
+          </a:ln>
         </p:spPr>
         <p:txBody>
           <a:bodyPr anchorCtr="0" anchor="t" bIns="91425" lIns="91425" spcFirstLastPara="1" rIns="91425" wrap="square" tIns="91425">
@@ -7187,12 +8046,16 @@
           <a:lstStyle/>
           <a:p>
             <a:pPr indent="0" lvl="0" marL="0" rtl="0" algn="l">
-              <a:spcBef>
-                <a:spcPts val="0"/>
-              </a:spcBef>
-              <a:spcAft>
-                <a:spcPts val="0"/>
-              </a:spcAft>
+              <a:lnSpc>
+                <a:spcPct val="115000"/>
+              </a:lnSpc>
+              <a:spcBef>
+                <a:spcPts val="0"/>
+              </a:spcBef>
+              <a:spcAft>
+                <a:spcPts val="0"/>
+              </a:spcAft>
+              <a:buSzPts val="1800"/>
               <a:buNone/>
             </a:pPr>
             <a:r>
@@ -7207,12 +8070,16 @@
           </a:p>
           <a:p>
             <a:pPr indent="0" lvl="0" marL="0" rtl="0" algn="l">
+              <a:lnSpc>
+                <a:spcPct val="115000"/>
+              </a:lnSpc>
               <a:spcBef>
                 <a:spcPts val="1200"/>
               </a:spcBef>
               <a:spcAft>
                 <a:spcPts val="0"/>
               </a:spcAft>
+              <a:buSzPts val="1800"/>
               <a:buNone/>
             </a:pPr>
             <a:r>
@@ -7231,12 +8098,16 @@
           </a:p>
           <a:p>
             <a:pPr indent="0" lvl="0" marL="0" rtl="0" algn="l">
+              <a:lnSpc>
+                <a:spcPct val="115000"/>
+              </a:lnSpc>
               <a:spcBef>
                 <a:spcPts val="1200"/>
               </a:spcBef>
               <a:spcAft>
                 <a:spcPts val="0"/>
               </a:spcAft>
+              <a:buSzPts val="1800"/>
               <a:buNone/>
             </a:pPr>
             <a:r>
@@ -7251,12 +8122,16 @@
           </a:p>
           <a:p>
             <a:pPr indent="0" lvl="0" marL="0" rtl="0" algn="l">
+              <a:lnSpc>
+                <a:spcPct val="115000"/>
+              </a:lnSpc>
               <a:spcBef>
                 <a:spcPts val="1200"/>
               </a:spcBef>
               <a:spcAft>
                 <a:spcPts val="0"/>
               </a:spcAft>
+              <a:buSzPts val="1800"/>
               <a:buNone/>
             </a:pPr>
             <a:r>
@@ -7271,12 +8146,16 @@
           </a:p>
           <a:p>
             <a:pPr indent="0" lvl="0" marL="0" rtl="0" algn="l">
+              <a:lnSpc>
+                <a:spcPct val="115000"/>
+              </a:lnSpc>
               <a:spcBef>
                 <a:spcPts val="1200"/>
               </a:spcBef>
               <a:spcAft>
                 <a:spcPts val="0"/>
               </a:spcAft>
+              <a:buSzPts val="1800"/>
               <a:buNone/>
             </a:pPr>
             <a:r>
@@ -7287,12 +8166,16 @@
           </a:p>
           <a:p>
             <a:pPr indent="0" lvl="0" marL="0" rtl="0" algn="l">
+              <a:lnSpc>
+                <a:spcPct val="115000"/>
+              </a:lnSpc>
               <a:spcBef>
                 <a:spcPts val="1200"/>
               </a:spcBef>
               <a:spcAft>
                 <a:spcPts val="0"/>
               </a:spcAft>
+              <a:buSzPts val="1800"/>
               <a:buNone/>
             </a:pPr>
             <a:r>
@@ -7303,12 +8186,16 @@
           </a:p>
           <a:p>
             <a:pPr indent="0" lvl="0" marL="0" rtl="0" algn="l">
+              <a:lnSpc>
+                <a:spcPct val="115000"/>
+              </a:lnSpc>
               <a:spcBef>
                 <a:spcPts val="1200"/>
               </a:spcBef>
               <a:spcAft>
                 <a:spcPts val="1200"/>
               </a:spcAft>
+              <a:buSzPts val="1800"/>
               <a:buNone/>
             </a:pPr>
             <a:r>
@@ -7326,12 +8213,12 @@
 </p:sld>
 </file>
 
-<file path=ppt/slides/slide12.xml><?xml version="1.0" encoding="utf-8"?>
+<file path=ppt/slides/slide13.xml><?xml version="1.0" encoding="utf-8"?>
 <p:sld xmlns:a="http://schemas.openxmlformats.org/drawingml/2006/main" xmlns:r="http://schemas.openxmlformats.org/officeDocument/2006/relationships" xmlns:mc="http://schemas.openxmlformats.org/markup-compatibility/2006" xmlns:mv="urn:schemas-microsoft-com:mac:vml" xmlns:p="http://schemas.openxmlformats.org/presentationml/2006/main" xmlns:c="http://schemas.openxmlformats.org/drawingml/2006/chart" xmlns:dgm="http://schemas.openxmlformats.org/drawingml/2006/diagram" xmlns:o="urn:schemas-microsoft-com:office:office" xmlns:v="urn:schemas-microsoft-com:vml" xmlns:pvml="urn:schemas-microsoft-com:office:powerpoint" xmlns:com="http://schemas.openxmlformats.org/drawingml/2006/compatibility" xmlns:p14="http://schemas.microsoft.com/office/powerpoint/2010/main" xmlns:p15="http://schemas.microsoft.com/office/powerpoint/2012/main" xmlns:ahyp="http://schemas.microsoft.com/office/drawing/2018/hyperlinkcolor">
   <p:cSld>
     <p:spTree>
       <p:nvGrpSpPr>
-        <p:cNvPr id="121" name="Shape 121"/>
+        <p:cNvPr id="126" name="Shape 126"/>
         <p:cNvGrpSpPr/>
         <p:nvPr/>
       </p:nvGrpSpPr>
@@ -7345,7 +8232,7 @@
       </p:grpSpPr>
       <p:sp>
         <p:nvSpPr>
-          <p:cNvPr id="122" name="Google Shape;122;p24"/>
+          <p:cNvPr id="127" name="Google Shape;127;p12"/>
           <p:cNvSpPr txBox="1"/>
           <p:nvPr>
             <p:ph type="title"/>
@@ -7359,33 +8246,41 @@
           <a:prstGeom prst="rect">
             <a:avLst/>
           </a:prstGeom>
+          <a:noFill/>
+          <a:ln>
+            <a:noFill/>
+          </a:ln>
         </p:spPr>
         <p:txBody>
           <a:bodyPr anchorCtr="0" anchor="t" bIns="91425" lIns="91425" spcFirstLastPara="1" rIns="91425" wrap="square" tIns="91425">
-            <a:normAutofit fontScale="90000"/>
+            <a:noAutofit/>
           </a:bodyPr>
           <a:lstStyle/>
           <a:p>
             <a:pPr indent="0" lvl="0" marL="0" rtl="0" algn="l">
-              <a:spcBef>
-                <a:spcPts val="0"/>
-              </a:spcBef>
-              <a:spcAft>
-                <a:spcPts val="0"/>
-              </a:spcAft>
+              <a:lnSpc>
+                <a:spcPct val="100000"/>
+              </a:lnSpc>
+              <a:spcBef>
+                <a:spcPts val="0"/>
+              </a:spcBef>
+              <a:spcAft>
+                <a:spcPts val="0"/>
+              </a:spcAft>
+              <a:buSzPts val="3111"/>
               <a:buNone/>
             </a:pPr>
             <a:r>
-              <a:rPr lang="en"/>
+              <a:rPr lang="en" sz="2800"/>
               <a:t>ChatOpenAI</a:t>
             </a:r>
-            <a:endParaRPr/>
+            <a:endParaRPr sz="2800"/>
           </a:p>
         </p:txBody>
       </p:sp>
       <p:sp>
         <p:nvSpPr>
-          <p:cNvPr id="123" name="Google Shape;123;p24"/>
+          <p:cNvPr id="128" name="Google Shape;128;p12"/>
           <p:cNvSpPr txBox="1"/>
           <p:nvPr>
             <p:ph idx="1" type="body"/>
@@ -7399,6 +8294,10 @@
           <a:prstGeom prst="rect">
             <a:avLst/>
           </a:prstGeom>
+          <a:noFill/>
+          <a:ln>
+            <a:noFill/>
+          </a:ln>
         </p:spPr>
         <p:txBody>
           <a:bodyPr anchorCtr="0" anchor="t" bIns="91425" lIns="91425" spcFirstLastPara="1" rIns="91425" wrap="square" tIns="91425">
@@ -7416,6 +8315,7 @@
               <a:spcAft>
                 <a:spcPts val="0"/>
               </a:spcAft>
+              <a:buSzPts val="1800"/>
               <a:buNone/>
             </a:pPr>
             <a:r>
@@ -7457,6 +8357,7 @@
               <a:spcAft>
                 <a:spcPts val="0"/>
               </a:spcAft>
+              <a:buSzPts val="1800"/>
               <a:buNone/>
             </a:pPr>
             <a:r>
@@ -7565,12 +8466,16 @@
           </a:p>
           <a:p>
             <a:pPr indent="0" lvl="0" marL="0" rtl="0" algn="l">
+              <a:lnSpc>
+                <a:spcPct val="115000"/>
+              </a:lnSpc>
               <a:spcBef>
                 <a:spcPts val="0"/>
               </a:spcBef>
               <a:spcAft>
                 <a:spcPts val="1200"/>
               </a:spcAft>
+              <a:buSzPts val="1800"/>
               <a:buNone/>
             </a:pPr>
             <a:r>
@@ -7588,12 +8493,12 @@
 </p:sld>
 </file>
 
-<file path=ppt/slides/slide13.xml><?xml version="1.0" encoding="utf-8"?>
+<file path=ppt/slides/slide14.xml><?xml version="1.0" encoding="utf-8"?>
 <p:sld xmlns:a="http://schemas.openxmlformats.org/drawingml/2006/main" xmlns:r="http://schemas.openxmlformats.org/officeDocument/2006/relationships" xmlns:mc="http://schemas.openxmlformats.org/markup-compatibility/2006" xmlns:mv="urn:schemas-microsoft-com:mac:vml" xmlns:p="http://schemas.openxmlformats.org/presentationml/2006/main" xmlns:c="http://schemas.openxmlformats.org/drawingml/2006/chart" xmlns:dgm="http://schemas.openxmlformats.org/drawingml/2006/diagram" xmlns:o="urn:schemas-microsoft-com:office:office" xmlns:v="urn:schemas-microsoft-com:vml" xmlns:pvml="urn:schemas-microsoft-com:office:powerpoint" xmlns:com="http://schemas.openxmlformats.org/drawingml/2006/compatibility" xmlns:p14="http://schemas.microsoft.com/office/powerpoint/2010/main" xmlns:p15="http://schemas.microsoft.com/office/powerpoint/2012/main" xmlns:ahyp="http://schemas.microsoft.com/office/drawing/2018/hyperlinkcolor">
   <p:cSld>
     <p:spTree>
       <p:nvGrpSpPr>
-        <p:cNvPr id="127" name="Shape 127"/>
+        <p:cNvPr id="132" name="Shape 132"/>
         <p:cNvGrpSpPr/>
         <p:nvPr/>
       </p:nvGrpSpPr>
@@ -7607,7 +8512,7 @@
       </p:grpSpPr>
       <p:sp>
         <p:nvSpPr>
-          <p:cNvPr id="128" name="Google Shape;128;p25"/>
+          <p:cNvPr id="133" name="Google Shape;133;p13"/>
           <p:cNvSpPr txBox="1"/>
           <p:nvPr>
             <p:ph type="title"/>
@@ -7621,33 +8526,41 @@
           <a:prstGeom prst="rect">
             <a:avLst/>
           </a:prstGeom>
+          <a:noFill/>
+          <a:ln>
+            <a:noFill/>
+          </a:ln>
         </p:spPr>
         <p:txBody>
           <a:bodyPr anchorCtr="0" anchor="t" bIns="91425" lIns="91425" spcFirstLastPara="1" rIns="91425" wrap="square" tIns="91425">
-            <a:normAutofit fontScale="90000"/>
+            <a:noAutofit/>
           </a:bodyPr>
           <a:lstStyle/>
           <a:p>
             <a:pPr indent="0" lvl="0" marL="0" rtl="0" algn="l">
-              <a:spcBef>
-                <a:spcPts val="0"/>
-              </a:spcBef>
-              <a:spcAft>
-                <a:spcPts val="0"/>
-              </a:spcAft>
+              <a:lnSpc>
+                <a:spcPct val="100000"/>
+              </a:lnSpc>
+              <a:spcBef>
+                <a:spcPts val="0"/>
+              </a:spcBef>
+              <a:spcAft>
+                <a:spcPts val="0"/>
+              </a:spcAft>
+              <a:buSzPts val="3111"/>
               <a:buNone/>
             </a:pPr>
             <a:r>
-              <a:rPr lang="en"/>
+              <a:rPr lang="en" sz="2800"/>
               <a:t>Langchain Memory classes</a:t>
             </a:r>
-            <a:endParaRPr/>
+            <a:endParaRPr sz="2800"/>
           </a:p>
         </p:txBody>
       </p:sp>
       <p:sp>
         <p:nvSpPr>
-          <p:cNvPr id="129" name="Google Shape;129;p25"/>
+          <p:cNvPr id="134" name="Google Shape;134;p13"/>
           <p:cNvSpPr txBox="1"/>
           <p:nvPr>
             <p:ph idx="1" type="body"/>
@@ -7661,6 +8574,10 @@
           <a:prstGeom prst="rect">
             <a:avLst/>
           </a:prstGeom>
+          <a:noFill/>
+          <a:ln>
+            <a:noFill/>
+          </a:ln>
         </p:spPr>
         <p:txBody>
           <a:bodyPr anchorCtr="0" anchor="t" bIns="91425" lIns="91425" spcFirstLastPara="1" rIns="91425" wrap="square" tIns="91425">
@@ -7669,6 +8586,9 @@
           <a:lstStyle/>
           <a:p>
             <a:pPr indent="0" lvl="0" marL="0" rtl="0" algn="l">
+              <a:lnSpc>
+                <a:spcPct val="115000"/>
+              </a:lnSpc>
               <a:spcBef>
                 <a:spcPts val="0"/>
               </a:spcBef>
@@ -7698,6 +8618,9 @@
           </a:p>
           <a:p>
             <a:pPr indent="-298450" lvl="0" marL="457200" rtl="0" algn="l">
+              <a:lnSpc>
+                <a:spcPct val="115000"/>
+              </a:lnSpc>
               <a:spcBef>
                 <a:spcPts val="1200"/>
               </a:spcBef>
@@ -7738,6 +8661,9 @@
           </a:p>
           <a:p>
             <a:pPr indent="-298450" lvl="0" marL="457200" rtl="0" algn="l">
+              <a:lnSpc>
+                <a:spcPct val="115000"/>
+              </a:lnSpc>
               <a:spcBef>
                 <a:spcPts val="0"/>
               </a:spcBef>
@@ -7794,6 +8720,9 @@
           </a:p>
           <a:p>
             <a:pPr indent="-298450" lvl="0" marL="457200" rtl="0" algn="l">
+              <a:lnSpc>
+                <a:spcPct val="115000"/>
+              </a:lnSpc>
               <a:spcBef>
                 <a:spcPts val="0"/>
               </a:spcBef>
@@ -7834,6 +8763,9 @@
           </a:p>
           <a:p>
             <a:pPr indent="0" lvl="0" marL="0" rtl="0" algn="l">
+              <a:lnSpc>
+                <a:spcPct val="115000"/>
+              </a:lnSpc>
               <a:spcBef>
                 <a:spcPts val="1200"/>
               </a:spcBef>
@@ -7863,6 +8795,9 @@
           </a:p>
           <a:p>
             <a:pPr indent="-298450" lvl="0" marL="457200" rtl="0" algn="l">
+              <a:lnSpc>
+                <a:spcPct val="115000"/>
+              </a:lnSpc>
               <a:spcBef>
                 <a:spcPts val="1200"/>
               </a:spcBef>
@@ -7911,6 +8846,9 @@
           </a:p>
           <a:p>
             <a:pPr indent="-298450" lvl="0" marL="457200" rtl="0" algn="l">
+              <a:lnSpc>
+                <a:spcPct val="115000"/>
+              </a:lnSpc>
               <a:spcBef>
                 <a:spcPts val="0"/>
               </a:spcBef>
@@ -7939,6 +8877,9 @@
           </a:p>
           <a:p>
             <a:pPr indent="0" lvl="0" marL="0" rtl="0" algn="l">
+              <a:lnSpc>
+                <a:spcPct val="115000"/>
+              </a:lnSpc>
               <a:spcBef>
                 <a:spcPts val="1200"/>
               </a:spcBef>
@@ -7968,6 +8909,9 @@
           </a:p>
           <a:p>
             <a:pPr indent="-298450" lvl="0" marL="457200" rtl="0" algn="l">
+              <a:lnSpc>
+                <a:spcPct val="115000"/>
+              </a:lnSpc>
               <a:spcBef>
                 <a:spcPts val="1200"/>
               </a:spcBef>
@@ -7996,6 +8940,9 @@
           </a:p>
           <a:p>
             <a:pPr indent="0" lvl="0" marL="0" rtl="0" algn="l">
+              <a:lnSpc>
+                <a:spcPct val="115000"/>
+              </a:lnSpc>
               <a:spcBef>
                 <a:spcPts val="1200"/>
               </a:spcBef>
@@ -8020,12 +8967,16 @@
           </a:p>
           <a:p>
             <a:pPr indent="0" lvl="0" marL="0" rtl="0" algn="l">
+              <a:lnSpc>
+                <a:spcPct val="115000"/>
+              </a:lnSpc>
               <a:spcBef>
                 <a:spcPts val="1200"/>
               </a:spcBef>
               <a:spcAft>
                 <a:spcPts val="1200"/>
               </a:spcAft>
+              <a:buSzPts val="1800"/>
               <a:buNone/>
             </a:pPr>
             <a:r>
@@ -8043,12 +8994,12 @@
 </p:sld>
 </file>
 
-<file path=ppt/slides/slide14.xml><?xml version="1.0" encoding="utf-8"?>
+<file path=ppt/slides/slide15.xml><?xml version="1.0" encoding="utf-8"?>
 <p:sld xmlns:a="http://schemas.openxmlformats.org/drawingml/2006/main" xmlns:r="http://schemas.openxmlformats.org/officeDocument/2006/relationships" xmlns:mc="http://schemas.openxmlformats.org/markup-compatibility/2006" xmlns:mv="urn:schemas-microsoft-com:mac:vml" xmlns:p="http://schemas.openxmlformats.org/presentationml/2006/main" xmlns:c="http://schemas.openxmlformats.org/drawingml/2006/chart" xmlns:dgm="http://schemas.openxmlformats.org/drawingml/2006/diagram" xmlns:o="urn:schemas-microsoft-com:office:office" xmlns:v="urn:schemas-microsoft-com:vml" xmlns:pvml="urn:schemas-microsoft-com:office:powerpoint" xmlns:com="http://schemas.openxmlformats.org/drawingml/2006/compatibility" xmlns:p14="http://schemas.microsoft.com/office/powerpoint/2010/main" xmlns:p15="http://schemas.microsoft.com/office/powerpoint/2012/main" xmlns:ahyp="http://schemas.microsoft.com/office/drawing/2018/hyperlinkcolor">
   <p:cSld>
     <p:spTree>
       <p:nvGrpSpPr>
-        <p:cNvPr id="133" name="Shape 133"/>
+        <p:cNvPr id="138" name="Shape 138"/>
         <p:cNvGrpSpPr/>
         <p:nvPr/>
       </p:nvGrpSpPr>
@@ -8062,7 +9013,7 @@
       </p:grpSpPr>
       <p:sp>
         <p:nvSpPr>
-          <p:cNvPr id="134" name="Google Shape;134;p26"/>
+          <p:cNvPr id="139" name="Google Shape;139;p14"/>
           <p:cNvSpPr txBox="1"/>
           <p:nvPr>
             <p:ph type="title"/>
@@ -8076,43 +9027,50 @@
           <a:prstGeom prst="rect">
             <a:avLst/>
           </a:prstGeom>
+          <a:noFill/>
+          <a:ln>
+            <a:noFill/>
+          </a:ln>
         </p:spPr>
         <p:txBody>
           <a:bodyPr anchorCtr="0" anchor="t" bIns="91425" lIns="91425" spcFirstLastPara="1" rIns="91425" wrap="square" tIns="91425">
-            <a:normAutofit fontScale="90000"/>
+            <a:noAutofit/>
           </a:bodyPr>
           <a:lstStyle/>
           <a:p>
             <a:pPr indent="0" lvl="0" marL="0" rtl="0" algn="l">
-              <a:spcBef>
-                <a:spcPts val="0"/>
-              </a:spcBef>
-              <a:spcAft>
-                <a:spcPts val="0"/>
-              </a:spcAft>
+              <a:lnSpc>
+                <a:spcPct val="100000"/>
+              </a:lnSpc>
+              <a:spcBef>
+                <a:spcPts val="0"/>
+              </a:spcBef>
+              <a:spcAft>
+                <a:spcPts val="0"/>
+              </a:spcAft>
+              <a:buSzPts val="3111"/>
               <a:buNone/>
             </a:pPr>
             <a:r>
-              <a:rPr lang="en"/>
+              <a:rPr lang="en" sz="2800"/>
               <a:t>Conversation Buffer Window Memory</a:t>
             </a:r>
-            <a:endParaRPr/>
+            <a:endParaRPr sz="2800"/>
           </a:p>
         </p:txBody>
       </p:sp>
       <p:pic>
         <p:nvPicPr>
-          <p:cNvPr id="135" name="Google Shape;135;p26"/>
+          <p:cNvPr id="140" name="Google Shape;140;p14"/>
           <p:cNvPicPr preferRelativeResize="0"/>
           <p:nvPr/>
         </p:nvPicPr>
-        <p:blipFill>
+        <p:blipFill rotWithShape="1">
           <a:blip r:embed="rId3">
             <a:alphaModFix/>
           </a:blip>
-          <a:stretch>
-            <a:fillRect/>
-          </a:stretch>
+          <a:srcRect b="0" l="0" r="0" t="0"/>
+          <a:stretch/>
         </p:blipFill>
         <p:spPr>
           <a:xfrm>
@@ -8136,12 +9094,37 @@
 </p:sld>
 </file>
 
-<file path=ppt/slides/slide15.xml><?xml version="1.0" encoding="utf-8"?>
+<file path=ppt/slides/slide16.xml><?xml version="1.0" encoding="utf-8"?>
 <p:sld xmlns:a="http://schemas.openxmlformats.org/drawingml/2006/main" xmlns:r="http://schemas.openxmlformats.org/officeDocument/2006/relationships" xmlns:mc="http://schemas.openxmlformats.org/markup-compatibility/2006" xmlns:mv="urn:schemas-microsoft-com:mac:vml" xmlns:p="http://schemas.openxmlformats.org/presentationml/2006/main" xmlns:c="http://schemas.openxmlformats.org/drawingml/2006/chart" xmlns:dgm="http://schemas.openxmlformats.org/drawingml/2006/diagram" xmlns:o="urn:schemas-microsoft-com:office:office" xmlns:v="urn:schemas-microsoft-com:vml" xmlns:pvml="urn:schemas-microsoft-com:office:powerpoint" xmlns:com="http://schemas.openxmlformats.org/drawingml/2006/compatibility" xmlns:p14="http://schemas.microsoft.com/office/powerpoint/2010/main" xmlns:p15="http://schemas.microsoft.com/office/powerpoint/2012/main" xmlns:ahyp="http://schemas.microsoft.com/office/drawing/2018/hyperlinkcolor">
   <p:cSld>
     <p:spTree>
       <p:nvGrpSpPr>
-        <p:cNvPr id="139" name="Shape 139"/>
+        <p:cNvPr id="144" name="Shape 144"/>
+        <p:cNvGrpSpPr/>
+        <p:nvPr/>
+      </p:nvGrpSpPr>
+      <p:grpSpPr>
+        <a:xfrm>
+          <a:off x="0" y="0"/>
+          <a:ext cx="0" cy="0"/>
+          <a:chOff x="0" y="0"/>
+          <a:chExt cx="0" cy="0"/>
+        </a:xfrm>
+      </p:grpSpPr>
+    </p:spTree>
+  </p:cSld>
+  <p:clrMapOvr>
+    <a:masterClrMapping/>
+  </p:clrMapOvr>
+</p:sld>
+</file>
+
+<file path=ppt/slides/slide17.xml><?xml version="1.0" encoding="utf-8"?>
+<p:sld xmlns:a="http://schemas.openxmlformats.org/drawingml/2006/main" xmlns:r="http://schemas.openxmlformats.org/officeDocument/2006/relationships" xmlns:mc="http://schemas.openxmlformats.org/markup-compatibility/2006" xmlns:mv="urn:schemas-microsoft-com:mac:vml" xmlns:p="http://schemas.openxmlformats.org/presentationml/2006/main" xmlns:c="http://schemas.openxmlformats.org/drawingml/2006/chart" xmlns:dgm="http://schemas.openxmlformats.org/drawingml/2006/diagram" xmlns:o="urn:schemas-microsoft-com:office:office" xmlns:v="urn:schemas-microsoft-com:vml" xmlns:pvml="urn:schemas-microsoft-com:office:powerpoint" xmlns:com="http://schemas.openxmlformats.org/drawingml/2006/compatibility" xmlns:p14="http://schemas.microsoft.com/office/powerpoint/2010/main" xmlns:p15="http://schemas.microsoft.com/office/powerpoint/2012/main" xmlns:ahyp="http://schemas.microsoft.com/office/drawing/2018/hyperlinkcolor">
+  <p:cSld>
+    <p:spTree>
+      <p:nvGrpSpPr>
+        <p:cNvPr id="148" name="Shape 148"/>
         <p:cNvGrpSpPr/>
         <p:nvPr/>
       </p:nvGrpSpPr>
@@ -8155,7 +9138,7 @@
       </p:grpSpPr>
       <p:sp>
         <p:nvSpPr>
-          <p:cNvPr id="140" name="Google Shape;140;p27"/>
+          <p:cNvPr id="149" name="Google Shape;149;p15"/>
           <p:cNvSpPr txBox="1"/>
           <p:nvPr>
             <p:ph type="title"/>
@@ -8169,6 +9152,10 @@
           <a:prstGeom prst="rect">
             <a:avLst/>
           </a:prstGeom>
+          <a:noFill/>
+          <a:ln>
+            <a:noFill/>
+          </a:ln>
         </p:spPr>
         <p:txBody>
           <a:bodyPr anchorCtr="0" anchor="t" bIns="91425" lIns="91425" spcFirstLastPara="1" rIns="91425" wrap="square" tIns="91425">
@@ -8177,12 +9164,16 @@
           <a:lstStyle/>
           <a:p>
             <a:pPr indent="0" lvl="0" marL="0" rtl="0" algn="l">
-              <a:spcBef>
-                <a:spcPts val="0"/>
-              </a:spcBef>
-              <a:spcAft>
-                <a:spcPts val="0"/>
-              </a:spcAft>
+              <a:lnSpc>
+                <a:spcPct val="100000"/>
+              </a:lnSpc>
+              <a:spcBef>
+                <a:spcPts val="0"/>
+              </a:spcBef>
+              <a:spcAft>
+                <a:spcPts val="0"/>
+              </a:spcAft>
+              <a:buSzPct val="111107"/>
               <a:buNone/>
             </a:pPr>
             <a:r>
@@ -8195,7 +9186,7 @@
       </p:sp>
       <p:graphicFrame>
         <p:nvGraphicFramePr>
-          <p:cNvPr id="141" name="Google Shape;141;p27"/>
+          <p:cNvPr id="150" name="Google Shape;150;p15"/>
           <p:cNvGraphicFramePr/>
           <p:nvPr/>
         </p:nvGraphicFramePr>
@@ -8210,7 +9201,7 @@
                 <a:solidFill>
                   <a:srgbClr val="FFFFFF"/>
                 </a:solidFill>
-                <a:tableStyleId>{F7B997B4-9BF3-47C5-ADE1-C7EDE530CDC0}</a:tableStyleId>
+                <a:tableStyleId>{7A213815-3BE1-48ED-A11E-26C90326E0D2}</a:tableStyleId>
               </a:tblPr>
               <a:tblGrid>
                 <a:gridCol w="1040000"/>
@@ -8225,7 +9216,7 @@
                     <a:bodyPr/>
                     <a:lstStyle/>
                     <a:p>
-                      <a:pPr indent="0" lvl="0" marL="0" rtl="0" algn="ctr">
+                      <a:pPr indent="0" lvl="0" marL="0" marR="0" rtl="0" algn="ctr">
                         <a:lnSpc>
                           <a:spcPct val="120000"/>
                         </a:lnSpc>
@@ -8233,12 +9224,17 @@
                           <a:spcPts val="0"/>
                         </a:spcBef>
                         <a:spcAft>
-                          <a:spcPts val="800"/>
+                          <a:spcPts val="0"/>
                         </a:spcAft>
+                        <a:buClr>
+                          <a:srgbClr val="000000"/>
+                        </a:buClr>
+                        <a:buSzPts val="1400"/>
+                        <a:buFont typeface="Arial"/>
                         <a:buNone/>
                       </a:pPr>
                       <a:r>
-                        <a:rPr b="1" lang="en">
+                        <a:rPr b="1" lang="en" sz="1400" u="none" cap="none" strike="noStrike">
                           <a:solidFill>
                             <a:srgbClr val="273239"/>
                           </a:solidFill>
@@ -8252,7 +9248,7 @@
                         </a:rPr>
                         <a:t>Memory Type</a:t>
                       </a:r>
-                      <a:endParaRPr b="1">
+                      <a:endParaRPr b="1" sz="1400" u="none" cap="none" strike="noStrike">
                         <a:solidFill>
                           <a:srgbClr val="273239"/>
                         </a:solidFill>
@@ -8313,7 +9309,7 @@
                     <a:bodyPr/>
                     <a:lstStyle/>
                     <a:p>
-                      <a:pPr indent="0" lvl="0" marL="0" rtl="0" algn="ctr">
+                      <a:pPr indent="0" lvl="0" marL="0" marR="0" rtl="0" algn="ctr">
                         <a:lnSpc>
                           <a:spcPct val="120000"/>
                         </a:lnSpc>
@@ -8321,12 +9317,17 @@
                           <a:spcPts val="0"/>
                         </a:spcBef>
                         <a:spcAft>
-                          <a:spcPts val="800"/>
+                          <a:spcPts val="0"/>
                         </a:spcAft>
+                        <a:buClr>
+                          <a:srgbClr val="000000"/>
+                        </a:buClr>
+                        <a:buSzPts val="1400"/>
+                        <a:buFont typeface="Arial"/>
                         <a:buNone/>
                       </a:pPr>
                       <a:r>
-                        <a:rPr b="1" lang="en">
+                        <a:rPr b="1" lang="en" sz="1400" u="none" cap="none" strike="noStrike">
                           <a:solidFill>
                             <a:srgbClr val="273239"/>
                           </a:solidFill>
@@ -8340,7 +9341,7 @@
                         </a:rPr>
                         <a:t>Conversation Buffer Memory</a:t>
                       </a:r>
-                      <a:endParaRPr b="1">
+                      <a:endParaRPr b="1" sz="1400" u="none" cap="none" strike="noStrike">
                         <a:solidFill>
                           <a:srgbClr val="273239"/>
                         </a:solidFill>
@@ -8401,7 +9402,7 @@
                     <a:bodyPr/>
                     <a:lstStyle/>
                     <a:p>
-                      <a:pPr indent="0" lvl="0" marL="0" rtl="0" algn="ctr">
+                      <a:pPr indent="0" lvl="0" marL="0" marR="0" rtl="0" algn="ctr">
                         <a:lnSpc>
                           <a:spcPct val="120000"/>
                         </a:lnSpc>
@@ -8409,12 +9410,17 @@
                           <a:spcPts val="0"/>
                         </a:spcBef>
                         <a:spcAft>
-                          <a:spcPts val="800"/>
+                          <a:spcPts val="0"/>
                         </a:spcAft>
+                        <a:buClr>
+                          <a:srgbClr val="000000"/>
+                        </a:buClr>
+                        <a:buSzPts val="1400"/>
+                        <a:buFont typeface="Arial"/>
                         <a:buNone/>
                       </a:pPr>
                       <a:r>
-                        <a:rPr b="1" lang="en">
+                        <a:rPr b="1" lang="en" sz="1400" u="none" cap="none" strike="noStrike">
                           <a:solidFill>
                             <a:srgbClr val="273239"/>
                           </a:solidFill>
@@ -8428,7 +9434,7 @@
                         </a:rPr>
                         <a:t>Conversation Buffer Window Memory</a:t>
                       </a:r>
-                      <a:endParaRPr b="1">
+                      <a:endParaRPr b="1" sz="1400" u="none" cap="none" strike="noStrike">
                         <a:solidFill>
                           <a:srgbClr val="273239"/>
                         </a:solidFill>
@@ -8489,7 +9495,7 @@
                     <a:bodyPr/>
                     <a:lstStyle/>
                     <a:p>
-                      <a:pPr indent="0" lvl="0" marL="0" rtl="0" algn="ctr">
+                      <a:pPr indent="0" lvl="0" marL="0" marR="0" rtl="0" algn="ctr">
                         <a:lnSpc>
                           <a:spcPct val="120000"/>
                         </a:lnSpc>
@@ -8497,12 +9503,17 @@
                           <a:spcPts val="0"/>
                         </a:spcBef>
                         <a:spcAft>
-                          <a:spcPts val="800"/>
+                          <a:spcPts val="0"/>
                         </a:spcAft>
+                        <a:buClr>
+                          <a:srgbClr val="000000"/>
+                        </a:buClr>
+                        <a:buSzPts val="1400"/>
+                        <a:buFont typeface="Arial"/>
                         <a:buNone/>
                       </a:pPr>
                       <a:r>
-                        <a:rPr b="1" lang="en">
+                        <a:rPr b="1" lang="en" sz="1400" u="none" cap="none" strike="noStrike">
                           <a:solidFill>
                             <a:srgbClr val="273239"/>
                           </a:solidFill>
@@ -8516,7 +9527,7 @@
                         </a:rPr>
                         <a:t>Conversation Summary Memory</a:t>
                       </a:r>
-                      <a:endParaRPr b="1">
+                      <a:endParaRPr b="1" sz="1400" u="none" cap="none" strike="noStrike">
                         <a:solidFill>
                           <a:srgbClr val="273239"/>
                         </a:solidFill>
@@ -8577,7 +9588,7 @@
                     <a:bodyPr/>
                     <a:lstStyle/>
                     <a:p>
-                      <a:pPr indent="0" lvl="0" marL="0" rtl="0" algn="ctr">
+                      <a:pPr indent="0" lvl="0" marL="0" marR="0" rtl="0" algn="ctr">
                         <a:lnSpc>
                           <a:spcPct val="120000"/>
                         </a:lnSpc>
@@ -8585,12 +9596,17 @@
                           <a:spcPts val="0"/>
                         </a:spcBef>
                         <a:spcAft>
-                          <a:spcPts val="800"/>
+                          <a:spcPts val="0"/>
                         </a:spcAft>
+                        <a:buClr>
+                          <a:srgbClr val="000000"/>
+                        </a:buClr>
+                        <a:buSzPts val="1400"/>
+                        <a:buFont typeface="Arial"/>
                         <a:buNone/>
                       </a:pPr>
                       <a:r>
-                        <a:rPr b="1" lang="en">
+                        <a:rPr b="1" lang="en" sz="1400" u="none" cap="none" strike="noStrike">
                           <a:solidFill>
                             <a:srgbClr val="273239"/>
                           </a:solidFill>
@@ -8604,7 +9620,7 @@
                         </a:rPr>
                         <a:t>Vector Store Retriever Memory</a:t>
                       </a:r>
-                      <a:endParaRPr b="1">
+                      <a:endParaRPr b="1" sz="1400" u="none" cap="none" strike="noStrike">
                         <a:solidFill>
                           <a:srgbClr val="273239"/>
                         </a:solidFill>
@@ -8667,7 +9683,7 @@
                     <a:bodyPr/>
                     <a:lstStyle/>
                     <a:p>
-                      <a:pPr indent="0" lvl="0" marL="0" rtl="0" algn="ctr">
+                      <a:pPr indent="0" lvl="0" marL="0" marR="0" rtl="0" algn="ctr">
                         <a:lnSpc>
                           <a:spcPct val="120000"/>
                         </a:lnSpc>
@@ -8675,12 +9691,17 @@
                           <a:spcPts val="0"/>
                         </a:spcBef>
                         <a:spcAft>
-                          <a:spcPts val="800"/>
+                          <a:spcPts val="0"/>
                         </a:spcAft>
+                        <a:buClr>
+                          <a:srgbClr val="000000"/>
+                        </a:buClr>
+                        <a:buSzPts val="1350"/>
+                        <a:buFont typeface="Arial"/>
                         <a:buNone/>
                       </a:pPr>
                       <a:r>
-                        <a:rPr b="1" lang="en" sz="1350">
+                        <a:rPr b="1" lang="en" sz="1350" u="none" cap="none" strike="noStrike">
                           <a:solidFill>
                             <a:srgbClr val="273239"/>
                           </a:solidFill>
@@ -8694,7 +9715,7 @@
                         </a:rPr>
                         <a:t>What it Stores</a:t>
                       </a:r>
-                      <a:endParaRPr b="1" sz="1350">
+                      <a:endParaRPr b="1" sz="1350" u="none" cap="none" strike="noStrike">
                         <a:solidFill>
                           <a:srgbClr val="273239"/>
                         </a:solidFill>
@@ -8755,7 +9776,7 @@
                     <a:bodyPr/>
                     <a:lstStyle/>
                     <a:p>
-                      <a:pPr indent="0" lvl="0" marL="0" rtl="0" algn="ctr">
+                      <a:pPr indent="0" lvl="0" marL="0" marR="0" rtl="0" algn="ctr">
                         <a:lnSpc>
                           <a:spcPct val="120000"/>
                         </a:lnSpc>
@@ -8763,12 +9784,17 @@
                           <a:spcPts val="0"/>
                         </a:spcBef>
                         <a:spcAft>
-                          <a:spcPts val="800"/>
+                          <a:spcPts val="0"/>
                         </a:spcAft>
+                        <a:buClr>
+                          <a:srgbClr val="000000"/>
+                        </a:buClr>
+                        <a:buSzPts val="1250"/>
+                        <a:buFont typeface="Arial"/>
                         <a:buNone/>
                       </a:pPr>
                       <a:r>
-                        <a:rPr lang="en" sz="1250">
+                        <a:rPr lang="en" sz="1250" u="none" cap="none" strike="noStrike">
                           <a:solidFill>
                             <a:srgbClr val="273239"/>
                           </a:solidFill>
@@ -8782,7 +9808,7 @@
                         </a:rPr>
                         <a:t>Entire conversation history as plain text</a:t>
                       </a:r>
-                      <a:endParaRPr sz="1250">
+                      <a:endParaRPr sz="1250" u="none" cap="none" strike="noStrike">
                         <a:solidFill>
                           <a:srgbClr val="273239"/>
                         </a:solidFill>
@@ -8840,7 +9866,7 @@
                     <a:bodyPr/>
                     <a:lstStyle/>
                     <a:p>
-                      <a:pPr indent="0" lvl="0" marL="0" rtl="0" algn="ctr">
+                      <a:pPr indent="0" lvl="0" marL="0" marR="0" rtl="0" algn="ctr">
                         <a:lnSpc>
                           <a:spcPct val="120000"/>
                         </a:lnSpc>
@@ -8848,12 +9874,17 @@
                           <a:spcPts val="0"/>
                         </a:spcBef>
                         <a:spcAft>
-                          <a:spcPts val="800"/>
+                          <a:spcPts val="0"/>
                         </a:spcAft>
+                        <a:buClr>
+                          <a:srgbClr val="000000"/>
+                        </a:buClr>
+                        <a:buSzPts val="1250"/>
+                        <a:buFont typeface="Arial"/>
                         <a:buNone/>
                       </a:pPr>
                       <a:r>
-                        <a:rPr lang="en" sz="1250">
+                        <a:rPr lang="en" sz="1250" u="none" cap="none" strike="noStrike">
                           <a:solidFill>
                             <a:srgbClr val="273239"/>
                           </a:solidFill>
@@ -8867,7 +9898,7 @@
                         </a:rPr>
                         <a:t>Only the most recent k exchanges</a:t>
                       </a:r>
-                      <a:endParaRPr sz="1250">
+                      <a:endParaRPr sz="1250" u="none" cap="none" strike="noStrike">
                         <a:solidFill>
                           <a:srgbClr val="273239"/>
                         </a:solidFill>
@@ -8925,7 +9956,7 @@
                     <a:bodyPr/>
                     <a:lstStyle/>
                     <a:p>
-                      <a:pPr indent="0" lvl="0" marL="0" rtl="0" algn="ctr">
+                      <a:pPr indent="0" lvl="0" marL="0" marR="0" rtl="0" algn="ctr">
                         <a:lnSpc>
                           <a:spcPct val="120000"/>
                         </a:lnSpc>
@@ -8933,12 +9964,17 @@
                           <a:spcPts val="0"/>
                         </a:spcBef>
                         <a:spcAft>
-                          <a:spcPts val="800"/>
+                          <a:spcPts val="0"/>
                         </a:spcAft>
+                        <a:buClr>
+                          <a:srgbClr val="000000"/>
+                        </a:buClr>
+                        <a:buSzPts val="1250"/>
+                        <a:buFont typeface="Arial"/>
                         <a:buNone/>
                       </a:pPr>
                       <a:r>
-                        <a:rPr lang="en" sz="1250">
+                        <a:rPr lang="en" sz="1250" u="none" cap="none" strike="noStrike">
                           <a:solidFill>
                             <a:srgbClr val="273239"/>
                           </a:solidFill>
@@ -8952,7 +9988,7 @@
                         </a:rPr>
                         <a:t>Condensed LLM generated summary of past</a:t>
                       </a:r>
-                      <a:endParaRPr sz="1250">
+                      <a:endParaRPr sz="1250" u="none" cap="none" strike="noStrike">
                         <a:solidFill>
                           <a:srgbClr val="273239"/>
                         </a:solidFill>
@@ -9010,7 +10046,7 @@
                     <a:bodyPr/>
                     <a:lstStyle/>
                     <a:p>
-                      <a:pPr indent="0" lvl="0" marL="0" rtl="0" algn="ctr">
+                      <a:pPr indent="0" lvl="0" marL="0" marR="0" rtl="0" algn="ctr">
                         <a:lnSpc>
                           <a:spcPct val="120000"/>
                         </a:lnSpc>
@@ -9018,12 +10054,17 @@
                           <a:spcPts val="0"/>
                         </a:spcBef>
                         <a:spcAft>
-                          <a:spcPts val="800"/>
+                          <a:spcPts val="0"/>
                         </a:spcAft>
+                        <a:buClr>
+                          <a:srgbClr val="000000"/>
+                        </a:buClr>
+                        <a:buSzPts val="1250"/>
+                        <a:buFont typeface="Arial"/>
                         <a:buNone/>
                       </a:pPr>
                       <a:r>
-                        <a:rPr lang="en" sz="1250">
+                        <a:rPr lang="en" sz="1250" u="none" cap="none" strike="noStrike">
                           <a:solidFill>
                             <a:srgbClr val="273239"/>
                           </a:solidFill>
@@ -9037,7 +10078,7 @@
                         </a:rPr>
                         <a:t>Embeddings of past conversations in a vector DB</a:t>
                       </a:r>
-                      <a:endParaRPr sz="1250">
+                      <a:endParaRPr sz="1250" u="none" cap="none" strike="noStrike">
                         <a:solidFill>
                           <a:srgbClr val="273239"/>
                         </a:solidFill>
@@ -9097,7 +10138,7 @@
                     <a:bodyPr/>
                     <a:lstStyle/>
                     <a:p>
-                      <a:pPr indent="0" lvl="0" marL="0" rtl="0" algn="ctr">
+                      <a:pPr indent="0" lvl="0" marL="0" marR="0" rtl="0" algn="ctr">
                         <a:lnSpc>
                           <a:spcPct val="120000"/>
                         </a:lnSpc>
@@ -9105,12 +10146,17 @@
                           <a:spcPts val="0"/>
                         </a:spcBef>
                         <a:spcAft>
-                          <a:spcPts val="800"/>
+                          <a:spcPts val="0"/>
                         </a:spcAft>
+                        <a:buClr>
+                          <a:srgbClr val="000000"/>
+                        </a:buClr>
+                        <a:buSzPts val="1350"/>
+                        <a:buFont typeface="Arial"/>
                         <a:buNone/>
                       </a:pPr>
                       <a:r>
-                        <a:rPr b="1" lang="en" sz="1350">
+                        <a:rPr b="1" lang="en" sz="1350" u="none" cap="none" strike="noStrike">
                           <a:solidFill>
                             <a:srgbClr val="273239"/>
                           </a:solidFill>
@@ -9124,7 +10170,7 @@
                         </a:rPr>
                         <a:t>Strengths</a:t>
                       </a:r>
-                      <a:endParaRPr b="1" sz="1350">
+                      <a:endParaRPr b="1" sz="1350" u="none" cap="none" strike="noStrike">
                         <a:solidFill>
                           <a:srgbClr val="273239"/>
                         </a:solidFill>
@@ -9185,7 +10231,7 @@
                     <a:bodyPr/>
                     <a:lstStyle/>
                     <a:p>
-                      <a:pPr indent="0" lvl="0" marL="0" rtl="0" algn="ctr">
+                      <a:pPr indent="0" lvl="0" marL="0" marR="0" rtl="0" algn="ctr">
                         <a:lnSpc>
                           <a:spcPct val="120000"/>
                         </a:lnSpc>
@@ -9193,12 +10239,17 @@
                           <a:spcPts val="0"/>
                         </a:spcBef>
                         <a:spcAft>
-                          <a:spcPts val="800"/>
+                          <a:spcPts val="0"/>
                         </a:spcAft>
+                        <a:buClr>
+                          <a:srgbClr val="000000"/>
+                        </a:buClr>
+                        <a:buSzPts val="1250"/>
+                        <a:buFont typeface="Arial"/>
                         <a:buNone/>
                       </a:pPr>
                       <a:r>
-                        <a:rPr lang="en" sz="1250">
+                        <a:rPr lang="en" sz="1250" u="none" cap="none" strike="noStrike">
                           <a:solidFill>
                             <a:srgbClr val="273239"/>
                           </a:solidFill>
@@ -9212,7 +10263,7 @@
                         </a:rPr>
                         <a:t>Full context preserved, simple to use</a:t>
                       </a:r>
-                      <a:endParaRPr sz="1250">
+                      <a:endParaRPr sz="1250" u="none" cap="none" strike="noStrike">
                         <a:solidFill>
                           <a:srgbClr val="273239"/>
                         </a:solidFill>
@@ -9270,7 +10321,7 @@
                     <a:bodyPr/>
                     <a:lstStyle/>
                     <a:p>
-                      <a:pPr indent="0" lvl="0" marL="0" rtl="0" algn="ctr">
+                      <a:pPr indent="0" lvl="0" marL="0" marR="0" rtl="0" algn="ctr">
                         <a:lnSpc>
                           <a:spcPct val="120000"/>
                         </a:lnSpc>
@@ -9278,12 +10329,17 @@
                           <a:spcPts val="0"/>
                         </a:spcBef>
                         <a:spcAft>
-                          <a:spcPts val="800"/>
+                          <a:spcPts val="0"/>
                         </a:spcAft>
+                        <a:buClr>
+                          <a:srgbClr val="000000"/>
+                        </a:buClr>
+                        <a:buSzPts val="1250"/>
+                        <a:buFont typeface="Arial"/>
                         <a:buNone/>
                       </a:pPr>
                       <a:r>
-                        <a:rPr lang="en" sz="1250">
+                        <a:rPr lang="en" sz="1250" u="none" cap="none" strike="noStrike">
                           <a:solidFill>
                             <a:srgbClr val="273239"/>
                           </a:solidFill>
@@ -9297,7 +10353,7 @@
                         </a:rPr>
                         <a:t>Keeps context relevant, avoids token overload</a:t>
                       </a:r>
-                      <a:endParaRPr sz="1250">
+                      <a:endParaRPr sz="1250" u="none" cap="none" strike="noStrike">
                         <a:solidFill>
                           <a:srgbClr val="273239"/>
                         </a:solidFill>
@@ -9355,7 +10411,7 @@
                     <a:bodyPr/>
                     <a:lstStyle/>
                     <a:p>
-                      <a:pPr indent="0" lvl="0" marL="0" rtl="0" algn="ctr">
+                      <a:pPr indent="0" lvl="0" marL="0" marR="0" rtl="0" algn="ctr">
                         <a:lnSpc>
                           <a:spcPct val="120000"/>
                         </a:lnSpc>
@@ -9363,12 +10419,17 @@
                           <a:spcPts val="0"/>
                         </a:spcBef>
                         <a:spcAft>
-                          <a:spcPts val="800"/>
+                          <a:spcPts val="0"/>
                         </a:spcAft>
+                        <a:buClr>
+                          <a:srgbClr val="000000"/>
+                        </a:buClr>
+                        <a:buSzPts val="1250"/>
+                        <a:buFont typeface="Arial"/>
                         <a:buNone/>
                       </a:pPr>
                       <a:r>
-                        <a:rPr lang="en" sz="1250">
+                        <a:rPr lang="en" sz="1250" u="none" cap="none" strike="noStrike">
                           <a:solidFill>
                             <a:srgbClr val="273239"/>
                           </a:solidFill>
@@ -9382,7 +10443,7 @@
                         </a:rPr>
                         <a:t>Saves tokens, retains long term context</a:t>
                       </a:r>
-                      <a:endParaRPr sz="1250">
+                      <a:endParaRPr sz="1250" u="none" cap="none" strike="noStrike">
                         <a:solidFill>
                           <a:srgbClr val="273239"/>
                         </a:solidFill>
@@ -9440,7 +10501,7 @@
                     <a:bodyPr/>
                     <a:lstStyle/>
                     <a:p>
-                      <a:pPr indent="0" lvl="0" marL="0" rtl="0" algn="ctr">
+                      <a:pPr indent="0" lvl="0" marL="0" marR="0" rtl="0" algn="ctr">
                         <a:lnSpc>
                           <a:spcPct val="120000"/>
                         </a:lnSpc>
@@ -9448,12 +10509,17 @@
                           <a:spcPts val="0"/>
                         </a:spcBef>
                         <a:spcAft>
-                          <a:spcPts val="800"/>
+                          <a:spcPts val="0"/>
                         </a:spcAft>
+                        <a:buClr>
+                          <a:srgbClr val="000000"/>
+                        </a:buClr>
+                        <a:buSzPts val="1250"/>
+                        <a:buFont typeface="Arial"/>
                         <a:buNone/>
                       </a:pPr>
                       <a:r>
-                        <a:rPr lang="en" sz="1250">
+                        <a:rPr lang="en" sz="1250" u="none" cap="none" strike="noStrike">
                           <a:solidFill>
                             <a:srgbClr val="273239"/>
                           </a:solidFill>
@@ -9467,7 +10533,7 @@
                         </a:rPr>
                         <a:t>Semantic recall across long histories</a:t>
                       </a:r>
-                      <a:endParaRPr sz="1250">
+                      <a:endParaRPr sz="1250" u="none" cap="none" strike="noStrike">
                         <a:solidFill>
                           <a:srgbClr val="273239"/>
                         </a:solidFill>
@@ -9527,7 +10593,7 @@
                     <a:bodyPr/>
                     <a:lstStyle/>
                     <a:p>
-                      <a:pPr indent="0" lvl="0" marL="0" rtl="0" algn="ctr">
+                      <a:pPr indent="0" lvl="0" marL="0" marR="0" rtl="0" algn="ctr">
                         <a:lnSpc>
                           <a:spcPct val="120000"/>
                         </a:lnSpc>
@@ -9535,12 +10601,17 @@
                           <a:spcPts val="0"/>
                         </a:spcBef>
                         <a:spcAft>
-                          <a:spcPts val="800"/>
+                          <a:spcPts val="0"/>
                         </a:spcAft>
+                        <a:buClr>
+                          <a:srgbClr val="000000"/>
+                        </a:buClr>
+                        <a:buSzPts val="1350"/>
+                        <a:buFont typeface="Arial"/>
                         <a:buNone/>
                       </a:pPr>
                       <a:r>
-                        <a:rPr b="1" lang="en" sz="1350">
+                        <a:rPr b="1" lang="en" sz="1350" u="none" cap="none" strike="noStrike">
                           <a:solidFill>
                             <a:srgbClr val="273239"/>
                           </a:solidFill>
@@ -9554,7 +10625,7 @@
                         </a:rPr>
                         <a:t>Limitations</a:t>
                       </a:r>
-                      <a:endParaRPr b="1" sz="1350">
+                      <a:endParaRPr b="1" sz="1350" u="none" cap="none" strike="noStrike">
                         <a:solidFill>
                           <a:srgbClr val="273239"/>
                         </a:solidFill>
@@ -9615,7 +10686,7 @@
                     <a:bodyPr/>
                     <a:lstStyle/>
                     <a:p>
-                      <a:pPr indent="0" lvl="0" marL="0" rtl="0" algn="ctr">
+                      <a:pPr indent="0" lvl="0" marL="0" marR="0" rtl="0" algn="ctr">
                         <a:lnSpc>
                           <a:spcPct val="120000"/>
                         </a:lnSpc>
@@ -9623,12 +10694,17 @@
                           <a:spcPts val="0"/>
                         </a:spcBef>
                         <a:spcAft>
-                          <a:spcPts val="800"/>
+                          <a:spcPts val="0"/>
                         </a:spcAft>
+                        <a:buClr>
+                          <a:srgbClr val="000000"/>
+                        </a:buClr>
+                        <a:buSzPts val="1250"/>
+                        <a:buFont typeface="Arial"/>
                         <a:buNone/>
                       </a:pPr>
                       <a:r>
-                        <a:rPr lang="en" sz="1250">
+                        <a:rPr lang="en" sz="1250" u="none" cap="none" strike="noStrike">
                           <a:solidFill>
                             <a:srgbClr val="273239"/>
                           </a:solidFill>
@@ -9642,7 +10718,7 @@
                         </a:rPr>
                         <a:t>Can grow too large and exceed token limits</a:t>
                       </a:r>
-                      <a:endParaRPr sz="1250">
+                      <a:endParaRPr sz="1250" u="none" cap="none" strike="noStrike">
                         <a:solidFill>
                           <a:srgbClr val="273239"/>
                         </a:solidFill>
@@ -9700,7 +10776,7 @@
                     <a:bodyPr/>
                     <a:lstStyle/>
                     <a:p>
-                      <a:pPr indent="0" lvl="0" marL="0" rtl="0" algn="ctr">
+                      <a:pPr indent="0" lvl="0" marL="0" marR="0" rtl="0" algn="ctr">
                         <a:lnSpc>
                           <a:spcPct val="120000"/>
                         </a:lnSpc>
@@ -9708,12 +10784,17 @@
                           <a:spcPts val="0"/>
                         </a:spcBef>
                         <a:spcAft>
-                          <a:spcPts val="800"/>
+                          <a:spcPts val="0"/>
                         </a:spcAft>
+                        <a:buClr>
+                          <a:srgbClr val="000000"/>
+                        </a:buClr>
+                        <a:buSzPts val="1250"/>
+                        <a:buFont typeface="Arial"/>
                         <a:buNone/>
                       </a:pPr>
                       <a:r>
-                        <a:rPr lang="en" sz="1250">
+                        <a:rPr lang="en" sz="1250" u="none" cap="none" strike="noStrike">
                           <a:solidFill>
                             <a:srgbClr val="273239"/>
                           </a:solidFill>
@@ -9727,7 +10808,7 @@
                         </a:rPr>
                         <a:t>Loses older parts of the conversation</a:t>
                       </a:r>
-                      <a:endParaRPr sz="1250">
+                      <a:endParaRPr sz="1250" u="none" cap="none" strike="noStrike">
                         <a:solidFill>
                           <a:srgbClr val="273239"/>
                         </a:solidFill>
@@ -9785,7 +10866,7 @@
                     <a:bodyPr/>
                     <a:lstStyle/>
                     <a:p>
-                      <a:pPr indent="0" lvl="0" marL="0" rtl="0" algn="ctr">
+                      <a:pPr indent="0" lvl="0" marL="0" marR="0" rtl="0" algn="ctr">
                         <a:lnSpc>
                           <a:spcPct val="120000"/>
                         </a:lnSpc>
@@ -9793,12 +10874,17 @@
                           <a:spcPts val="0"/>
                         </a:spcBef>
                         <a:spcAft>
-                          <a:spcPts val="800"/>
+                          <a:spcPts val="0"/>
                         </a:spcAft>
+                        <a:buClr>
+                          <a:srgbClr val="000000"/>
+                        </a:buClr>
+                        <a:buSzPts val="1250"/>
+                        <a:buFont typeface="Arial"/>
                         <a:buNone/>
                       </a:pPr>
                       <a:r>
-                        <a:rPr lang="en" sz="1250">
+                        <a:rPr lang="en" sz="1250" u="none" cap="none" strike="noStrike">
                           <a:solidFill>
                             <a:srgbClr val="273239"/>
                           </a:solidFill>
@@ -9812,7 +10898,7 @@
                         </a:rPr>
                         <a:t>Summaries may miss important details</a:t>
                       </a:r>
-                      <a:endParaRPr sz="1250">
+                      <a:endParaRPr sz="1250" u="none" cap="none" strike="noStrike">
                         <a:solidFill>
                           <a:srgbClr val="273239"/>
                         </a:solidFill>
@@ -9870,7 +10956,7 @@
                     <a:bodyPr/>
                     <a:lstStyle/>
                     <a:p>
-                      <a:pPr indent="0" lvl="0" marL="0" rtl="0" algn="ctr">
+                      <a:pPr indent="0" lvl="0" marL="0" marR="0" rtl="0" algn="ctr">
                         <a:lnSpc>
                           <a:spcPct val="120000"/>
                         </a:lnSpc>
@@ -9878,12 +10964,17 @@
                           <a:spcPts val="0"/>
                         </a:spcBef>
                         <a:spcAft>
-                          <a:spcPts val="800"/>
+                          <a:spcPts val="0"/>
                         </a:spcAft>
+                        <a:buClr>
+                          <a:srgbClr val="000000"/>
+                        </a:buClr>
+                        <a:buSzPts val="1250"/>
+                        <a:buFont typeface="Arial"/>
                         <a:buNone/>
                       </a:pPr>
                       <a:r>
-                        <a:rPr lang="en" sz="1250">
+                        <a:rPr lang="en" sz="1250" u="none" cap="none" strike="noStrike">
                           <a:solidFill>
                             <a:srgbClr val="273239"/>
                           </a:solidFill>
@@ -9897,7 +10988,7 @@
                         </a:rPr>
                         <a:t>Needs external vector DB, higher setup</a:t>
                       </a:r>
-                      <a:endParaRPr sz="1250">
+                      <a:endParaRPr sz="1250" u="none" cap="none" strike="noStrike">
                         <a:solidFill>
                           <a:srgbClr val="273239"/>
                         </a:solidFill>
@@ -9982,7 +11073,7 @@
       </p:grpSpPr>
       <p:sp>
         <p:nvSpPr>
-          <p:cNvPr id="60" name="Google Shape;60;p14"/>
+          <p:cNvPr id="60" name="Google Shape;60;p2"/>
           <p:cNvSpPr txBox="1"/>
           <p:nvPr>
             <p:ph type="title"/>
@@ -9996,6 +11087,10 @@
           <a:prstGeom prst="rect">
             <a:avLst/>
           </a:prstGeom>
+          <a:noFill/>
+          <a:ln>
+            <a:noFill/>
+          </a:ln>
         </p:spPr>
         <p:txBody>
           <a:bodyPr anchorCtr="0" anchor="t" bIns="91425" lIns="91425" spcFirstLastPara="1" rIns="91425" wrap="square" tIns="91425">
@@ -10004,6 +11099,9 @@
           <a:lstStyle/>
           <a:p>
             <a:pPr indent="0" lvl="0" marL="0" rtl="0" algn="l">
+              <a:lnSpc>
+                <a:spcPct val="100000"/>
+              </a:lnSpc>
               <a:spcBef>
                 <a:spcPts val="0"/>
               </a:spcBef>
@@ -10019,7 +11117,7 @@
             </a:pPr>
             <a:r>
               <a:rPr lang="en"/>
-              <a:t>The Transformer architecture</a:t>
+              <a:t>Pending slides: The Transformer architecture</a:t>
             </a:r>
             <a:endParaRPr/>
           </a:p>
@@ -10027,17 +11125,16 @@
       </p:sp>
       <p:pic>
         <p:nvPicPr>
-          <p:cNvPr id="61" name="Google Shape;61;p14"/>
+          <p:cNvPr id="61" name="Google Shape;61;p2"/>
           <p:cNvPicPr preferRelativeResize="0"/>
           <p:nvPr/>
         </p:nvPicPr>
-        <p:blipFill>
+        <p:blipFill rotWithShape="1">
           <a:blip r:embed="rId3">
             <a:alphaModFix/>
           </a:blip>
-          <a:stretch>
-            <a:fillRect/>
-          </a:stretch>
+          <a:srcRect b="0" l="0" r="0" t="0"/>
+          <a:stretch/>
         </p:blipFill>
         <p:spPr>
           <a:xfrm>
@@ -10080,7 +11177,7 @@
       </p:grpSpPr>
       <p:sp>
         <p:nvSpPr>
-          <p:cNvPr id="66" name="Google Shape;66;p15"/>
+          <p:cNvPr id="66" name="Google Shape;66;g3bc573f6356_0_45"/>
           <p:cNvSpPr txBox="1"/>
           <p:nvPr>
             <p:ph type="title"/>
@@ -10094,6 +11191,10 @@
           <a:prstGeom prst="rect">
             <a:avLst/>
           </a:prstGeom>
+          <a:noFill/>
+          <a:ln>
+            <a:noFill/>
+          </a:ln>
         </p:spPr>
         <p:txBody>
           <a:bodyPr anchorCtr="0" anchor="t" bIns="91425" lIns="91425" spcFirstLastPara="1" rIns="91425" wrap="square" tIns="91425">
@@ -10102,17 +11203,25 @@
           <a:lstStyle/>
           <a:p>
             <a:pPr indent="0" lvl="0" marL="0" rtl="0" algn="l">
-              <a:spcBef>
-                <a:spcPts val="0"/>
-              </a:spcBef>
-              <a:spcAft>
-                <a:spcPts val="0"/>
-              </a:spcAft>
+              <a:lnSpc>
+                <a:spcPct val="100000"/>
+              </a:lnSpc>
+              <a:spcBef>
+                <a:spcPts val="0"/>
+              </a:spcBef>
+              <a:spcAft>
+                <a:spcPts val="0"/>
+              </a:spcAft>
+              <a:buClr>
+                <a:schemeClr val="dk1"/>
+              </a:buClr>
+              <a:buSzPct val="39285"/>
+              <a:buFont typeface="Arial"/>
               <a:buNone/>
             </a:pPr>
             <a:r>
               <a:rPr lang="en"/>
-              <a:t>The Transformer architecture</a:t>
+              <a:t>Pending slides: The Transformer architecture</a:t>
             </a:r>
             <a:endParaRPr/>
           </a:p>
@@ -10120,22 +11229,21 @@
       </p:sp>
       <p:pic>
         <p:nvPicPr>
-          <p:cNvPr id="67" name="Google Shape;67;p15"/>
+          <p:cNvPr id="67" name="Google Shape;67;g3bc573f6356_0_45"/>
           <p:cNvPicPr preferRelativeResize="0"/>
           <p:nvPr/>
         </p:nvPicPr>
-        <p:blipFill>
+        <p:blipFill rotWithShape="1">
           <a:blip r:embed="rId3">
             <a:alphaModFix/>
           </a:blip>
-          <a:stretch>
-            <a:fillRect/>
-          </a:stretch>
+          <a:srcRect b="0" l="0" r="0" t="0"/>
+          <a:stretch/>
         </p:blipFill>
         <p:spPr>
           <a:xfrm>
-            <a:off x="1524900" y="1142125"/>
-            <a:ext cx="6094212" cy="3820974"/>
+            <a:off x="1637613" y="1017725"/>
+            <a:ext cx="5868784" cy="3820973"/>
           </a:xfrm>
           <a:prstGeom prst="rect">
             <a:avLst/>
@@ -10173,83 +11281,79 @@
       </p:grpSpPr>
       <p:sp>
         <p:nvSpPr>
-          <p:cNvPr id="72" name="Google Shape;72;p16"/>
+          <p:cNvPr id="72" name="Google Shape;72;p3"/>
           <p:cNvSpPr txBox="1"/>
           <p:nvPr>
-            <p:ph type="ctrTitle"/>
+            <p:ph type="title"/>
           </p:nvPr>
         </p:nvSpPr>
         <p:spPr>
           <a:xfrm>
-            <a:off x="311708" y="744575"/>
-            <a:ext cx="8520600" cy="2052600"/>
+            <a:off x="311700" y="445025"/>
+            <a:ext cx="8520600" cy="572700"/>
           </a:xfrm>
           <a:prstGeom prst="rect">
             <a:avLst/>
           </a:prstGeom>
+          <a:noFill/>
+          <a:ln>
+            <a:noFill/>
+          </a:ln>
         </p:spPr>
         <p:txBody>
-          <a:bodyPr anchorCtr="0" anchor="b" bIns="91425" lIns="91425" spcFirstLastPara="1" rIns="91425" wrap="square" tIns="91425">
-            <a:normAutofit/>
+          <a:bodyPr anchorCtr="0" anchor="t" bIns="91425" lIns="91425" spcFirstLastPara="1" rIns="91425" wrap="square" tIns="91425">
+            <a:normAutofit fontScale="90000"/>
           </a:bodyPr>
           <a:lstStyle/>
           <a:p>
-            <a:pPr indent="0" lvl="0" marL="0" rtl="0" algn="ctr">
-              <a:spcBef>
-                <a:spcPts val="0"/>
-              </a:spcBef>
-              <a:spcAft>
-                <a:spcPts val="0"/>
-              </a:spcAft>
+            <a:pPr indent="0" lvl="0" marL="0" rtl="0" algn="l">
+              <a:lnSpc>
+                <a:spcPct val="100000"/>
+              </a:lnSpc>
+              <a:spcBef>
+                <a:spcPts val="0"/>
+              </a:spcBef>
+              <a:spcAft>
+                <a:spcPts val="0"/>
+              </a:spcAft>
+              <a:buSzPct val="111107"/>
               <a:buNone/>
             </a:pPr>
             <a:r>
               <a:rPr lang="en"/>
-              <a:t>LLM Inference: Ollama and LangChain Basics </a:t>
+              <a:t>Pending slides: The Transformer architecture</a:t>
             </a:r>
             <a:endParaRPr/>
           </a:p>
         </p:txBody>
       </p:sp>
-      <p:sp>
-        <p:nvSpPr>
-          <p:cNvPr id="73" name="Google Shape;73;p16"/>
-          <p:cNvSpPr txBox="1"/>
-          <p:nvPr>
-            <p:ph idx="1" type="subTitle"/>
-          </p:nvPr>
-        </p:nvSpPr>
+      <p:pic>
+        <p:nvPicPr>
+          <p:cNvPr id="73" name="Google Shape;73;p3"/>
+          <p:cNvPicPr preferRelativeResize="0"/>
+          <p:nvPr/>
+        </p:nvPicPr>
+        <p:blipFill rotWithShape="1">
+          <a:blip r:embed="rId3">
+            <a:alphaModFix/>
+          </a:blip>
+          <a:srcRect b="0" l="0" r="0" t="0"/>
+          <a:stretch/>
+        </p:blipFill>
         <p:spPr>
           <a:xfrm>
-            <a:off x="311700" y="2834125"/>
-            <a:ext cx="8520600" cy="792600"/>
+            <a:off x="1524900" y="1142125"/>
+            <a:ext cx="6094212" cy="3820974"/>
           </a:xfrm>
           <a:prstGeom prst="rect">
             <a:avLst/>
           </a:prstGeom>
+          <a:noFill/>
+          <a:ln>
+            <a:noFill/>
+          </a:ln>
         </p:spPr>
-        <p:txBody>
-          <a:bodyPr anchorCtr="0" anchor="t" bIns="91425" lIns="91425" spcFirstLastPara="1" rIns="91425" wrap="square" tIns="91425">
-            <a:normAutofit/>
-          </a:bodyPr>
-          <a:lstStyle/>
-          <a:p>
-            <a:pPr indent="0" lvl="0" marL="0" rtl="0" algn="ctr">
-              <a:spcBef>
-                <a:spcPts val="0"/>
-              </a:spcBef>
-              <a:spcAft>
-                <a:spcPts val="0"/>
-              </a:spcAft>
-              <a:buNone/>
-            </a:pPr>
-            <a:r>
-              <a:t/>
-            </a:r>
-            <a:endParaRPr/>
-          </a:p>
-        </p:txBody>
-      </p:sp>
+      </p:pic>
     </p:spTree>
   </p:cSld>
   <p:clrMapOvr>
@@ -10277,177 +11381,53 @@
       </p:grpSpPr>
       <p:sp>
         <p:nvSpPr>
-          <p:cNvPr id="78" name="Google Shape;78;p17"/>
+          <p:cNvPr id="78" name="Google Shape;78;p4"/>
           <p:cNvSpPr txBox="1"/>
           <p:nvPr>
-            <p:ph type="title"/>
+            <p:ph type="ctrTitle"/>
           </p:nvPr>
         </p:nvSpPr>
         <p:spPr>
           <a:xfrm>
-            <a:off x="311700" y="445025"/>
-            <a:ext cx="8520600" cy="572700"/>
+            <a:off x="311708" y="744575"/>
+            <a:ext cx="8520600" cy="2052600"/>
           </a:xfrm>
           <a:prstGeom prst="rect">
             <a:avLst/>
           </a:prstGeom>
+          <a:noFill/>
+          <a:ln>
+            <a:noFill/>
+          </a:ln>
         </p:spPr>
         <p:txBody>
-          <a:bodyPr anchorCtr="0" anchor="t" bIns="91425" lIns="91425" spcFirstLastPara="1" rIns="91425" wrap="square" tIns="91425">
-            <a:normAutofit fontScale="90000"/>
-          </a:bodyPr>
-          <a:lstStyle/>
-          <a:p>
-            <a:pPr indent="0" lvl="0" marL="0" rtl="0" algn="l">
-              <a:spcBef>
-                <a:spcPts val="0"/>
-              </a:spcBef>
-              <a:spcAft>
-                <a:spcPts val="0"/>
-              </a:spcAft>
-              <a:buNone/>
-            </a:pPr>
-            <a:r>
-              <a:rPr lang="en"/>
-              <a:t>Options for Local Inference</a:t>
-            </a:r>
-            <a:endParaRPr/>
-          </a:p>
-        </p:txBody>
-      </p:sp>
-      <p:sp>
-        <p:nvSpPr>
-          <p:cNvPr id="79" name="Google Shape;79;p17"/>
-          <p:cNvSpPr txBox="1"/>
-          <p:nvPr>
-            <p:ph idx="1" type="body"/>
-          </p:nvPr>
-        </p:nvSpPr>
-        <p:spPr>
-          <a:xfrm>
-            <a:off x="311700" y="1152475"/>
-            <a:ext cx="8520600" cy="3416400"/>
-          </a:xfrm>
-          <a:prstGeom prst="rect">
-            <a:avLst/>
-          </a:prstGeom>
-        </p:spPr>
-        <p:txBody>
-          <a:bodyPr anchorCtr="0" anchor="t" bIns="91425" lIns="91425" spcFirstLastPara="1" rIns="91425" wrap="square" tIns="91425">
+          <a:bodyPr anchorCtr="0" anchor="b" bIns="91425" lIns="91425" spcFirstLastPara="1" rIns="91425" wrap="square" tIns="91425">
             <a:normAutofit/>
           </a:bodyPr>
           <a:lstStyle/>
           <a:p>
             <a:pPr indent="0" lvl="0" marL="0" rtl="0" algn="l">
-              <a:spcBef>
-                <a:spcPts val="0"/>
-              </a:spcBef>
-              <a:spcAft>
-                <a:spcPts val="0"/>
-              </a:spcAft>
+              <a:lnSpc>
+                <a:spcPct val="115000"/>
+              </a:lnSpc>
+              <a:spcBef>
+                <a:spcPts val="0"/>
+              </a:spcBef>
+              <a:spcAft>
+                <a:spcPts val="1200"/>
+              </a:spcAft>
+              <a:buSzPts val="1800"/>
               <a:buNone/>
             </a:pPr>
             <a:r>
-              <a:rPr lang="en">
+              <a:rPr lang="en" sz="5300">
                 <a:solidFill>
-                  <a:schemeClr val="dk1"/>
+                  <a:schemeClr val="dk2"/>
                 </a:solidFill>
-                <a:highlight>
-                  <a:srgbClr val="FFFFFF"/>
-                </a:highlight>
               </a:rPr>
-              <a:t>Ollama: mainly for individual prototyping</a:t>
+              <a:t>LLM Inference with Ollama, OpenAI &amp; Langchain basics</a:t>
             </a:r>
-            <a:endParaRPr>
-              <a:solidFill>
-                <a:schemeClr val="dk1"/>
-              </a:solidFill>
-              <a:highlight>
-                <a:srgbClr val="FFFFFF"/>
-              </a:highlight>
-            </a:endParaRPr>
-          </a:p>
-          <a:p>
-            <a:pPr indent="0" lvl="0" marL="0" rtl="0" algn="l">
-              <a:spcBef>
-                <a:spcPts val="1200"/>
-              </a:spcBef>
-              <a:spcAft>
-                <a:spcPts val="0"/>
-              </a:spcAft>
-              <a:buNone/>
-            </a:pPr>
-            <a:r>
-              <a:rPr lang="en">
-                <a:solidFill>
-                  <a:schemeClr val="dk1"/>
-                </a:solidFill>
-                <a:highlight>
-                  <a:srgbClr val="FFFFFF"/>
-                </a:highlight>
-              </a:rPr>
-              <a:t>vLLM: Better concurrency and performance</a:t>
-            </a:r>
-            <a:endParaRPr>
-              <a:solidFill>
-                <a:schemeClr val="dk1"/>
-              </a:solidFill>
-              <a:highlight>
-                <a:srgbClr val="FFFFFF"/>
-              </a:highlight>
-            </a:endParaRPr>
-          </a:p>
-          <a:p>
-            <a:pPr indent="0" lvl="0" marL="0" rtl="0" algn="l">
-              <a:spcBef>
-                <a:spcPts val="1200"/>
-              </a:spcBef>
-              <a:spcAft>
-                <a:spcPts val="0"/>
-              </a:spcAft>
-              <a:buNone/>
-            </a:pPr>
-            <a:r>
-              <a:rPr lang="en">
-                <a:solidFill>
-                  <a:schemeClr val="dk1"/>
-                </a:solidFill>
-                <a:highlight>
-                  <a:srgbClr val="FFFFFF"/>
-                </a:highlight>
-              </a:rPr>
-              <a:t>LocalAI: Supports audio, vision models as well</a:t>
-            </a:r>
-            <a:endParaRPr>
-              <a:solidFill>
-                <a:schemeClr val="dk1"/>
-              </a:solidFill>
-              <a:highlight>
-                <a:srgbClr val="FFFFFF"/>
-              </a:highlight>
-            </a:endParaRPr>
-          </a:p>
-          <a:p>
-            <a:pPr indent="0" lvl="0" marL="0" rtl="0" algn="l">
-              <a:spcBef>
-                <a:spcPts val="1200"/>
-              </a:spcBef>
-              <a:spcAft>
-                <a:spcPts val="1200"/>
-              </a:spcAft>
-              <a:buNone/>
-            </a:pPr>
-            <a:r>
-              <a:t/>
-            </a:r>
-            <a:endParaRPr>
-              <a:solidFill>
-                <a:schemeClr val="dk1"/>
-              </a:solidFill>
-              <a:highlight>
-                <a:srgbClr val="FFFFFF"/>
-              </a:highlight>
-            </a:endParaRPr>
+            <a:endParaRPr/>
           </a:p>
         </p:txBody>
       </p:sp>
@@ -10464,7 +11444,7 @@
   <p:cSld>
     <p:spTree>
       <p:nvGrpSpPr>
-        <p:cNvPr id="83" name="Shape 83"/>
+        <p:cNvPr id="82" name="Shape 82"/>
         <p:cNvGrpSpPr/>
         <p:nvPr/>
       </p:nvGrpSpPr>
@@ -10478,7 +11458,7 @@
       </p:grpSpPr>
       <p:sp>
         <p:nvSpPr>
-          <p:cNvPr id="84" name="Google Shape;84;p18"/>
+          <p:cNvPr id="83" name="Google Shape;83;p5"/>
           <p:cNvSpPr txBox="1"/>
           <p:nvPr>
             <p:ph type="title"/>
@@ -10492,33 +11472,41 @@
           <a:prstGeom prst="rect">
             <a:avLst/>
           </a:prstGeom>
+          <a:noFill/>
+          <a:ln>
+            <a:noFill/>
+          </a:ln>
         </p:spPr>
         <p:txBody>
           <a:bodyPr anchorCtr="0" anchor="t" bIns="91425" lIns="91425" spcFirstLastPara="1" rIns="91425" wrap="square" tIns="91425">
-            <a:normAutofit fontScale="90000"/>
+            <a:noAutofit/>
           </a:bodyPr>
           <a:lstStyle/>
           <a:p>
             <a:pPr indent="0" lvl="0" marL="0" rtl="0" algn="l">
-              <a:spcBef>
-                <a:spcPts val="0"/>
-              </a:spcBef>
-              <a:spcAft>
-                <a:spcPts val="0"/>
-              </a:spcAft>
+              <a:lnSpc>
+                <a:spcPct val="100000"/>
+              </a:lnSpc>
+              <a:spcBef>
+                <a:spcPts val="0"/>
+              </a:spcBef>
+              <a:spcAft>
+                <a:spcPts val="0"/>
+              </a:spcAft>
+              <a:buSzPts val="3111"/>
               <a:buNone/>
             </a:pPr>
             <a:r>
-              <a:rPr lang="en"/>
-              <a:t>Various Model Formats</a:t>
+              <a:rPr lang="en" sz="2800"/>
+              <a:t>Options for Local Inference</a:t>
             </a:r>
-            <a:endParaRPr/>
+            <a:endParaRPr sz="2800"/>
           </a:p>
         </p:txBody>
       </p:sp>
       <p:sp>
         <p:nvSpPr>
-          <p:cNvPr id="85" name="Google Shape;85;p18"/>
+          <p:cNvPr id="84" name="Google Shape;84;p5"/>
           <p:cNvSpPr txBox="1"/>
           <p:nvPr>
             <p:ph idx="1" type="body"/>
@@ -10532,6 +11520,10 @@
           <a:prstGeom prst="rect">
             <a:avLst/>
           </a:prstGeom>
+          <a:noFill/>
+          <a:ln>
+            <a:noFill/>
+          </a:ln>
         </p:spPr>
         <p:txBody>
           <a:bodyPr anchorCtr="0" anchor="t" bIns="91425" lIns="91425" spcFirstLastPara="1" rIns="91425" wrap="square" tIns="91425">
@@ -10540,12 +11532,16 @@
           <a:lstStyle/>
           <a:p>
             <a:pPr indent="0" lvl="0" marL="0" rtl="0" algn="l">
-              <a:spcBef>
-                <a:spcPts val="0"/>
-              </a:spcBef>
-              <a:spcAft>
-                <a:spcPts val="0"/>
-              </a:spcAft>
+              <a:lnSpc>
+                <a:spcPct val="115000"/>
+              </a:lnSpc>
+              <a:spcBef>
+                <a:spcPts val="0"/>
+              </a:spcBef>
+              <a:spcAft>
+                <a:spcPts val="0"/>
+              </a:spcAft>
+              <a:buSzPts val="1800"/>
               <a:buNone/>
             </a:pPr>
             <a:r>
@@ -10553,52 +11549,27 @@
                 <a:solidFill>
                   <a:schemeClr val="dk1"/>
                 </a:solidFill>
-                <a:highlight>
-                  <a:srgbClr val="FFFFFF"/>
-                </a:highlight>
               </a:rPr>
-              <a:t>GGUF: Initially developed for the </a:t>
-            </a:r>
-            <a:r>
-              <a:rPr lang="en" u="sng">
-                <a:solidFill>
-                  <a:schemeClr val="hlink"/>
-                </a:solidFill>
-                <a:highlight>
-                  <a:srgbClr val="FFFFFF"/>
-                </a:highlight>
-                <a:hlinkClick r:id="rId3"/>
-              </a:rPr>
-              <a:t>llama.cpp</a:t>
-            </a:r>
-            <a:r>
-              <a:rPr lang="en">
-                <a:solidFill>
-                  <a:schemeClr val="dk1"/>
-                </a:solidFill>
-                <a:highlight>
-                  <a:srgbClr val="FFFFFF"/>
-                </a:highlight>
-              </a:rPr>
-              <a:t> project.  GGUF is primarily used for language models. Offers flexible quantization</a:t>
+              <a:t>Ollama: mainly for individual prototyping</a:t>
             </a:r>
             <a:endParaRPr>
               <a:solidFill>
                 <a:schemeClr val="dk1"/>
               </a:solidFill>
-              <a:highlight>
-                <a:srgbClr val="FFFFFF"/>
-              </a:highlight>
             </a:endParaRPr>
           </a:p>
           <a:p>
             <a:pPr indent="0" lvl="0" marL="0" rtl="0" algn="l">
+              <a:lnSpc>
+                <a:spcPct val="115000"/>
+              </a:lnSpc>
               <a:spcBef>
                 <a:spcPts val="1200"/>
               </a:spcBef>
               <a:spcAft>
                 <a:spcPts val="0"/>
               </a:spcAft>
+              <a:buSzPts val="1800"/>
               <a:buNone/>
             </a:pPr>
             <a:r>
@@ -10606,29 +11577,27 @@
                 <a:solidFill>
                   <a:schemeClr val="dk1"/>
                 </a:solidFill>
-                <a:highlight>
-                  <a:srgbClr val="FFFFFF"/>
-                </a:highlight>
               </a:rPr>
-              <a:t>Pytorch : .pt/.pth</a:t>
+              <a:t>vLLM: Better concurrency and performance</a:t>
             </a:r>
             <a:endParaRPr>
               <a:solidFill>
                 <a:schemeClr val="dk1"/>
               </a:solidFill>
-              <a:highlight>
-                <a:srgbClr val="FFFFFF"/>
-              </a:highlight>
             </a:endParaRPr>
           </a:p>
           <a:p>
             <a:pPr indent="0" lvl="0" marL="0" rtl="0" algn="l">
+              <a:lnSpc>
+                <a:spcPct val="115000"/>
+              </a:lnSpc>
               <a:spcBef>
                 <a:spcPts val="1200"/>
               </a:spcBef>
               <a:spcAft>
                 <a:spcPts val="0"/>
               </a:spcAft>
+              <a:buSzPts val="1800"/>
               <a:buNone/>
             </a:pPr>
             <a:r>
@@ -10636,52 +11605,31 @@
                 <a:solidFill>
                   <a:schemeClr val="dk1"/>
                 </a:solidFill>
-                <a:highlight>
-                  <a:srgbClr val="FFFFFF"/>
-                </a:highlight>
               </a:rPr>
-              <a:t>Safetensors: HuggingFace format that overcomes security limitations with python serialization.JSON parser required to read metadata</a:t>
+              <a:t>LocalAI: Supports audio, vision models as well</a:t>
             </a:r>
             <a:endParaRPr>
               <a:solidFill>
                 <a:schemeClr val="dk1"/>
               </a:solidFill>
-              <a:highlight>
-                <a:srgbClr val="FFFFFF"/>
-              </a:highlight>
             </a:endParaRPr>
           </a:p>
           <a:p>
             <a:pPr indent="0" lvl="0" marL="0" rtl="0" algn="l">
+              <a:lnSpc>
+                <a:spcPct val="115000"/>
+              </a:lnSpc>
               <a:spcBef>
                 <a:spcPts val="1200"/>
               </a:spcBef>
               <a:spcAft>
                 <a:spcPts val="1200"/>
               </a:spcAft>
+              <a:buSzPts val="1800"/>
               <a:buNone/>
             </a:pPr>
             <a:r>
-              <a:rPr lang="en">
-                <a:solidFill>
-                  <a:schemeClr val="dk1"/>
-                </a:solidFill>
-                <a:highlight>
-                  <a:srgbClr val="FFFFFF"/>
-                </a:highlight>
-              </a:rPr>
-              <a:t>ONNX: </a:t>
-            </a:r>
-            <a:r>
-              <a:rPr lang="en">
-                <a:solidFill>
-                  <a:schemeClr val="dk1"/>
-                </a:solidFill>
-                <a:highlight>
-                  <a:srgbClr val="FFFFFF"/>
-                </a:highlight>
-              </a:rPr>
-              <a:t>Open Neural Network Exchange (ONNX) , vendor neutral </a:t>
+              <a:t/>
             </a:r>
             <a:endParaRPr>
               <a:solidFill>
@@ -10707,7 +11655,7 @@
   <p:cSld>
     <p:spTree>
       <p:nvGrpSpPr>
-        <p:cNvPr id="89" name="Shape 89"/>
+        <p:cNvPr id="88" name="Shape 88"/>
         <p:cNvGrpSpPr/>
         <p:nvPr/>
       </p:nvGrpSpPr>
@@ -10721,7 +11669,7 @@
       </p:grpSpPr>
       <p:sp>
         <p:nvSpPr>
-          <p:cNvPr id="90" name="Google Shape;90;p19"/>
+          <p:cNvPr id="89" name="Google Shape;89;p6"/>
           <p:cNvSpPr txBox="1"/>
           <p:nvPr>
             <p:ph type="title"/>
@@ -10735,33 +11683,41 @@
           <a:prstGeom prst="rect">
             <a:avLst/>
           </a:prstGeom>
+          <a:noFill/>
+          <a:ln>
+            <a:noFill/>
+          </a:ln>
         </p:spPr>
         <p:txBody>
           <a:bodyPr anchorCtr="0" anchor="t" bIns="91425" lIns="91425" spcFirstLastPara="1" rIns="91425" wrap="square" tIns="91425">
-            <a:normAutofit fontScale="90000"/>
+            <a:noAutofit/>
           </a:bodyPr>
           <a:lstStyle/>
           <a:p>
             <a:pPr indent="0" lvl="0" marL="0" rtl="0" algn="l">
-              <a:spcBef>
-                <a:spcPts val="0"/>
-              </a:spcBef>
-              <a:spcAft>
-                <a:spcPts val="0"/>
-              </a:spcAft>
+              <a:lnSpc>
+                <a:spcPct val="100000"/>
+              </a:lnSpc>
+              <a:spcBef>
+                <a:spcPts val="0"/>
+              </a:spcBef>
+              <a:spcAft>
+                <a:spcPts val="0"/>
+              </a:spcAft>
+              <a:buSzPts val="3111"/>
               <a:buNone/>
             </a:pPr>
             <a:r>
-              <a:rPr lang="en"/>
-              <a:t>Tokens</a:t>
+              <a:rPr lang="en" sz="2800"/>
+              <a:t>Various Model Formats</a:t>
             </a:r>
-            <a:endParaRPr/>
+            <a:endParaRPr sz="2800"/>
           </a:p>
         </p:txBody>
       </p:sp>
       <p:sp>
         <p:nvSpPr>
-          <p:cNvPr id="91" name="Google Shape;91;p19"/>
+          <p:cNvPr id="90" name="Google Shape;90;p6"/>
           <p:cNvSpPr txBox="1"/>
           <p:nvPr>
             <p:ph idx="1" type="body"/>
@@ -10775,6 +11731,10 @@
           <a:prstGeom prst="rect">
             <a:avLst/>
           </a:prstGeom>
+          <a:noFill/>
+          <a:ln>
+            <a:noFill/>
+          </a:ln>
         </p:spPr>
         <p:txBody>
           <a:bodyPr anchorCtr="0" anchor="t" bIns="91425" lIns="91425" spcFirstLastPara="1" rIns="91425" wrap="square" tIns="91425">
@@ -10784,7 +11744,7 @@
           <a:p>
             <a:pPr indent="0" lvl="0" marL="0" rtl="0" algn="l">
               <a:lnSpc>
-                <a:spcPct val="150000"/>
+                <a:spcPct val="115000"/>
               </a:lnSpc>
               <a:spcBef>
                 <a:spcPts val="0"/>
@@ -10792,359 +11752,123 @@
               <a:spcAft>
                 <a:spcPts val="0"/>
               </a:spcAft>
-              <a:buClr>
-                <a:schemeClr val="dk1"/>
-              </a:buClr>
-              <a:buSzPts val="1100"/>
-              <a:buFont typeface="Arial"/>
+              <a:buSzPts val="1800"/>
               <a:buNone/>
             </a:pPr>
             <a:r>
-              <a:rPr lang="en" sz="1200">
+              <a:rPr lang="en">
                 <a:solidFill>
-                  <a:srgbClr val="0D0D0D"/>
+                  <a:schemeClr val="dk1"/>
                 </a:solidFill>
-                <a:highlight>
-                  <a:srgbClr val="FFFFFF"/>
-                </a:highlight>
-                <a:latin typeface="Roboto"/>
-                <a:ea typeface="Roboto"/>
-                <a:cs typeface="Roboto"/>
-                <a:sym typeface="Roboto"/>
               </a:rPr>
-              <a:t>Tokens are the building blocks of text that models process. They can be as short as a single character or as long as a full word, depending on the language and context. Spaces, punctuation, and partial words all contribute to token counts. This is how the API internally segments your text before generating a response.</a:t>
+              <a:t>GGUF: Initially developed for the </a:t>
             </a:r>
-            <a:endParaRPr sz="1200">
+            <a:r>
+              <a:rPr lang="en" u="sng">
+                <a:solidFill>
+                  <a:schemeClr val="hlink"/>
+                </a:solidFill>
+                <a:hlinkClick r:id="rId3"/>
+              </a:rPr>
+              <a:t>llama.cpp</a:t>
+            </a:r>
+            <a:r>
+              <a:rPr lang="en">
+                <a:solidFill>
+                  <a:schemeClr val="dk1"/>
+                </a:solidFill>
+              </a:rPr>
+              <a:t> project.  GGUF is primarily used for language models. Offers flexible quantization</a:t>
+            </a:r>
+            <a:endParaRPr>
               <a:solidFill>
-                <a:srgbClr val="0D0D0D"/>
+                <a:schemeClr val="dk1"/>
               </a:solidFill>
-              <a:highlight>
-                <a:srgbClr val="FFFFFF"/>
-              </a:highlight>
-              <a:latin typeface="Roboto"/>
-              <a:ea typeface="Roboto"/>
-              <a:cs typeface="Roboto"/>
-              <a:sym typeface="Roboto"/>
             </a:endParaRPr>
           </a:p>
           <a:p>
             <a:pPr indent="0" lvl="0" marL="0" rtl="0" algn="l">
               <a:lnSpc>
-                <a:spcPct val="150000"/>
+                <a:spcPct val="115000"/>
               </a:lnSpc>
               <a:spcBef>
-                <a:spcPts val="0"/>
-              </a:spcBef>
-              <a:spcAft>
-                <a:spcPts val="0"/>
-              </a:spcAft>
-              <a:buClr>
-                <a:schemeClr val="dk1"/>
-              </a:buClr>
-              <a:buSzPts val="1100"/>
-              <a:buFont typeface="Arial"/>
+                <a:spcPts val="1200"/>
+              </a:spcBef>
+              <a:spcAft>
+                <a:spcPts val="0"/>
+              </a:spcAft>
+              <a:buSzPts val="1800"/>
               <a:buNone/>
             </a:pPr>
             <a:r>
-              <a:rPr lang="en" sz="1200">
+              <a:rPr lang="en">
                 <a:solidFill>
-                  <a:srgbClr val="0D0D0D"/>
+                  <a:schemeClr val="dk1"/>
                 </a:solidFill>
-                <a:highlight>
-                  <a:srgbClr val="FFFFFF"/>
-                </a:highlight>
-                <a:latin typeface="Roboto"/>
-                <a:ea typeface="Roboto"/>
-                <a:cs typeface="Roboto"/>
-                <a:sym typeface="Roboto"/>
               </a:rPr>
-              <a:t>Helpful rules of thumb for English:</a:t>
+              <a:t>Pytorch : .pt/.pth</a:t>
             </a:r>
-            <a:endParaRPr sz="1200">
+            <a:endParaRPr>
               <a:solidFill>
-                <a:srgbClr val="0D0D0D"/>
+                <a:schemeClr val="dk1"/>
               </a:solidFill>
-              <a:highlight>
-                <a:srgbClr val="FFFFFF"/>
-              </a:highlight>
-              <a:latin typeface="Roboto"/>
-              <a:ea typeface="Roboto"/>
-              <a:cs typeface="Roboto"/>
-              <a:sym typeface="Roboto"/>
-            </a:endParaRPr>
-          </a:p>
-          <a:p>
-            <a:pPr indent="-304800" lvl="0" marL="457200" rtl="0" algn="l">
-              <a:spcBef>
-                <a:spcPts val="1500"/>
-              </a:spcBef>
-              <a:spcAft>
-                <a:spcPts val="0"/>
-              </a:spcAft>
-              <a:buClr>
-                <a:srgbClr val="0D0D0D"/>
-              </a:buClr>
-              <a:buSzPts val="1200"/>
-              <a:buFont typeface="Roboto"/>
-              <a:buChar char="●"/>
-            </a:pPr>
-            <a:r>
-              <a:rPr lang="en" sz="1200">
-                <a:solidFill>
-                  <a:srgbClr val="0D0D0D"/>
-                </a:solidFill>
-                <a:highlight>
-                  <a:srgbClr val="FFFFFF"/>
-                </a:highlight>
-                <a:latin typeface="Roboto"/>
-                <a:ea typeface="Roboto"/>
-                <a:cs typeface="Roboto"/>
-                <a:sym typeface="Roboto"/>
-              </a:rPr>
-              <a:t>1 token ≈ 4 characters</a:t>
-            </a:r>
-            <a:endParaRPr sz="1200">
-              <a:solidFill>
-                <a:srgbClr val="0D0D0D"/>
-              </a:solidFill>
-              <a:highlight>
-                <a:srgbClr val="FFFFFF"/>
-              </a:highlight>
-              <a:latin typeface="Roboto"/>
-              <a:ea typeface="Roboto"/>
-              <a:cs typeface="Roboto"/>
-              <a:sym typeface="Roboto"/>
-            </a:endParaRPr>
-          </a:p>
-          <a:p>
-            <a:pPr indent="-304800" lvl="0" marL="457200" rtl="0" algn="l">
-              <a:spcBef>
-                <a:spcPts val="0"/>
-              </a:spcBef>
-              <a:spcAft>
-                <a:spcPts val="0"/>
-              </a:spcAft>
-              <a:buClr>
-                <a:srgbClr val="0D0D0D"/>
-              </a:buClr>
-              <a:buSzPts val="1200"/>
-              <a:buFont typeface="Roboto"/>
-              <a:buChar char="●"/>
-            </a:pPr>
-            <a:r>
-              <a:rPr lang="en" sz="1200">
-                <a:solidFill>
-                  <a:srgbClr val="0D0D0D"/>
-                </a:solidFill>
-                <a:highlight>
-                  <a:srgbClr val="FFFFFF"/>
-                </a:highlight>
-                <a:latin typeface="Roboto"/>
-                <a:ea typeface="Roboto"/>
-                <a:cs typeface="Roboto"/>
-                <a:sym typeface="Roboto"/>
-              </a:rPr>
-              <a:t>1 token ≈ ¾ of a word</a:t>
-            </a:r>
-            <a:endParaRPr sz="1200">
-              <a:solidFill>
-                <a:srgbClr val="0D0D0D"/>
-              </a:solidFill>
-              <a:highlight>
-                <a:srgbClr val="FFFFFF"/>
-              </a:highlight>
-              <a:latin typeface="Roboto"/>
-              <a:ea typeface="Roboto"/>
-              <a:cs typeface="Roboto"/>
-              <a:sym typeface="Roboto"/>
-            </a:endParaRPr>
-          </a:p>
-          <a:p>
-            <a:pPr indent="-304800" lvl="0" marL="457200" rtl="0" algn="l">
-              <a:spcBef>
-                <a:spcPts val="0"/>
-              </a:spcBef>
-              <a:spcAft>
-                <a:spcPts val="0"/>
-              </a:spcAft>
-              <a:buClr>
-                <a:srgbClr val="0D0D0D"/>
-              </a:buClr>
-              <a:buSzPts val="1200"/>
-              <a:buFont typeface="Roboto"/>
-              <a:buChar char="●"/>
-            </a:pPr>
-            <a:r>
-              <a:rPr lang="en" sz="1200">
-                <a:solidFill>
-                  <a:srgbClr val="0D0D0D"/>
-                </a:solidFill>
-                <a:highlight>
-                  <a:srgbClr val="FFFFFF"/>
-                </a:highlight>
-                <a:latin typeface="Roboto"/>
-                <a:ea typeface="Roboto"/>
-                <a:cs typeface="Roboto"/>
-                <a:sym typeface="Roboto"/>
-              </a:rPr>
-              <a:t>100 tokens ≈ 75 words</a:t>
-            </a:r>
-            <a:endParaRPr sz="1200">
-              <a:solidFill>
-                <a:srgbClr val="0D0D0D"/>
-              </a:solidFill>
-              <a:highlight>
-                <a:srgbClr val="FFFFFF"/>
-              </a:highlight>
-              <a:latin typeface="Roboto"/>
-              <a:ea typeface="Roboto"/>
-              <a:cs typeface="Roboto"/>
-              <a:sym typeface="Roboto"/>
-            </a:endParaRPr>
-          </a:p>
-          <a:p>
-            <a:pPr indent="-304800" lvl="0" marL="457200" rtl="0" algn="l">
-              <a:spcBef>
-                <a:spcPts val="0"/>
-              </a:spcBef>
-              <a:spcAft>
-                <a:spcPts val="0"/>
-              </a:spcAft>
-              <a:buClr>
-                <a:srgbClr val="0D0D0D"/>
-              </a:buClr>
-              <a:buSzPts val="1200"/>
-              <a:buFont typeface="Roboto"/>
-              <a:buChar char="●"/>
-            </a:pPr>
-            <a:r>
-              <a:rPr lang="en" sz="1200">
-                <a:solidFill>
-                  <a:srgbClr val="0D0D0D"/>
-                </a:solidFill>
-                <a:highlight>
-                  <a:srgbClr val="FFFFFF"/>
-                </a:highlight>
-                <a:latin typeface="Roboto"/>
-                <a:ea typeface="Roboto"/>
-                <a:cs typeface="Roboto"/>
-                <a:sym typeface="Roboto"/>
-              </a:rPr>
-              <a:t>1–2 sentences ≈ 30 tokens</a:t>
-            </a:r>
-            <a:endParaRPr sz="1200">
-              <a:solidFill>
-                <a:srgbClr val="0D0D0D"/>
-              </a:solidFill>
-              <a:highlight>
-                <a:srgbClr val="FFFFFF"/>
-              </a:highlight>
-              <a:latin typeface="Roboto"/>
-              <a:ea typeface="Roboto"/>
-              <a:cs typeface="Roboto"/>
-              <a:sym typeface="Roboto"/>
-            </a:endParaRPr>
-          </a:p>
-          <a:p>
-            <a:pPr indent="-304800" lvl="0" marL="457200" rtl="0" algn="l">
-              <a:spcBef>
-                <a:spcPts val="0"/>
-              </a:spcBef>
-              <a:spcAft>
-                <a:spcPts val="0"/>
-              </a:spcAft>
-              <a:buClr>
-                <a:srgbClr val="0D0D0D"/>
-              </a:buClr>
-              <a:buSzPts val="1200"/>
-              <a:buFont typeface="Roboto"/>
-              <a:buChar char="●"/>
-            </a:pPr>
-            <a:r>
-              <a:rPr lang="en" sz="1200">
-                <a:solidFill>
-                  <a:srgbClr val="0D0D0D"/>
-                </a:solidFill>
-                <a:highlight>
-                  <a:srgbClr val="FFFFFF"/>
-                </a:highlight>
-                <a:latin typeface="Roboto"/>
-                <a:ea typeface="Roboto"/>
-                <a:cs typeface="Roboto"/>
-                <a:sym typeface="Roboto"/>
-              </a:rPr>
-              <a:t>1 paragraph ≈ 100 tokens</a:t>
-            </a:r>
-            <a:endParaRPr sz="1200">
-              <a:solidFill>
-                <a:srgbClr val="0D0D0D"/>
-              </a:solidFill>
-              <a:highlight>
-                <a:srgbClr val="FFFFFF"/>
-              </a:highlight>
-              <a:latin typeface="Roboto"/>
-              <a:ea typeface="Roboto"/>
-              <a:cs typeface="Roboto"/>
-              <a:sym typeface="Roboto"/>
-            </a:endParaRPr>
-          </a:p>
-          <a:p>
-            <a:pPr indent="-304800" lvl="0" marL="457200" rtl="0" algn="l">
-              <a:spcBef>
-                <a:spcPts val="0"/>
-              </a:spcBef>
-              <a:spcAft>
-                <a:spcPts val="0"/>
-              </a:spcAft>
-              <a:buClr>
-                <a:srgbClr val="0D0D0D"/>
-              </a:buClr>
-              <a:buSzPts val="1200"/>
-              <a:buFont typeface="Roboto"/>
-              <a:buChar char="●"/>
-            </a:pPr>
-            <a:r>
-              <a:rPr lang="en" sz="1200">
-                <a:solidFill>
-                  <a:srgbClr val="0D0D0D"/>
-                </a:solidFill>
-                <a:highlight>
-                  <a:srgbClr val="FFFFFF"/>
-                </a:highlight>
-                <a:latin typeface="Roboto"/>
-                <a:ea typeface="Roboto"/>
-                <a:cs typeface="Roboto"/>
-                <a:sym typeface="Roboto"/>
-              </a:rPr>
-              <a:t>~1,500 words ≈ 2,048 tokens</a:t>
-            </a:r>
-            <a:endParaRPr sz="1200">
-              <a:solidFill>
-                <a:srgbClr val="0D0D0D"/>
-              </a:solidFill>
-              <a:highlight>
-                <a:srgbClr val="FFFFFF"/>
-              </a:highlight>
-              <a:latin typeface="Roboto"/>
-              <a:ea typeface="Roboto"/>
-              <a:cs typeface="Roboto"/>
-              <a:sym typeface="Roboto"/>
             </a:endParaRPr>
           </a:p>
           <a:p>
             <a:pPr indent="0" lvl="0" marL="0" rtl="0" algn="l">
-              <a:spcBef>
-                <a:spcPts val="1500"/>
-              </a:spcBef>
-              <a:spcAft>
+              <a:lnSpc>
+                <a:spcPct val="115000"/>
+              </a:lnSpc>
+              <a:spcBef>
                 <a:spcPts val="1200"/>
-              </a:spcAft>
+              </a:spcBef>
+              <a:spcAft>
+                <a:spcPts val="0"/>
+              </a:spcAft>
+              <a:buSzPts val="1800"/>
               <a:buNone/>
             </a:pPr>
             <a:r>
-              <a:t/>
+              <a:rPr lang="en">
+                <a:solidFill>
+                  <a:schemeClr val="dk1"/>
+                </a:solidFill>
+              </a:rPr>
+              <a:t>Safetensors: HuggingFace format that overcomes security limitations with python serialization.JSON parser required to read metadata</a:t>
             </a:r>
-            <a:endParaRPr/>
+            <a:endParaRPr>
+              <a:solidFill>
+                <a:schemeClr val="dk1"/>
+              </a:solidFill>
+            </a:endParaRPr>
+          </a:p>
+          <a:p>
+            <a:pPr indent="0" lvl="0" marL="0" rtl="0" algn="l">
+              <a:lnSpc>
+                <a:spcPct val="115000"/>
+              </a:lnSpc>
+              <a:spcBef>
+                <a:spcPts val="1200"/>
+              </a:spcBef>
+              <a:spcAft>
+                <a:spcPts val="1200"/>
+              </a:spcAft>
+              <a:buSzPts val="1800"/>
+              <a:buNone/>
+            </a:pPr>
+            <a:r>
+              <a:rPr lang="en">
+                <a:solidFill>
+                  <a:schemeClr val="dk1"/>
+                </a:solidFill>
+              </a:rPr>
+              <a:t>ONNX: Open Neural Network Exchange (ONNX) , vendor neutral </a:t>
+            </a:r>
+            <a:endParaRPr>
+              <a:solidFill>
+                <a:schemeClr val="dk1"/>
+              </a:solidFill>
+            </a:endParaRPr>
           </a:p>
         </p:txBody>
       </p:sp>
@@ -11161,7 +11885,7 @@
   <p:cSld>
     <p:spTree>
       <p:nvGrpSpPr>
-        <p:cNvPr id="95" name="Shape 95"/>
+        <p:cNvPr id="94" name="Shape 94"/>
         <p:cNvGrpSpPr/>
         <p:nvPr/>
       </p:nvGrpSpPr>
@@ -11175,7 +11899,7 @@
       </p:grpSpPr>
       <p:sp>
         <p:nvSpPr>
-          <p:cNvPr id="96" name="Google Shape;96;p20"/>
+          <p:cNvPr id="95" name="Google Shape;95;p7"/>
           <p:cNvSpPr txBox="1"/>
           <p:nvPr>
             <p:ph type="title"/>
@@ -11189,33 +11913,41 @@
           <a:prstGeom prst="rect">
             <a:avLst/>
           </a:prstGeom>
+          <a:noFill/>
+          <a:ln>
+            <a:noFill/>
+          </a:ln>
         </p:spPr>
         <p:txBody>
           <a:bodyPr anchorCtr="0" anchor="t" bIns="91425" lIns="91425" spcFirstLastPara="1" rIns="91425" wrap="square" tIns="91425">
-            <a:normAutofit fontScale="90000"/>
+            <a:noAutofit/>
           </a:bodyPr>
           <a:lstStyle/>
           <a:p>
             <a:pPr indent="0" lvl="0" marL="0" rtl="0" algn="l">
-              <a:spcBef>
-                <a:spcPts val="0"/>
-              </a:spcBef>
-              <a:spcAft>
-                <a:spcPts val="0"/>
-              </a:spcAft>
+              <a:lnSpc>
+                <a:spcPct val="100000"/>
+              </a:lnSpc>
+              <a:spcBef>
+                <a:spcPts val="0"/>
+              </a:spcBef>
+              <a:spcAft>
+                <a:spcPts val="0"/>
+              </a:spcAft>
+              <a:buSzPts val="3111"/>
               <a:buNone/>
             </a:pPr>
             <a:r>
-              <a:rPr lang="en"/>
-              <a:t>The need for LLM orchestration Frameworks</a:t>
+              <a:rPr lang="en" sz="2800"/>
+              <a:t>Tokens</a:t>
             </a:r>
-            <a:endParaRPr/>
+            <a:endParaRPr sz="2800"/>
           </a:p>
         </p:txBody>
       </p:sp>
       <p:sp>
         <p:nvSpPr>
-          <p:cNvPr id="97" name="Google Shape;97;p20"/>
+          <p:cNvPr id="96" name="Google Shape;96;p7"/>
           <p:cNvSpPr txBox="1"/>
           <p:nvPr>
             <p:ph idx="1" type="body"/>
@@ -11229,63 +11961,21 @@
           <a:prstGeom prst="rect">
             <a:avLst/>
           </a:prstGeom>
+          <a:noFill/>
+          <a:ln>
+            <a:noFill/>
+          </a:ln>
         </p:spPr>
         <p:txBody>
           <a:bodyPr anchorCtr="0" anchor="t" bIns="91425" lIns="91425" spcFirstLastPara="1" rIns="91425" wrap="square" tIns="91425">
-            <a:normAutofit lnSpcReduction="10000"/>
+            <a:normAutofit/>
           </a:bodyPr>
           <a:lstStyle/>
           <a:p>
-            <a:pPr indent="-342900" lvl="0" marL="457200" rtl="0" algn="l">
-              <a:spcBef>
-                <a:spcPts val="0"/>
-              </a:spcBef>
-              <a:spcAft>
-                <a:spcPts val="0"/>
-              </a:spcAft>
-              <a:buClr>
-                <a:schemeClr val="dk1"/>
-              </a:buClr>
-              <a:buSzPts val="1800"/>
-              <a:buChar char="●"/>
-            </a:pPr>
-            <a:r>
-              <a:rPr lang="en">
-                <a:solidFill>
-                  <a:srgbClr val="242424"/>
-                </a:solidFill>
-                <a:highlight>
-                  <a:srgbClr val="FFFFFF"/>
-                </a:highlight>
-              </a:rPr>
-              <a:t>An LLM </a:t>
-            </a:r>
-            <a:r>
-              <a:rPr lang="en">
-                <a:solidFill>
-                  <a:srgbClr val="242424"/>
-                </a:solidFill>
-                <a:highlight>
-                  <a:srgbClr val="FFFFFF"/>
-                </a:highlight>
-              </a:rPr>
-              <a:t>doesn't</a:t>
-            </a:r>
-            <a:r>
-              <a:rPr lang="en">
-                <a:solidFill>
-                  <a:srgbClr val="242424"/>
-                </a:solidFill>
-                <a:highlight>
-                  <a:srgbClr val="FFFFFF"/>
-                </a:highlight>
-              </a:rPr>
-              <a:t> remember/have access to previous responses it has provided. A common fix for this is to include the conversation so far as part of the prompt sent to the LLM.</a:t>
-            </a:r>
-            <a:endParaRPr/>
-          </a:p>
-          <a:p>
-            <a:pPr indent="-298450" lvl="0" marL="457200" rtl="0" algn="l">
+            <a:pPr indent="0" lvl="0" marL="0" rtl="0" algn="l">
+              <a:lnSpc>
+                <a:spcPct val="150000"/>
+              </a:lnSpc>
               <a:spcBef>
                 <a:spcPts val="0"/>
               </a:spcBef>
@@ -11296,20 +11986,28 @@
                 <a:schemeClr val="dk1"/>
               </a:buClr>
               <a:buSzPts val="1100"/>
-              <a:buChar char="●"/>
+              <a:buFont typeface="Arial"/>
+              <a:buNone/>
             </a:pPr>
             <a:r>
-              <a:rPr lang="en"/>
-              <a:t>Prompts</a:t>
+              <a:rPr lang="en" sz="1200">
+                <a:solidFill>
+                  <a:srgbClr val="0D0D0D"/>
+                </a:solidFill>
+              </a:rPr>
+              <a:t>Tokens are the building blocks of text that models process. They can be as short as a single character or as long as a full word, depending on the language and context. Spaces, punctuation, and partial words all contribute to token counts. This is how the API internally segments your text before generating a response.</a:t>
             </a:r>
-            <a:r>
-              <a:rPr lang="en"/>
-              <a:t> chains can be nested or combined.This lets you build modular systems rather than monolithic scripts (example: a summarization chain feeding into a question‑answering chain)</a:t>
-            </a:r>
-            <a:endParaRPr/>
+            <a:endParaRPr sz="1200">
+              <a:solidFill>
+                <a:srgbClr val="0D0D0D"/>
+              </a:solidFill>
+            </a:endParaRPr>
           </a:p>
           <a:p>
-            <a:pPr indent="-298450" lvl="0" marL="457200" rtl="0" algn="l">
+            <a:pPr indent="0" lvl="0" marL="0" rtl="0" algn="l">
+              <a:lnSpc>
+                <a:spcPct val="150000"/>
+              </a:lnSpc>
               <a:spcBef>
                 <a:spcPts val="0"/>
               </a:spcBef>
@@ -11320,16 +12018,59 @@
                 <a:schemeClr val="dk1"/>
               </a:buClr>
               <a:buSzPts val="1100"/>
+              <a:buFont typeface="Arial"/>
+              <a:buNone/>
+            </a:pPr>
+            <a:r>
+              <a:rPr lang="en" sz="1200">
+                <a:solidFill>
+                  <a:srgbClr val="0D0D0D"/>
+                </a:solidFill>
+              </a:rPr>
+              <a:t>Helpful rules of thumb for English:</a:t>
+            </a:r>
+            <a:endParaRPr sz="1200">
+              <a:solidFill>
+                <a:srgbClr val="0D0D0D"/>
+              </a:solidFill>
+            </a:endParaRPr>
+          </a:p>
+          <a:p>
+            <a:pPr indent="-304800" lvl="0" marL="457200" rtl="0" algn="l">
+              <a:lnSpc>
+                <a:spcPct val="115000"/>
+              </a:lnSpc>
+              <a:spcBef>
+                <a:spcPts val="1500"/>
+              </a:spcBef>
+              <a:spcAft>
+                <a:spcPts val="0"/>
+              </a:spcAft>
+              <a:buClr>
+                <a:srgbClr val="0D0D0D"/>
+              </a:buClr>
+              <a:buSzPts val="1200"/>
               <a:buChar char="●"/>
             </a:pPr>
             <a:r>
-              <a:rPr lang="en"/>
-              <a:t>You don’t have to manually stitch together prompts with past messages.</a:t>
+              <a:rPr lang="en" sz="1200">
+                <a:solidFill>
+                  <a:srgbClr val="0D0D0D"/>
+                </a:solidFill>
+              </a:rPr>
+              <a:t>1 token ≈ 4 characters</a:t>
             </a:r>
-            <a:endParaRPr/>
+            <a:endParaRPr sz="1200">
+              <a:solidFill>
+                <a:srgbClr val="0D0D0D"/>
+              </a:solidFill>
+            </a:endParaRPr>
           </a:p>
           <a:p>
-            <a:pPr indent="-298450" lvl="0" marL="457200" rtl="0" algn="l">
+            <a:pPr indent="-304800" lvl="0" marL="457200" rtl="0" algn="l">
+              <a:lnSpc>
+                <a:spcPct val="115000"/>
+              </a:lnSpc>
               <a:spcBef>
                 <a:spcPts val="0"/>
               </a:spcBef>
@@ -11337,25 +12078,161 @@
                 <a:spcPts val="0"/>
               </a:spcAft>
               <a:buClr>
-                <a:schemeClr val="dk1"/>
+                <a:srgbClr val="0D0D0D"/>
               </a:buClr>
-              <a:buSzPts val="1100"/>
+              <a:buSzPts val="1200"/>
               <a:buChar char="●"/>
             </a:pPr>
             <a:r>
-              <a:rPr lang="en"/>
-              <a:t>Consistency across providers. You can swap out the underlying LLM without rewriting the workflow.</a:t>
+              <a:rPr lang="en" sz="1200">
+                <a:solidFill>
+                  <a:srgbClr val="0D0D0D"/>
+                </a:solidFill>
+              </a:rPr>
+              <a:t>1 token ≈ ¾ of a word</a:t>
             </a:r>
-            <a:endParaRPr/>
+            <a:endParaRPr sz="1200">
+              <a:solidFill>
+                <a:srgbClr val="0D0D0D"/>
+              </a:solidFill>
+            </a:endParaRPr>
+          </a:p>
+          <a:p>
+            <a:pPr indent="-304800" lvl="0" marL="457200" rtl="0" algn="l">
+              <a:lnSpc>
+                <a:spcPct val="115000"/>
+              </a:lnSpc>
+              <a:spcBef>
+                <a:spcPts val="0"/>
+              </a:spcBef>
+              <a:spcAft>
+                <a:spcPts val="0"/>
+              </a:spcAft>
+              <a:buClr>
+                <a:srgbClr val="0D0D0D"/>
+              </a:buClr>
+              <a:buSzPts val="1200"/>
+              <a:buChar char="●"/>
+            </a:pPr>
+            <a:r>
+              <a:rPr lang="en" sz="1200">
+                <a:solidFill>
+                  <a:srgbClr val="0D0D0D"/>
+                </a:solidFill>
+              </a:rPr>
+              <a:t>100 tokens ≈ 75 words</a:t>
+            </a:r>
+            <a:endParaRPr sz="1200">
+              <a:solidFill>
+                <a:srgbClr val="0D0D0D"/>
+              </a:solidFill>
+            </a:endParaRPr>
+          </a:p>
+          <a:p>
+            <a:pPr indent="-304800" lvl="0" marL="457200" rtl="0" algn="l">
+              <a:lnSpc>
+                <a:spcPct val="115000"/>
+              </a:lnSpc>
+              <a:spcBef>
+                <a:spcPts val="0"/>
+              </a:spcBef>
+              <a:spcAft>
+                <a:spcPts val="0"/>
+              </a:spcAft>
+              <a:buClr>
+                <a:srgbClr val="0D0D0D"/>
+              </a:buClr>
+              <a:buSzPts val="1200"/>
+              <a:buChar char="●"/>
+            </a:pPr>
+            <a:r>
+              <a:rPr lang="en" sz="1200">
+                <a:solidFill>
+                  <a:srgbClr val="0D0D0D"/>
+                </a:solidFill>
+              </a:rPr>
+              <a:t>1–2 sentences ≈ 30 tokens</a:t>
+            </a:r>
+            <a:endParaRPr sz="1200">
+              <a:solidFill>
+                <a:srgbClr val="0D0D0D"/>
+              </a:solidFill>
+            </a:endParaRPr>
+          </a:p>
+          <a:p>
+            <a:pPr indent="-304800" lvl="0" marL="457200" rtl="0" algn="l">
+              <a:lnSpc>
+                <a:spcPct val="115000"/>
+              </a:lnSpc>
+              <a:spcBef>
+                <a:spcPts val="0"/>
+              </a:spcBef>
+              <a:spcAft>
+                <a:spcPts val="0"/>
+              </a:spcAft>
+              <a:buClr>
+                <a:srgbClr val="0D0D0D"/>
+              </a:buClr>
+              <a:buSzPts val="1200"/>
+              <a:buChar char="●"/>
+            </a:pPr>
+            <a:r>
+              <a:rPr lang="en" sz="1200">
+                <a:solidFill>
+                  <a:srgbClr val="0D0D0D"/>
+                </a:solidFill>
+              </a:rPr>
+              <a:t>1 paragraph ≈ 100 tokens</a:t>
+            </a:r>
+            <a:endParaRPr sz="1200">
+              <a:solidFill>
+                <a:srgbClr val="0D0D0D"/>
+              </a:solidFill>
+            </a:endParaRPr>
+          </a:p>
+          <a:p>
+            <a:pPr indent="-304800" lvl="0" marL="457200" rtl="0" algn="l">
+              <a:lnSpc>
+                <a:spcPct val="115000"/>
+              </a:lnSpc>
+              <a:spcBef>
+                <a:spcPts val="0"/>
+              </a:spcBef>
+              <a:spcAft>
+                <a:spcPts val="0"/>
+              </a:spcAft>
+              <a:buClr>
+                <a:srgbClr val="0D0D0D"/>
+              </a:buClr>
+              <a:buSzPts val="1200"/>
+              <a:buChar char="●"/>
+            </a:pPr>
+            <a:r>
+              <a:rPr lang="en" sz="1200">
+                <a:solidFill>
+                  <a:srgbClr val="0D0D0D"/>
+                </a:solidFill>
+              </a:rPr>
+              <a:t>~1,500 words ≈ 2,048 tokens</a:t>
+            </a:r>
+            <a:endParaRPr sz="1200">
+              <a:solidFill>
+                <a:srgbClr val="0D0D0D"/>
+              </a:solidFill>
+            </a:endParaRPr>
           </a:p>
           <a:p>
             <a:pPr indent="0" lvl="0" marL="0" rtl="0" algn="l">
-              <a:spcBef>
+              <a:lnSpc>
+                <a:spcPct val="115000"/>
+              </a:lnSpc>
+              <a:spcBef>
+                <a:spcPts val="1500"/>
+              </a:spcBef>
+              <a:spcAft>
                 <a:spcPts val="1200"/>
-              </a:spcBef>
-              <a:spcAft>
-                <a:spcPts val="1200"/>
-              </a:spcAft>
+              </a:spcAft>
+              <a:buSzPts val="1800"/>
               <a:buNone/>
             </a:pPr>
             <a:r>
@@ -11378,7 +12255,7 @@
   <p:cSld>
     <p:spTree>
       <p:nvGrpSpPr>
-        <p:cNvPr id="101" name="Shape 101"/>
+        <p:cNvPr id="100" name="Shape 100"/>
         <p:cNvGrpSpPr/>
         <p:nvPr/>
       </p:nvGrpSpPr>
@@ -11392,7 +12269,7 @@
       </p:grpSpPr>
       <p:sp>
         <p:nvSpPr>
-          <p:cNvPr id="102" name="Google Shape;102;p21"/>
+          <p:cNvPr id="101" name="Google Shape;101;p8"/>
           <p:cNvSpPr txBox="1"/>
           <p:nvPr>
             <p:ph type="title"/>
@@ -11406,68 +12283,50 @@
           <a:prstGeom prst="rect">
             <a:avLst/>
           </a:prstGeom>
-        </p:spPr>
-        <p:txBody>
-          <a:bodyPr anchorCtr="0" anchor="t" bIns="91425" lIns="91425" spcFirstLastPara="1" rIns="91425" wrap="square" tIns="91425">
-            <a:normAutofit fontScale="90000"/>
-          </a:bodyPr>
-          <a:lstStyle/>
-          <a:p>
-            <a:pPr indent="0" lvl="0" marL="0" rtl="0" algn="l">
-              <a:spcBef>
-                <a:spcPts val="0"/>
-              </a:spcBef>
-              <a:spcAft>
-                <a:spcPts val="0"/>
-              </a:spcAft>
-              <a:buNone/>
-            </a:pPr>
-            <a:r>
-              <a:rPr lang="en"/>
-              <a:t>Simple Chain</a:t>
-            </a:r>
-            <a:endParaRPr/>
-          </a:p>
-        </p:txBody>
-      </p:sp>
-      <p:pic>
-        <p:nvPicPr>
-          <p:cNvPr id="103" name="Google Shape;103;p21"/>
-          <p:cNvPicPr preferRelativeResize="0"/>
-          <p:nvPr/>
-        </p:nvPicPr>
-        <p:blipFill>
-          <a:blip r:embed="rId3">
-            <a:alphaModFix/>
-          </a:blip>
-          <a:stretch>
-            <a:fillRect/>
-          </a:stretch>
-        </p:blipFill>
-        <p:spPr>
-          <a:xfrm>
-            <a:off x="1122900" y="1618025"/>
-            <a:ext cx="6898200" cy="3449100"/>
-          </a:xfrm>
-          <a:prstGeom prst="rect">
-            <a:avLst/>
-          </a:prstGeom>
           <a:noFill/>
           <a:ln>
             <a:noFill/>
           </a:ln>
         </p:spPr>
-      </p:pic>
+        <p:txBody>
+          <a:bodyPr anchorCtr="0" anchor="t" bIns="91425" lIns="91425" spcFirstLastPara="1" rIns="91425" wrap="square" tIns="91425">
+            <a:noAutofit/>
+          </a:bodyPr>
+          <a:lstStyle/>
+          <a:p>
+            <a:pPr indent="0" lvl="0" marL="0" rtl="0" algn="l">
+              <a:lnSpc>
+                <a:spcPct val="100000"/>
+              </a:lnSpc>
+              <a:spcBef>
+                <a:spcPts val="0"/>
+              </a:spcBef>
+              <a:spcAft>
+                <a:spcPts val="0"/>
+              </a:spcAft>
+              <a:buSzPts val="3111"/>
+              <a:buNone/>
+            </a:pPr>
+            <a:r>
+              <a:rPr lang="en" sz="2800"/>
+              <a:t>The need for LLM orchestration Frameworks</a:t>
+            </a:r>
+            <a:endParaRPr sz="2800"/>
+          </a:p>
+        </p:txBody>
+      </p:sp>
       <p:sp>
         <p:nvSpPr>
-          <p:cNvPr id="104" name="Google Shape;104;p21"/>
+          <p:cNvPr id="102" name="Google Shape;102;p8"/>
           <p:cNvSpPr txBox="1"/>
-          <p:nvPr/>
+          <p:nvPr>
+            <p:ph idx="1" type="body"/>
+          </p:nvPr>
         </p:nvSpPr>
         <p:spPr>
           <a:xfrm>
-            <a:off x="280800" y="1017725"/>
-            <a:ext cx="8244000" cy="600300"/>
+            <a:off x="311700" y="1152475"/>
+            <a:ext cx="8520600" cy="3416400"/>
           </a:xfrm>
           <a:prstGeom prst="rect">
             <a:avLst/>
@@ -11479,48 +12338,124 @@
         </p:spPr>
         <p:txBody>
           <a:bodyPr anchorCtr="0" anchor="t" bIns="91425" lIns="91425" spcFirstLastPara="1" rIns="91425" wrap="square" tIns="91425">
-            <a:spAutoFit/>
+            <a:normAutofit lnSpcReduction="10000"/>
           </a:bodyPr>
           <a:lstStyle/>
           <a:p>
-            <a:pPr indent="0" lvl="0" marL="0" rtl="0" algn="l">
-              <a:spcBef>
-                <a:spcPts val="0"/>
-              </a:spcBef>
-              <a:spcAft>
-                <a:spcPts val="0"/>
-              </a:spcAft>
-              <a:buNone/>
+            <a:pPr indent="-342900" lvl="0" marL="457200" rtl="0" algn="l">
+              <a:lnSpc>
+                <a:spcPct val="115000"/>
+              </a:lnSpc>
+              <a:spcBef>
+                <a:spcPts val="0"/>
+              </a:spcBef>
+              <a:spcAft>
+                <a:spcPts val="0"/>
+              </a:spcAft>
+              <a:buClr>
+                <a:schemeClr val="dk1"/>
+              </a:buClr>
+              <a:buSzPts val="1800"/>
+              <a:buChar char="●"/>
             </a:pPr>
             <a:r>
-              <a:rPr lang="en" sz="1350">
+              <a:rPr lang="en">
                 <a:solidFill>
-                  <a:srgbClr val="273239"/>
+                  <a:srgbClr val="242424"/>
                 </a:solidFill>
                 <a:highlight>
                   <a:srgbClr val="FFFFFF"/>
                 </a:highlight>
-                <a:latin typeface="Nunito"/>
-                <a:ea typeface="Nunito"/>
-                <a:cs typeface="Nunito"/>
-                <a:sym typeface="Nunito"/>
               </a:rPr>
-              <a:t>E</a:t>
+              <a:t>An LLM doesn't remember/have access to previous responses it has provided. A common fix for this is to include the conversation so far as part of the prompt sent to the LLM.</a:t>
             </a:r>
+            <a:endParaRPr/>
+          </a:p>
+          <a:p>
+            <a:pPr indent="-298450" lvl="0" marL="457200" rtl="0" algn="l">
+              <a:lnSpc>
+                <a:spcPct val="115000"/>
+              </a:lnSpc>
+              <a:spcBef>
+                <a:spcPts val="0"/>
+              </a:spcBef>
+              <a:spcAft>
+                <a:spcPts val="0"/>
+              </a:spcAft>
+              <a:buClr>
+                <a:schemeClr val="dk1"/>
+              </a:buClr>
+              <a:buSzPts val="1100"/>
+              <a:buChar char="●"/>
+            </a:pPr>
             <a:r>
-              <a:rPr lang="en" sz="1350">
-                <a:solidFill>
-                  <a:srgbClr val="273239"/>
-                </a:solidFill>
-                <a:highlight>
-                  <a:srgbClr val="FFFFFF"/>
-                </a:highlight>
-                <a:latin typeface="Nunito"/>
-                <a:ea typeface="Nunito"/>
-                <a:cs typeface="Nunito"/>
-                <a:sym typeface="Nunito"/>
-              </a:rPr>
-              <a:t>ach chain in the sequence accepts one input and returns one output. The output of each chain is automatically fed as input to the next chain in the sequence</a:t>
+              <a:rPr lang="en"/>
+              <a:t>Prompts chains can be nested or combined.This lets you build modular systems rather than monolithic scripts (example: a summarization chain feeding into a question‑answering chain)</a:t>
+            </a:r>
+            <a:endParaRPr/>
+          </a:p>
+          <a:p>
+            <a:pPr indent="-298450" lvl="0" marL="457200" rtl="0" algn="l">
+              <a:lnSpc>
+                <a:spcPct val="115000"/>
+              </a:lnSpc>
+              <a:spcBef>
+                <a:spcPts val="0"/>
+              </a:spcBef>
+              <a:spcAft>
+                <a:spcPts val="0"/>
+              </a:spcAft>
+              <a:buClr>
+                <a:schemeClr val="dk1"/>
+              </a:buClr>
+              <a:buSzPts val="1100"/>
+              <a:buChar char="●"/>
+            </a:pPr>
+            <a:r>
+              <a:rPr lang="en"/>
+              <a:t>You don’t have to manually stitch together prompts with past messages.</a:t>
+            </a:r>
+            <a:endParaRPr/>
+          </a:p>
+          <a:p>
+            <a:pPr indent="-298450" lvl="0" marL="457200" rtl="0" algn="l">
+              <a:lnSpc>
+                <a:spcPct val="115000"/>
+              </a:lnSpc>
+              <a:spcBef>
+                <a:spcPts val="0"/>
+              </a:spcBef>
+              <a:spcAft>
+                <a:spcPts val="0"/>
+              </a:spcAft>
+              <a:buClr>
+                <a:schemeClr val="dk1"/>
+              </a:buClr>
+              <a:buSzPts val="1100"/>
+              <a:buChar char="●"/>
+            </a:pPr>
+            <a:r>
+              <a:rPr lang="en"/>
+              <a:t>Consistency across providers. You can swap out the underlying LLM without rewriting the workflow.</a:t>
+            </a:r>
+            <a:endParaRPr/>
+          </a:p>
+          <a:p>
+            <a:pPr indent="0" lvl="0" marL="0" rtl="0" algn="l">
+              <a:lnSpc>
+                <a:spcPct val="115000"/>
+              </a:lnSpc>
+              <a:spcBef>
+                <a:spcPts val="1200"/>
+              </a:spcBef>
+              <a:spcAft>
+                <a:spcPts val="1200"/>
+              </a:spcAft>
+              <a:buSzPts val="1800"/>
+              <a:buNone/>
+            </a:pPr>
+            <a:r>
+              <a:t/>
             </a:r>
             <a:endParaRPr/>
           </a:p>
@@ -11535,6 +12470,285 @@
 </file>
 
 <file path=ppt/theme/theme1.xml><?xml version="1.0" encoding="utf-8"?>
+<a:theme xmlns:a="http://schemas.openxmlformats.org/drawingml/2006/main" xmlns:r="http://schemas.openxmlformats.org/officeDocument/2006/relationships">
+  <a:themeElements>
+    <a:clrScheme name="Default">
+      <a:dk1>
+        <a:srgbClr val="000000"/>
+      </a:dk1>
+      <a:lt1>
+        <a:srgbClr val="FFFFFF"/>
+      </a:lt1>
+      <a:dk2>
+        <a:srgbClr val="158158"/>
+      </a:dk2>
+      <a:lt2>
+        <a:srgbClr val="F3F3F3"/>
+      </a:lt2>
+      <a:accent1>
+        <a:srgbClr val="058DC7"/>
+      </a:accent1>
+      <a:accent2>
+        <a:srgbClr val="50B432"/>
+      </a:accent2>
+      <a:accent3>
+        <a:srgbClr val="ED561B"/>
+      </a:accent3>
+      <a:accent4>
+        <a:srgbClr val="EDEF00"/>
+      </a:accent4>
+      <a:accent5>
+        <a:srgbClr val="24CBE5"/>
+      </a:accent5>
+      <a:accent6>
+        <a:srgbClr val="64E572"/>
+      </a:accent6>
+      <a:hlink>
+        <a:srgbClr val="2200CC"/>
+      </a:hlink>
+      <a:folHlink>
+        <a:srgbClr val="551A8B"/>
+      </a:folHlink>
+    </a:clrScheme>
+    <a:fontScheme name="Office">
+      <a:majorFont>
+        <a:latin typeface="Arial"/>
+        <a:ea typeface=""/>
+        <a:cs typeface=""/>
+        <a:font script="Jpan" typeface="ＭＳ Ｐゴシック"/>
+        <a:font script="Hang" typeface="맑은 고딕"/>
+        <a:font script="Hans" typeface="宋体"/>
+        <a:font script="Hant" typeface="新細明體"/>
+        <a:font script="Arab" typeface="Times New Roman"/>
+        <a:font script="Hebr" typeface="Times New Roman"/>
+        <a:font script="Thai" typeface="Angsana New"/>
+        <a:font script="Ethi" typeface="Nyala"/>
+        <a:font script="Beng" typeface="Vrinda"/>
+        <a:font script="Gujr" typeface="Shruti"/>
+        <a:font script="Khmr" typeface="MoolBoran"/>
+        <a:font script="Knda" typeface="Tunga"/>
+        <a:font script="Guru" typeface="Raavi"/>
+        <a:font script="Cans" typeface="Euphemia"/>
+        <a:font script="Cher" typeface="Plantagenet Cherokee"/>
+        <a:font script="Yiii" typeface="Microsoft Yi Baiti"/>
+        <a:font script="Tibt" typeface="Microsoft Himalaya"/>
+        <a:font script="Thaa" typeface="MV Boli"/>
+        <a:font script="Deva" typeface="Mangal"/>
+        <a:font script="Telu" typeface="Gautami"/>
+        <a:font script="Taml" typeface="Latha"/>
+        <a:font script="Syrc" typeface="Estrangelo Edessa"/>
+        <a:font script="Orya" typeface="Kalinga"/>
+        <a:font script="Mlym" typeface="Kartika"/>
+        <a:font script="Laoo" typeface="DokChampa"/>
+        <a:font script="Sinh" typeface="Iskoola Pota"/>
+        <a:font script="Mong" typeface="Mongolian Baiti"/>
+        <a:font script="Viet" typeface="Times New Roman"/>
+        <a:font script="Uigh" typeface="Microsoft Uighur"/>
+        <a:font script="Geor" typeface="Sylfaen"/>
+      </a:majorFont>
+      <a:minorFont>
+        <a:latin typeface="Arial"/>
+        <a:ea typeface=""/>
+        <a:cs typeface=""/>
+        <a:font script="Jpan" typeface="ＭＳ Ｐゴシック"/>
+        <a:font script="Hang" typeface="맑은 고딕"/>
+        <a:font script="Hans" typeface="宋体"/>
+        <a:font script="Hant" typeface="新細明體"/>
+        <a:font script="Arab" typeface="Arial"/>
+        <a:font script="Hebr" typeface="Arial"/>
+        <a:font script="Thai" typeface="Cordia New"/>
+        <a:font script="Ethi" typeface="Nyala"/>
+        <a:font script="Beng" typeface="Vrinda"/>
+        <a:font script="Gujr" typeface="Shruti"/>
+        <a:font script="Khmr" typeface="DaunPenh"/>
+        <a:font script="Knda" typeface="Tunga"/>
+        <a:font script="Guru" typeface="Raavi"/>
+        <a:font script="Cans" typeface="Euphemia"/>
+        <a:font script="Cher" typeface="Plantagenet Cherokee"/>
+        <a:font script="Yiii" typeface="Microsoft Yi Baiti"/>
+        <a:font script="Tibt" typeface="Microsoft Himalaya"/>
+        <a:font script="Thaa" typeface="MV Boli"/>
+        <a:font script="Deva" typeface="Mangal"/>
+        <a:font script="Telu" typeface="Gautami"/>
+        <a:font script="Taml" typeface="Latha"/>
+        <a:font script="Syrc" typeface="Estrangelo Edessa"/>
+        <a:font script="Orya" typeface="Kalinga"/>
+        <a:font script="Mlym" typeface="Kartika"/>
+        <a:font script="Laoo" typeface="DokChampa"/>
+        <a:font script="Sinh" typeface="Iskoola Pota"/>
+        <a:font script="Mong" typeface="Mongolian Baiti"/>
+        <a:font script="Viet" typeface="Arial"/>
+        <a:font script="Uigh" typeface="Microsoft Uighur"/>
+        <a:font script="Geor" typeface="Sylfaen"/>
+      </a:minorFont>
+    </a:fontScheme>
+    <a:fmtScheme name="Office">
+      <a:fillStyleLst>
+        <a:solidFill>
+          <a:schemeClr val="phClr"/>
+        </a:solidFill>
+        <a:gradFill rotWithShape="1">
+          <a:gsLst>
+            <a:gs pos="0">
+              <a:schemeClr val="phClr">
+                <a:tint val="50000"/>
+                <a:satMod val="300000"/>
+              </a:schemeClr>
+            </a:gs>
+            <a:gs pos="35000">
+              <a:schemeClr val="phClr">
+                <a:tint val="37000"/>
+                <a:satMod val="300000"/>
+              </a:schemeClr>
+            </a:gs>
+            <a:gs pos="100000">
+              <a:schemeClr val="phClr">
+                <a:tint val="15000"/>
+                <a:satMod val="350000"/>
+              </a:schemeClr>
+            </a:gs>
+          </a:gsLst>
+          <a:lin ang="16200000" scaled="1"/>
+        </a:gradFill>
+        <a:gradFill rotWithShape="1">
+          <a:gsLst>
+            <a:gs pos="0">
+              <a:schemeClr val="phClr">
+                <a:tint val="100000"/>
+                <a:shade val="100000"/>
+                <a:satMod val="130000"/>
+              </a:schemeClr>
+            </a:gs>
+            <a:gs pos="100000">
+              <a:schemeClr val="phClr">
+                <a:tint val="50000"/>
+                <a:shade val="100000"/>
+                <a:satMod val="350000"/>
+              </a:schemeClr>
+            </a:gs>
+          </a:gsLst>
+          <a:lin ang="16200000" scaled="0"/>
+        </a:gradFill>
+      </a:fillStyleLst>
+      <a:lnStyleLst>
+        <a:ln w="9525" cap="flat" cmpd="sng" algn="ctr">
+          <a:solidFill>
+            <a:schemeClr val="phClr">
+              <a:shade val="95000"/>
+              <a:satMod val="105000"/>
+            </a:schemeClr>
+          </a:solidFill>
+          <a:prstDash val="solid"/>
+        </a:ln>
+        <a:ln w="25400" cap="flat" cmpd="sng" algn="ctr">
+          <a:solidFill>
+            <a:schemeClr val="phClr"/>
+          </a:solidFill>
+          <a:prstDash val="solid"/>
+        </a:ln>
+        <a:ln w="38100" cap="flat" cmpd="sng" algn="ctr">
+          <a:solidFill>
+            <a:schemeClr val="phClr"/>
+          </a:solidFill>
+          <a:prstDash val="solid"/>
+        </a:ln>
+      </a:lnStyleLst>
+      <a:effectStyleLst>
+        <a:effectStyle>
+          <a:effectLst>
+            <a:outerShdw blurRad="40000" dist="20000" dir="5400000" rotWithShape="0">
+              <a:srgbClr val="000000">
+                <a:alpha val="38000"/>
+              </a:srgbClr>
+            </a:outerShdw>
+          </a:effectLst>
+        </a:effectStyle>
+        <a:effectStyle>
+          <a:effectLst>
+            <a:outerShdw blurRad="40000" dist="23000" dir="5400000" rotWithShape="0">
+              <a:srgbClr val="000000">
+                <a:alpha val="35000"/>
+              </a:srgbClr>
+            </a:outerShdw>
+          </a:effectLst>
+        </a:effectStyle>
+        <a:effectStyle>
+          <a:effectLst>
+            <a:outerShdw blurRad="40000" dist="23000" dir="5400000" rotWithShape="0">
+              <a:srgbClr val="000000">
+                <a:alpha val="35000"/>
+              </a:srgbClr>
+            </a:outerShdw>
+          </a:effectLst>
+          <a:scene3d>
+            <a:camera prst="orthographicFront">
+              <a:rot lat="0" lon="0" rev="0"/>
+            </a:camera>
+            <a:lightRig rig="threePt" dir="t">
+              <a:rot lat="0" lon="0" rev="1200000"/>
+            </a:lightRig>
+          </a:scene3d>
+          <a:sp3d>
+            <a:bevelT w="63500" h="25400"/>
+          </a:sp3d>
+        </a:effectStyle>
+      </a:effectStyleLst>
+      <a:bgFillStyleLst>
+        <a:solidFill>
+          <a:schemeClr val="phClr"/>
+        </a:solidFill>
+        <a:gradFill rotWithShape="1">
+          <a:gsLst>
+            <a:gs pos="0">
+              <a:schemeClr val="phClr">
+                <a:tint val="40000"/>
+                <a:satMod val="350000"/>
+              </a:schemeClr>
+            </a:gs>
+            <a:gs pos="40000">
+              <a:schemeClr val="phClr">
+                <a:tint val="45000"/>
+                <a:shade val="99000"/>
+                <a:satMod val="350000"/>
+              </a:schemeClr>
+            </a:gs>
+            <a:gs pos="100000">
+              <a:schemeClr val="phClr">
+                <a:shade val="20000"/>
+                <a:satMod val="255000"/>
+              </a:schemeClr>
+            </a:gs>
+          </a:gsLst>
+          <a:path path="circle">
+            <a:fillToRect l="50000" t="-80000" r="50000" b="180000"/>
+          </a:path>
+        </a:gradFill>
+        <a:gradFill rotWithShape="1">
+          <a:gsLst>
+            <a:gs pos="0">
+              <a:schemeClr val="phClr">
+                <a:tint val="80000"/>
+                <a:satMod val="300000"/>
+              </a:schemeClr>
+            </a:gs>
+            <a:gs pos="100000">
+              <a:schemeClr val="phClr">
+                <a:shade val="30000"/>
+                <a:satMod val="200000"/>
+              </a:schemeClr>
+            </a:gs>
+          </a:gsLst>
+          <a:path path="circle">
+            <a:fillToRect l="50000" t="50000" r="50000" b="50000"/>
+          </a:path>
+        </a:gradFill>
+      </a:bgFillStyleLst>
+    </a:fmtScheme>
+  </a:themeElements>
+</a:theme>
+</file>
+
+<file path=ppt/theme/theme2.xml><?xml version="1.0" encoding="utf-8"?>
 <a:theme xmlns:a="http://schemas.openxmlformats.org/drawingml/2006/main" xmlns:r="http://schemas.openxmlformats.org/officeDocument/2006/relationships" name="Simple Light">
   <a:themeElements>
     <a:clrScheme name="Simple Light">
@@ -11811,283 +13025,4 @@
     </a:fmtScheme>
   </a:themeElements>
 </a:theme>
-</file>
-
-<file path=ppt/theme/theme2.xml><?xml version="1.0" encoding="utf-8"?>
-<a:theme xmlns:a="http://schemas.openxmlformats.org/drawingml/2006/main" xmlns:r="http://schemas.openxmlformats.org/officeDocument/2006/relationships">
-  <a:themeElements>
-    <a:clrScheme name="Default">
-      <a:dk1>
-        <a:srgbClr val="000000"/>
-      </a:dk1>
-      <a:lt1>
-        <a:srgbClr val="FFFFFF"/>
-      </a:lt1>
-      <a:dk2>
-        <a:srgbClr val="158158"/>
-      </a:dk2>
-      <a:lt2>
-        <a:srgbClr val="F3F3F3"/>
-      </a:lt2>
-      <a:accent1>
-        <a:srgbClr val="058DC7"/>
-      </a:accent1>
-      <a:accent2>
-        <a:srgbClr val="50B432"/>
-      </a:accent2>
-      <a:accent3>
-        <a:srgbClr val="ED561B"/>
-      </a:accent3>
-      <a:accent4>
-        <a:srgbClr val="EDEF00"/>
-      </a:accent4>
-      <a:accent5>
-        <a:srgbClr val="24CBE5"/>
-      </a:accent5>
-      <a:accent6>
-        <a:srgbClr val="64E572"/>
-      </a:accent6>
-      <a:hlink>
-        <a:srgbClr val="2200CC"/>
-      </a:hlink>
-      <a:folHlink>
-        <a:srgbClr val="551A8B"/>
-      </a:folHlink>
-    </a:clrScheme>
-    <a:fontScheme name="Office">
-      <a:majorFont>
-        <a:latin typeface="Arial"/>
-        <a:ea typeface=""/>
-        <a:cs typeface=""/>
-        <a:font script="Jpan" typeface="ＭＳ Ｐゴシック"/>
-        <a:font script="Hang" typeface="맑은 고딕"/>
-        <a:font script="Hans" typeface="宋体"/>
-        <a:font script="Hant" typeface="新細明體"/>
-        <a:font script="Arab" typeface="Times New Roman"/>
-        <a:font script="Hebr" typeface="Times New Roman"/>
-        <a:font script="Thai" typeface="Angsana New"/>
-        <a:font script="Ethi" typeface="Nyala"/>
-        <a:font script="Beng" typeface="Vrinda"/>
-        <a:font script="Gujr" typeface="Shruti"/>
-        <a:font script="Khmr" typeface="MoolBoran"/>
-        <a:font script="Knda" typeface="Tunga"/>
-        <a:font script="Guru" typeface="Raavi"/>
-        <a:font script="Cans" typeface="Euphemia"/>
-        <a:font script="Cher" typeface="Plantagenet Cherokee"/>
-        <a:font script="Yiii" typeface="Microsoft Yi Baiti"/>
-        <a:font script="Tibt" typeface="Microsoft Himalaya"/>
-        <a:font script="Thaa" typeface="MV Boli"/>
-        <a:font script="Deva" typeface="Mangal"/>
-        <a:font script="Telu" typeface="Gautami"/>
-        <a:font script="Taml" typeface="Latha"/>
-        <a:font script="Syrc" typeface="Estrangelo Edessa"/>
-        <a:font script="Orya" typeface="Kalinga"/>
-        <a:font script="Mlym" typeface="Kartika"/>
-        <a:font script="Laoo" typeface="DokChampa"/>
-        <a:font script="Sinh" typeface="Iskoola Pota"/>
-        <a:font script="Mong" typeface="Mongolian Baiti"/>
-        <a:font script="Viet" typeface="Times New Roman"/>
-        <a:font script="Uigh" typeface="Microsoft Uighur"/>
-        <a:font script="Geor" typeface="Sylfaen"/>
-      </a:majorFont>
-      <a:minorFont>
-        <a:latin typeface="Arial"/>
-        <a:ea typeface=""/>
-        <a:cs typeface=""/>
-        <a:font script="Jpan" typeface="ＭＳ Ｐゴシック"/>
-        <a:font script="Hang" typeface="맑은 고딕"/>
-        <a:font script="Hans" typeface="宋体"/>
-        <a:font script="Hant" typeface="新細明體"/>
-        <a:font script="Arab" typeface="Arial"/>
-        <a:font script="Hebr" typeface="Arial"/>
-        <a:font script="Thai" typeface="Cordia New"/>
-        <a:font script="Ethi" typeface="Nyala"/>
-        <a:font script="Beng" typeface="Vrinda"/>
-        <a:font script="Gujr" typeface="Shruti"/>
-        <a:font script="Khmr" typeface="DaunPenh"/>
-        <a:font script="Knda" typeface="Tunga"/>
-        <a:font script="Guru" typeface="Raavi"/>
-        <a:font script="Cans" typeface="Euphemia"/>
-        <a:font script="Cher" typeface="Plantagenet Cherokee"/>
-        <a:font script="Yiii" typeface="Microsoft Yi Baiti"/>
-        <a:font script="Tibt" typeface="Microsoft Himalaya"/>
-        <a:font script="Thaa" typeface="MV Boli"/>
-        <a:font script="Deva" typeface="Mangal"/>
-        <a:font script="Telu" typeface="Gautami"/>
-        <a:font script="Taml" typeface="Latha"/>
-        <a:font script="Syrc" typeface="Estrangelo Edessa"/>
-        <a:font script="Orya" typeface="Kalinga"/>
-        <a:font script="Mlym" typeface="Kartika"/>
-        <a:font script="Laoo" typeface="DokChampa"/>
-        <a:font script="Sinh" typeface="Iskoola Pota"/>
-        <a:font script="Mong" typeface="Mongolian Baiti"/>
-        <a:font script="Viet" typeface="Arial"/>
-        <a:font script="Uigh" typeface="Microsoft Uighur"/>
-        <a:font script="Geor" typeface="Sylfaen"/>
-      </a:minorFont>
-    </a:fontScheme>
-    <a:fmtScheme name="Office">
-      <a:fillStyleLst>
-        <a:solidFill>
-          <a:schemeClr val="phClr"/>
-        </a:solidFill>
-        <a:gradFill rotWithShape="1">
-          <a:gsLst>
-            <a:gs pos="0">
-              <a:schemeClr val="phClr">
-                <a:tint val="50000"/>
-                <a:satMod val="300000"/>
-              </a:schemeClr>
-            </a:gs>
-            <a:gs pos="35000">
-              <a:schemeClr val="phClr">
-                <a:tint val="37000"/>
-                <a:satMod val="300000"/>
-              </a:schemeClr>
-            </a:gs>
-            <a:gs pos="100000">
-              <a:schemeClr val="phClr">
-                <a:tint val="15000"/>
-                <a:satMod val="350000"/>
-              </a:schemeClr>
-            </a:gs>
-          </a:gsLst>
-          <a:lin ang="16200000" scaled="1"/>
-        </a:gradFill>
-        <a:gradFill rotWithShape="1">
-          <a:gsLst>
-            <a:gs pos="0">
-              <a:schemeClr val="phClr">
-                <a:tint val="100000"/>
-                <a:shade val="100000"/>
-                <a:satMod val="130000"/>
-              </a:schemeClr>
-            </a:gs>
-            <a:gs pos="100000">
-              <a:schemeClr val="phClr">
-                <a:tint val="50000"/>
-                <a:shade val="100000"/>
-                <a:satMod val="350000"/>
-              </a:schemeClr>
-            </a:gs>
-          </a:gsLst>
-          <a:lin ang="16200000" scaled="0"/>
-        </a:gradFill>
-      </a:fillStyleLst>
-      <a:lnStyleLst>
-        <a:ln w="9525" cap="flat" cmpd="sng" algn="ctr">
-          <a:solidFill>
-            <a:schemeClr val="phClr">
-              <a:shade val="95000"/>
-              <a:satMod val="105000"/>
-            </a:schemeClr>
-          </a:solidFill>
-          <a:prstDash val="solid"/>
-        </a:ln>
-        <a:ln w="25400" cap="flat" cmpd="sng" algn="ctr">
-          <a:solidFill>
-            <a:schemeClr val="phClr"/>
-          </a:solidFill>
-          <a:prstDash val="solid"/>
-        </a:ln>
-        <a:ln w="38100" cap="flat" cmpd="sng" algn="ctr">
-          <a:solidFill>
-            <a:schemeClr val="phClr"/>
-          </a:solidFill>
-          <a:prstDash val="solid"/>
-        </a:ln>
-      </a:lnStyleLst>
-      <a:effectStyleLst>
-        <a:effectStyle>
-          <a:effectLst>
-            <a:outerShdw blurRad="40000" dist="20000" dir="5400000" rotWithShape="0">
-              <a:srgbClr val="000000">
-                <a:alpha val="38000"/>
-              </a:srgbClr>
-            </a:outerShdw>
-          </a:effectLst>
-        </a:effectStyle>
-        <a:effectStyle>
-          <a:effectLst>
-            <a:outerShdw blurRad="40000" dist="23000" dir="5400000" rotWithShape="0">
-              <a:srgbClr val="000000">
-                <a:alpha val="35000"/>
-              </a:srgbClr>
-            </a:outerShdw>
-          </a:effectLst>
-        </a:effectStyle>
-        <a:effectStyle>
-          <a:effectLst>
-            <a:outerShdw blurRad="40000" dist="23000" dir="5400000" rotWithShape="0">
-              <a:srgbClr val="000000">
-                <a:alpha val="35000"/>
-              </a:srgbClr>
-            </a:outerShdw>
-          </a:effectLst>
-          <a:scene3d>
-            <a:camera prst="orthographicFront">
-              <a:rot lat="0" lon="0" rev="0"/>
-            </a:camera>
-            <a:lightRig rig="threePt" dir="t">
-              <a:rot lat="0" lon="0" rev="1200000"/>
-            </a:lightRig>
-          </a:scene3d>
-          <a:sp3d>
-            <a:bevelT w="63500" h="25400"/>
-          </a:sp3d>
-        </a:effectStyle>
-      </a:effectStyleLst>
-      <a:bgFillStyleLst>
-        <a:solidFill>
-          <a:schemeClr val="phClr"/>
-        </a:solidFill>
-        <a:gradFill rotWithShape="1">
-          <a:gsLst>
-            <a:gs pos="0">
-              <a:schemeClr val="phClr">
-                <a:tint val="40000"/>
-                <a:satMod val="350000"/>
-              </a:schemeClr>
-            </a:gs>
-            <a:gs pos="40000">
-              <a:schemeClr val="phClr">
-                <a:tint val="45000"/>
-                <a:shade val="99000"/>
-                <a:satMod val="350000"/>
-              </a:schemeClr>
-            </a:gs>
-            <a:gs pos="100000">
-              <a:schemeClr val="phClr">
-                <a:shade val="20000"/>
-                <a:satMod val="255000"/>
-              </a:schemeClr>
-            </a:gs>
-          </a:gsLst>
-          <a:path path="circle">
-            <a:fillToRect l="50000" t="-80000" r="50000" b="180000"/>
-          </a:path>
-        </a:gradFill>
-        <a:gradFill rotWithShape="1">
-          <a:gsLst>
-            <a:gs pos="0">
-              <a:schemeClr val="phClr">
-                <a:tint val="80000"/>
-                <a:satMod val="300000"/>
-              </a:schemeClr>
-            </a:gs>
-            <a:gs pos="100000">
-              <a:schemeClr val="phClr">
-                <a:shade val="30000"/>
-                <a:satMod val="200000"/>
-              </a:schemeClr>
-            </a:gs>
-          </a:gsLst>
-          <a:path path="circle">
-            <a:fillToRect l="50000" t="50000" r="50000" b="50000"/>
-          </a:path>
-        </a:gradFill>
-      </a:bgFillStyleLst>
-    </a:fmtScheme>
-  </a:themeElements>
-</a:theme>
 </file>